--- a/Documents/02기초-삼각형그리기.pptx
+++ b/Documents/02기초-삼각형그리기.pptx
@@ -13,10 +13,11 @@
     <p:sldId id="269" r:id="rId7"/>
     <p:sldId id="268" r:id="rId8"/>
     <p:sldId id="271" r:id="rId9"/>
-    <p:sldId id="283" r:id="rId10"/>
-    <p:sldId id="275" r:id="rId11"/>
-    <p:sldId id="277" r:id="rId12"/>
-    <p:sldId id="278" r:id="rId13"/>
+    <p:sldId id="284" r:id="rId10"/>
+    <p:sldId id="285" r:id="rId11"/>
+    <p:sldId id="275" r:id="rId12"/>
+    <p:sldId id="277" r:id="rId13"/>
+    <p:sldId id="278" r:id="rId14"/>
   </p:sldIdLst>
   <p:sldSz cx="12192000" cy="6858000"/>
   <p:notesSz cx="6858000" cy="9144000"/>
@@ -276,7 +277,7 @@
           <a:p>
             <a:fld id="{20FDF2D6-8C5E-4A0C-AD78-AB907B009066}" type="datetimeFigureOut">
               <a:rPr lang="ko-KR" altLang="en-US" smtClean="0"/>
-              <a:t>2024-09-10</a:t>
+              <a:t>2025-09-01</a:t>
             </a:fld>
             <a:endParaRPr lang="ko-KR" altLang="en-US"/>
           </a:p>
@@ -474,7 +475,7 @@
           <a:p>
             <a:fld id="{20FDF2D6-8C5E-4A0C-AD78-AB907B009066}" type="datetimeFigureOut">
               <a:rPr lang="ko-KR" altLang="en-US" smtClean="0"/>
-              <a:t>2024-09-10</a:t>
+              <a:t>2025-09-01</a:t>
             </a:fld>
             <a:endParaRPr lang="ko-KR" altLang="en-US"/>
           </a:p>
@@ -682,7 +683,7 @@
           <a:p>
             <a:fld id="{20FDF2D6-8C5E-4A0C-AD78-AB907B009066}" type="datetimeFigureOut">
               <a:rPr lang="ko-KR" altLang="en-US" smtClean="0"/>
-              <a:t>2024-09-10</a:t>
+              <a:t>2025-09-01</a:t>
             </a:fld>
             <a:endParaRPr lang="ko-KR" altLang="en-US"/>
           </a:p>
@@ -880,7 +881,7 @@
           <a:p>
             <a:fld id="{20FDF2D6-8C5E-4A0C-AD78-AB907B009066}" type="datetimeFigureOut">
               <a:rPr lang="ko-KR" altLang="en-US" smtClean="0"/>
-              <a:t>2024-09-10</a:t>
+              <a:t>2025-09-01</a:t>
             </a:fld>
             <a:endParaRPr lang="ko-KR" altLang="en-US"/>
           </a:p>
@@ -1155,7 +1156,7 @@
           <a:p>
             <a:fld id="{20FDF2D6-8C5E-4A0C-AD78-AB907B009066}" type="datetimeFigureOut">
               <a:rPr lang="ko-KR" altLang="en-US" smtClean="0"/>
-              <a:t>2024-09-10</a:t>
+              <a:t>2025-09-01</a:t>
             </a:fld>
             <a:endParaRPr lang="ko-KR" altLang="en-US"/>
           </a:p>
@@ -1420,7 +1421,7 @@
           <a:p>
             <a:fld id="{20FDF2D6-8C5E-4A0C-AD78-AB907B009066}" type="datetimeFigureOut">
               <a:rPr lang="ko-KR" altLang="en-US" smtClean="0"/>
-              <a:t>2024-09-10</a:t>
+              <a:t>2025-09-01</a:t>
             </a:fld>
             <a:endParaRPr lang="ko-KR" altLang="en-US"/>
           </a:p>
@@ -1832,7 +1833,7 @@
           <a:p>
             <a:fld id="{20FDF2D6-8C5E-4A0C-AD78-AB907B009066}" type="datetimeFigureOut">
               <a:rPr lang="ko-KR" altLang="en-US" smtClean="0"/>
-              <a:t>2024-09-10</a:t>
+              <a:t>2025-09-01</a:t>
             </a:fld>
             <a:endParaRPr lang="ko-KR" altLang="en-US"/>
           </a:p>
@@ -1973,7 +1974,7 @@
           <a:p>
             <a:fld id="{20FDF2D6-8C5E-4A0C-AD78-AB907B009066}" type="datetimeFigureOut">
               <a:rPr lang="ko-KR" altLang="en-US" smtClean="0"/>
-              <a:t>2024-09-10</a:t>
+              <a:t>2025-09-01</a:t>
             </a:fld>
             <a:endParaRPr lang="ko-KR" altLang="en-US"/>
           </a:p>
@@ -2086,7 +2087,7 @@
           <a:p>
             <a:fld id="{20FDF2D6-8C5E-4A0C-AD78-AB907B009066}" type="datetimeFigureOut">
               <a:rPr lang="ko-KR" altLang="en-US" smtClean="0"/>
-              <a:t>2024-09-10</a:t>
+              <a:t>2025-09-01</a:t>
             </a:fld>
             <a:endParaRPr lang="ko-KR" altLang="en-US"/>
           </a:p>
@@ -2397,7 +2398,7 @@
           <a:p>
             <a:fld id="{20FDF2D6-8C5E-4A0C-AD78-AB907B009066}" type="datetimeFigureOut">
               <a:rPr lang="ko-KR" altLang="en-US" smtClean="0"/>
-              <a:t>2024-09-10</a:t>
+              <a:t>2025-09-01</a:t>
             </a:fld>
             <a:endParaRPr lang="ko-KR" altLang="en-US"/>
           </a:p>
@@ -2685,7 +2686,7 @@
           <a:p>
             <a:fld id="{20FDF2D6-8C5E-4A0C-AD78-AB907B009066}" type="datetimeFigureOut">
               <a:rPr lang="ko-KR" altLang="en-US" smtClean="0"/>
-              <a:t>2024-09-10</a:t>
+              <a:t>2025-09-01</a:t>
             </a:fld>
             <a:endParaRPr lang="ko-KR" altLang="en-US"/>
           </a:p>
@@ -2926,7 +2927,7 @@
           <a:p>
             <a:fld id="{20FDF2D6-8C5E-4A0C-AD78-AB907B009066}" type="datetimeFigureOut">
               <a:rPr lang="ko-KR" altLang="en-US" smtClean="0"/>
-              <a:t>2024-09-10</a:t>
+              <a:t>2025-09-01</a:t>
             </a:fld>
             <a:endParaRPr lang="ko-KR" altLang="en-US"/>
           </a:p>
@@ -3445,12 +3446,366 @@
           <a:chExt cx="0" cy="0"/>
         </a:xfrm>
       </p:grpSpPr>
+      <p:grpSp>
+        <p:nvGrpSpPr>
+          <p:cNvPr id="8" name="그룹 7">
+            <a:extLst>
+              <a:ext uri="{FF2B5EF4-FFF2-40B4-BE49-F238E27FC236}">
+                <a16:creationId xmlns:a16="http://schemas.microsoft.com/office/drawing/2014/main" id="{3345E105-EA1E-44A9-8E44-7AFF196E75C0}"/>
+              </a:ext>
+            </a:extLst>
+          </p:cNvPr>
+          <p:cNvGrpSpPr/>
+          <p:nvPr/>
+        </p:nvGrpSpPr>
+        <p:grpSpPr>
+          <a:xfrm>
+            <a:off x="6242241" y="2380778"/>
+            <a:ext cx="5756005" cy="2079702"/>
+            <a:chOff x="195380" y="4754438"/>
+            <a:chExt cx="5756005" cy="2079702"/>
+          </a:xfrm>
+        </p:grpSpPr>
+        <p:grpSp>
+          <p:nvGrpSpPr>
+            <p:cNvPr id="9" name="그룹 8">
+              <a:extLst>
+                <a:ext uri="{FF2B5EF4-FFF2-40B4-BE49-F238E27FC236}">
+                  <a16:creationId xmlns:a16="http://schemas.microsoft.com/office/drawing/2014/main" id="{851375C7-ACF4-469B-B584-760134D1C7FD}"/>
+                </a:ext>
+              </a:extLst>
+            </p:cNvPr>
+            <p:cNvGrpSpPr/>
+            <p:nvPr/>
+          </p:nvGrpSpPr>
+          <p:grpSpPr>
+            <a:xfrm>
+              <a:off x="195380" y="4842633"/>
+              <a:ext cx="5756005" cy="1991507"/>
+              <a:chOff x="-617332" y="3114575"/>
+              <a:chExt cx="6289779" cy="2416486"/>
+            </a:xfrm>
+          </p:grpSpPr>
+          <p:grpSp>
+            <p:nvGrpSpPr>
+              <p:cNvPr id="11" name="그룹 10">
+                <a:extLst>
+                  <a:ext uri="{FF2B5EF4-FFF2-40B4-BE49-F238E27FC236}">
+                    <a16:creationId xmlns:a16="http://schemas.microsoft.com/office/drawing/2014/main" id="{31B44626-EDE1-4E50-AF01-B065E9E1836A}"/>
+                  </a:ext>
+                </a:extLst>
+              </p:cNvPr>
+              <p:cNvGrpSpPr/>
+              <p:nvPr/>
+            </p:nvGrpSpPr>
+            <p:grpSpPr>
+              <a:xfrm>
+                <a:off x="-617332" y="3114575"/>
+                <a:ext cx="5833287" cy="2416486"/>
+                <a:chOff x="-523203" y="2789973"/>
+                <a:chExt cx="5833287" cy="2416486"/>
+              </a:xfrm>
+            </p:grpSpPr>
+            <p:pic>
+              <p:nvPicPr>
+                <p:cNvPr id="13" name="그림 12">
+                  <a:extLst>
+                    <a:ext uri="{FF2B5EF4-FFF2-40B4-BE49-F238E27FC236}">
+                      <a16:creationId xmlns:a16="http://schemas.microsoft.com/office/drawing/2014/main" id="{0B9EBB9B-6E06-482A-96AD-D643CE07E0C9}"/>
+                    </a:ext>
+                  </a:extLst>
+                </p:cNvPr>
+                <p:cNvPicPr>
+                  <a:picLocks noChangeAspect="1"/>
+                </p:cNvPicPr>
+                <p:nvPr/>
+              </p:nvPicPr>
+              <p:blipFill>
+                <a:blip r:embed="rId2"/>
+                <a:stretch>
+                  <a:fillRect/>
+                </a:stretch>
+              </p:blipFill>
+              <p:spPr>
+                <a:xfrm>
+                  <a:off x="215350" y="2789973"/>
+                  <a:ext cx="5094734" cy="2369734"/>
+                </a:xfrm>
+                <a:prstGeom prst="rect">
+                  <a:avLst/>
+                </a:prstGeom>
+              </p:spPr>
+            </p:pic>
+            <p:sp>
+              <p:nvSpPr>
+                <p:cNvPr id="14" name="TextBox 13">
+                  <a:extLst>
+                    <a:ext uri="{FF2B5EF4-FFF2-40B4-BE49-F238E27FC236}">
+                      <a16:creationId xmlns:a16="http://schemas.microsoft.com/office/drawing/2014/main" id="{29800889-A281-4311-B5BD-BCEA14F6A0B8}"/>
+                    </a:ext>
+                  </a:extLst>
+                </p:cNvPr>
+                <p:cNvSpPr txBox="1"/>
+                <p:nvPr/>
+              </p:nvSpPr>
+              <p:spPr>
+                <a:xfrm>
+                  <a:off x="-523203" y="2845675"/>
+                  <a:ext cx="2639944" cy="317436"/>
+                </a:xfrm>
+                <a:prstGeom prst="rect">
+                  <a:avLst/>
+                </a:prstGeom>
+                <a:noFill/>
+              </p:spPr>
+              <p:txBody>
+                <a:bodyPr wrap="square">
+                  <a:spAutoFit/>
+                </a:bodyPr>
+                <a:lstStyle/>
+                <a:p>
+                  <a:r>
+                    <a:rPr lang="en-US" altLang="ko-KR" sz="1100" dirty="0"/>
+                    <a:t>Normalized Device Coordinate</a:t>
+                  </a:r>
+                  <a:endParaRPr lang="ko-KR" altLang="en-US" sz="1100" dirty="0"/>
+                </a:p>
+              </p:txBody>
+            </p:sp>
+            <p:sp>
+              <p:nvSpPr>
+                <p:cNvPr id="15" name="TextBox 14">
+                  <a:extLst>
+                    <a:ext uri="{FF2B5EF4-FFF2-40B4-BE49-F238E27FC236}">
+                      <a16:creationId xmlns:a16="http://schemas.microsoft.com/office/drawing/2014/main" id="{21AE364F-B6A6-48FC-A408-795E427B73C5}"/>
+                    </a:ext>
+                  </a:extLst>
+                </p:cNvPr>
+                <p:cNvSpPr txBox="1"/>
+                <p:nvPr/>
+              </p:nvSpPr>
+              <p:spPr>
+                <a:xfrm>
+                  <a:off x="4672100" y="2872877"/>
+                  <a:ext cx="628053" cy="317436"/>
+                </a:xfrm>
+                <a:prstGeom prst="rect">
+                  <a:avLst/>
+                </a:prstGeom>
+                <a:noFill/>
+              </p:spPr>
+              <p:txBody>
+                <a:bodyPr wrap="square">
+                  <a:spAutoFit/>
+                </a:bodyPr>
+                <a:lstStyle/>
+                <a:p>
+                  <a:r>
+                    <a:rPr lang="en-US" altLang="ko-KR" sz="1100" dirty="0"/>
+                    <a:t>1023</a:t>
+                  </a:r>
+                  <a:endParaRPr lang="ko-KR" altLang="en-US" sz="1100" dirty="0"/>
+                </a:p>
+              </p:txBody>
+            </p:sp>
+            <p:sp>
+              <p:nvSpPr>
+                <p:cNvPr id="16" name="TextBox 15">
+                  <a:extLst>
+                    <a:ext uri="{FF2B5EF4-FFF2-40B4-BE49-F238E27FC236}">
+                      <a16:creationId xmlns:a16="http://schemas.microsoft.com/office/drawing/2014/main" id="{1EFDD6A0-E932-41A6-BA10-BB09C3AF4447}"/>
+                    </a:ext>
+                  </a:extLst>
+                </p:cNvPr>
+                <p:cNvSpPr txBox="1"/>
+                <p:nvPr/>
+              </p:nvSpPr>
+              <p:spPr>
+                <a:xfrm>
+                  <a:off x="2617260" y="2842788"/>
+                  <a:ext cx="2064771" cy="261610"/>
+                </a:xfrm>
+                <a:prstGeom prst="rect">
+                  <a:avLst/>
+                </a:prstGeom>
+                <a:noFill/>
+              </p:spPr>
+              <p:txBody>
+                <a:bodyPr wrap="square">
+                  <a:spAutoFit/>
+                </a:bodyPr>
+                <a:lstStyle/>
+                <a:p>
+                  <a:r>
+                    <a:rPr lang="en-US" altLang="ko-KR" sz="1100" dirty="0"/>
+                    <a:t>W = 1024 , H = 768 </a:t>
+                  </a:r>
+                  <a:r>
+                    <a:rPr lang="ko-KR" altLang="en-US" sz="1100" dirty="0"/>
+                    <a:t>이면</a:t>
+                  </a:r>
+                </a:p>
+              </p:txBody>
+            </p:sp>
+            <p:sp>
+              <p:nvSpPr>
+                <p:cNvPr id="17" name="TextBox 16">
+                  <a:extLst>
+                    <a:ext uri="{FF2B5EF4-FFF2-40B4-BE49-F238E27FC236}">
+                      <a16:creationId xmlns:a16="http://schemas.microsoft.com/office/drawing/2014/main" id="{60F50821-D950-4BC5-8182-5CEC5F53B309}"/>
+                    </a:ext>
+                  </a:extLst>
+                </p:cNvPr>
+                <p:cNvSpPr txBox="1"/>
+                <p:nvPr/>
+              </p:nvSpPr>
+              <p:spPr>
+                <a:xfrm>
+                  <a:off x="1247411" y="4944849"/>
+                  <a:ext cx="500519" cy="261610"/>
+                </a:xfrm>
+                <a:prstGeom prst="rect">
+                  <a:avLst/>
+                </a:prstGeom>
+                <a:noFill/>
+              </p:spPr>
+              <p:txBody>
+                <a:bodyPr wrap="square">
+                  <a:spAutoFit/>
+                </a:bodyPr>
+                <a:lstStyle/>
+                <a:p>
+                  <a:r>
+                    <a:rPr lang="en-US" altLang="ko-KR" sz="1100" dirty="0"/>
+                    <a:t>767</a:t>
+                  </a:r>
+                  <a:endParaRPr lang="ko-KR" altLang="en-US" sz="1100" dirty="0"/>
+                </a:p>
+              </p:txBody>
+            </p:sp>
+          </p:grpSp>
+          <p:sp>
+            <p:nvSpPr>
+              <p:cNvPr id="12" name="TextBox 11">
+                <a:extLst>
+                  <a:ext uri="{FF2B5EF4-FFF2-40B4-BE49-F238E27FC236}">
+                    <a16:creationId xmlns:a16="http://schemas.microsoft.com/office/drawing/2014/main" id="{2CC50939-35F8-48B8-9715-628781BB805A}"/>
+                  </a:ext>
+                </a:extLst>
+              </p:cNvPr>
+              <p:cNvSpPr txBox="1"/>
+              <p:nvPr/>
+            </p:nvSpPr>
+            <p:spPr>
+              <a:xfrm>
+                <a:off x="3088406" y="3693018"/>
+                <a:ext cx="2584041" cy="298763"/>
+              </a:xfrm>
+              <a:prstGeom prst="rect">
+                <a:avLst/>
+              </a:prstGeom>
+              <a:noFill/>
+            </p:spPr>
+            <p:txBody>
+              <a:bodyPr wrap="none" rtlCol="0">
+                <a:spAutoFit/>
+              </a:bodyPr>
+              <a:lstStyle/>
+              <a:p>
+                <a:r>
+                  <a:rPr lang="ko-KR" altLang="en-US" sz="1000" dirty="0"/>
+                  <a:t>화면 </a:t>
+                </a:r>
+                <a:r>
+                  <a:rPr lang="ko-KR" altLang="en-US" sz="1000" dirty="0" err="1"/>
+                  <a:t>영역중</a:t>
+                </a:r>
+                <a:r>
+                  <a:rPr lang="ko-KR" altLang="en-US" sz="1000" dirty="0"/>
+                  <a:t> 그리는 부분</a:t>
+                </a:r>
+                <a:r>
+                  <a:rPr lang="en-US" altLang="ko-KR" sz="1000" dirty="0"/>
+                  <a:t>(</a:t>
+                </a:r>
+                <a:r>
+                  <a:rPr lang="ko-KR" altLang="en-US" sz="1000" dirty="0"/>
+                  <a:t>보통은 같다</a:t>
+                </a:r>
+                <a:r>
+                  <a:rPr lang="en-US" altLang="ko-KR" sz="1000" dirty="0"/>
+                  <a:t>)</a:t>
+                </a:r>
+                <a:endParaRPr lang="ko-KR" altLang="en-US" sz="1000" dirty="0"/>
+              </a:p>
+            </p:txBody>
+          </p:sp>
+        </p:grpSp>
+        <p:sp>
+          <p:nvSpPr>
+            <p:cNvPr id="10" name="직사각형 9">
+              <a:extLst>
+                <a:ext uri="{FF2B5EF4-FFF2-40B4-BE49-F238E27FC236}">
+                  <a16:creationId xmlns:a16="http://schemas.microsoft.com/office/drawing/2014/main" id="{8EC98F40-1C11-489A-851A-79627365CC94}"/>
+                </a:ext>
+              </a:extLst>
+            </p:cNvPr>
+            <p:cNvSpPr/>
+            <p:nvPr/>
+          </p:nvSpPr>
+          <p:spPr>
+            <a:xfrm>
+              <a:off x="662437" y="4754438"/>
+              <a:ext cx="1611339" cy="246221"/>
+            </a:xfrm>
+            <a:prstGeom prst="rect">
+              <a:avLst/>
+            </a:prstGeom>
+          </p:spPr>
+          <p:txBody>
+            <a:bodyPr wrap="none">
+              <a:spAutoFit/>
+            </a:bodyPr>
+            <a:lstStyle/>
+            <a:p>
+              <a:r>
+                <a:rPr lang="en-US" altLang="ko-KR" sz="1000" dirty="0"/>
+                <a:t>( DX</a:t>
+              </a:r>
+              <a:r>
+                <a:rPr lang="ko-KR" altLang="en-US" sz="1000" dirty="0"/>
+                <a:t>는 </a:t>
+              </a:r>
+              <a:r>
+                <a:rPr lang="en-US" altLang="ko-KR" sz="1000" dirty="0"/>
+                <a:t>z</a:t>
+              </a:r>
+              <a:r>
+                <a:rPr lang="ko-KR" altLang="en-US" sz="1000" dirty="0"/>
+                <a:t>를 </a:t>
+              </a:r>
+              <a:r>
+                <a:rPr lang="en-US" altLang="ko-KR" sz="1000" dirty="0"/>
+                <a:t>0.0~1.0</a:t>
+              </a:r>
+              <a:r>
+                <a:rPr lang="ko-KR" altLang="en-US" sz="1000" dirty="0"/>
+                <a:t> 사용</a:t>
+              </a:r>
+              <a:r>
+                <a:rPr lang="en-US" altLang="ko-KR" sz="1000" dirty="0"/>
+                <a:t>)</a:t>
+              </a:r>
+            </a:p>
+          </p:txBody>
+        </p:sp>
+      </p:grpSp>
       <p:sp>
         <p:nvSpPr>
           <p:cNvPr id="2" name="제목 1">
             <a:extLst>
               <a:ext uri="{FF2B5EF4-FFF2-40B4-BE49-F238E27FC236}">
-                <a16:creationId xmlns:a16="http://schemas.microsoft.com/office/drawing/2014/main" id="{CDF9DE19-7771-8D13-94C6-8D8FBD824016}"/>
+                <a16:creationId xmlns:a16="http://schemas.microsoft.com/office/drawing/2014/main" id="{E80FFA21-FD89-4AD4-8D8C-629D68299E9A}"/>
               </a:ext>
             </a:extLst>
           </p:cNvPr>
@@ -3468,18 +3823,903 @@
           <a:p>
             <a:r>
               <a:rPr lang="en-US" altLang="ko-KR" dirty="0"/>
-              <a:t>Pixel Shader Stage</a:t>
+              <a:t>Rasterizer Stage</a:t>
             </a:r>
             <a:endParaRPr lang="ko-KR" altLang="en-US" dirty="0"/>
           </a:p>
         </p:txBody>
       </p:sp>
-      <p:sp>
-        <p:nvSpPr>
-          <p:cNvPr id="3" name="TextBox 2">
-            <a:extLst>
-              <a:ext uri="{FF2B5EF4-FFF2-40B4-BE49-F238E27FC236}">
-                <a16:creationId xmlns:a16="http://schemas.microsoft.com/office/drawing/2014/main" id="{0D4BCDB2-981F-0D42-3C34-CD1AC2282608}"/>
+      <p:pic>
+        <p:nvPicPr>
+          <p:cNvPr id="3" name="그림 2">
+            <a:extLst>
+              <a:ext uri="{FF2B5EF4-FFF2-40B4-BE49-F238E27FC236}">
+                <a16:creationId xmlns:a16="http://schemas.microsoft.com/office/drawing/2014/main" id="{E583892A-E961-4A92-9544-716E5F72D25F}"/>
+              </a:ext>
+            </a:extLst>
+          </p:cNvPr>
+          <p:cNvPicPr>
+            <a:picLocks noChangeAspect="1"/>
+          </p:cNvPicPr>
+          <p:nvPr/>
+        </p:nvPicPr>
+        <p:blipFill>
+          <a:blip r:embed="rId3"/>
+          <a:stretch>
+            <a:fillRect/>
+          </a:stretch>
+        </p:blipFill>
+        <p:spPr>
+          <a:xfrm>
+            <a:off x="176732" y="2560347"/>
+            <a:ext cx="5980506" cy="2831263"/>
+          </a:xfrm>
+          <a:prstGeom prst="rect">
+            <a:avLst/>
+          </a:prstGeom>
+        </p:spPr>
+      </p:pic>
+      <p:pic>
+        <p:nvPicPr>
+          <p:cNvPr id="4" name="그림 3">
+            <a:extLst>
+              <a:ext uri="{FF2B5EF4-FFF2-40B4-BE49-F238E27FC236}">
+                <a16:creationId xmlns:a16="http://schemas.microsoft.com/office/drawing/2014/main" id="{F1BC17C0-5EC2-4655-AF93-E7F6D2959CC9}"/>
+              </a:ext>
+            </a:extLst>
+          </p:cNvPr>
+          <p:cNvPicPr>
+            <a:picLocks noChangeAspect="1"/>
+          </p:cNvPicPr>
+          <p:nvPr/>
+        </p:nvPicPr>
+        <p:blipFill>
+          <a:blip r:embed="rId4"/>
+          <a:stretch>
+            <a:fillRect/>
+          </a:stretch>
+        </p:blipFill>
+        <p:spPr>
+          <a:xfrm>
+            <a:off x="154326" y="2453611"/>
+            <a:ext cx="1083973" cy="893132"/>
+          </a:xfrm>
+          <a:prstGeom prst="rect">
+            <a:avLst/>
+          </a:prstGeom>
+        </p:spPr>
+      </p:pic>
+      <p:pic>
+        <p:nvPicPr>
+          <p:cNvPr id="5" name="그림 4">
+            <a:extLst>
+              <a:ext uri="{FF2B5EF4-FFF2-40B4-BE49-F238E27FC236}">
+                <a16:creationId xmlns:a16="http://schemas.microsoft.com/office/drawing/2014/main" id="{C8A768AC-D07F-47E3-ACB2-B8D46DCE87BF}"/>
+              </a:ext>
+            </a:extLst>
+          </p:cNvPr>
+          <p:cNvPicPr>
+            <a:picLocks noChangeAspect="1"/>
+          </p:cNvPicPr>
+          <p:nvPr/>
+        </p:nvPicPr>
+        <p:blipFill>
+          <a:blip r:embed="rId5"/>
+          <a:stretch>
+            <a:fillRect/>
+          </a:stretch>
+        </p:blipFill>
+        <p:spPr>
+          <a:xfrm>
+            <a:off x="9143613" y="3445461"/>
+            <a:ext cx="782577" cy="612452"/>
+          </a:xfrm>
+          <a:prstGeom prst="rect">
+            <a:avLst/>
+          </a:prstGeom>
+        </p:spPr>
+      </p:pic>
+      <p:sp>
+        <p:nvSpPr>
+          <p:cNvPr id="6" name="직사각형 5">
+            <a:extLst>
+              <a:ext uri="{FF2B5EF4-FFF2-40B4-BE49-F238E27FC236}">
+                <a16:creationId xmlns:a16="http://schemas.microsoft.com/office/drawing/2014/main" id="{CB8C1F2E-D388-421F-8F85-48366905E225}"/>
+              </a:ext>
+            </a:extLst>
+          </p:cNvPr>
+          <p:cNvSpPr/>
+          <p:nvPr/>
+        </p:nvSpPr>
+        <p:spPr>
+          <a:xfrm>
+            <a:off x="478818" y="1479572"/>
+            <a:ext cx="11383443" cy="923330"/>
+          </a:xfrm>
+          <a:prstGeom prst="rect">
+            <a:avLst/>
+          </a:prstGeom>
+        </p:spPr>
+        <p:txBody>
+          <a:bodyPr wrap="square">
+            <a:spAutoFit/>
+          </a:bodyPr>
+          <a:lstStyle/>
+          <a:p>
+            <a:r>
+              <a:rPr lang="ko-KR" altLang="en-US" dirty="0"/>
+              <a:t>앞 단계에서 전달 받은 </a:t>
+            </a:r>
+            <a:r>
+              <a:rPr lang="en-US" altLang="ko-KR" dirty="0">
+                <a:solidFill>
+                  <a:srgbClr val="FF0000"/>
+                </a:solidFill>
+              </a:rPr>
+              <a:t>Primitive(</a:t>
+            </a:r>
+            <a:r>
+              <a:rPr lang="ko-KR" altLang="en-US" dirty="0">
+                <a:solidFill>
+                  <a:srgbClr val="FF0000"/>
+                </a:solidFill>
+              </a:rPr>
+              <a:t>삼각형</a:t>
+            </a:r>
+            <a:r>
+              <a:rPr lang="en-US" altLang="ko-KR" dirty="0">
+                <a:solidFill>
+                  <a:srgbClr val="FF0000"/>
+                </a:solidFill>
+              </a:rPr>
+              <a:t>,</a:t>
+            </a:r>
+            <a:r>
+              <a:rPr lang="ko-KR" altLang="en-US" dirty="0">
+                <a:solidFill>
+                  <a:srgbClr val="FF0000"/>
+                </a:solidFill>
+              </a:rPr>
+              <a:t>선</a:t>
+            </a:r>
+            <a:r>
+              <a:rPr lang="en-US" altLang="ko-KR" dirty="0">
+                <a:solidFill>
+                  <a:srgbClr val="FF0000"/>
+                </a:solidFill>
+              </a:rPr>
+              <a:t>,</a:t>
+            </a:r>
+            <a:r>
+              <a:rPr lang="ko-KR" altLang="en-US" dirty="0">
+                <a:solidFill>
+                  <a:srgbClr val="FF0000"/>
+                </a:solidFill>
+              </a:rPr>
+              <a:t>라인</a:t>
+            </a:r>
+            <a:r>
+              <a:rPr lang="en-US" altLang="ko-KR" dirty="0">
+                <a:solidFill>
+                  <a:srgbClr val="FF0000"/>
+                </a:solidFill>
+              </a:rPr>
+              <a:t>)</a:t>
+            </a:r>
+            <a:r>
+              <a:rPr lang="ko-KR" altLang="en-US" dirty="0"/>
+              <a:t>을 </a:t>
+            </a:r>
+            <a:r>
+              <a:rPr lang="ko-KR" altLang="en-US" dirty="0" err="1"/>
+              <a:t>뷰포트에</a:t>
+            </a:r>
+            <a:r>
+              <a:rPr lang="ko-KR" altLang="en-US" dirty="0"/>
+              <a:t> 맞춰 </a:t>
+            </a:r>
+            <a:r>
+              <a:rPr lang="ko-KR" altLang="en-US" dirty="0">
+                <a:solidFill>
+                  <a:srgbClr val="FF0000"/>
+                </a:solidFill>
+              </a:rPr>
+              <a:t>조각</a:t>
+            </a:r>
+            <a:r>
+              <a:rPr lang="en-US" altLang="ko-KR" dirty="0">
+                <a:solidFill>
+                  <a:srgbClr val="FF0000"/>
+                </a:solidFill>
+              </a:rPr>
+              <a:t>(Fragment)</a:t>
+            </a:r>
+            <a:r>
+              <a:rPr lang="ko-KR" altLang="en-US" dirty="0"/>
+              <a:t>을 만드는 과정</a:t>
+            </a:r>
+            <a:endParaRPr lang="en-US" altLang="ko-KR" dirty="0"/>
+          </a:p>
+          <a:p>
+            <a:r>
+              <a:rPr lang="en-US" altLang="ko-KR" dirty="0"/>
+              <a:t> Fragment </a:t>
+            </a:r>
+            <a:r>
+              <a:rPr lang="ko-KR" altLang="en-US" dirty="0"/>
+              <a:t>마다 </a:t>
+            </a:r>
+            <a:r>
+              <a:rPr lang="en-US" altLang="ko-KR" dirty="0" err="1">
+                <a:solidFill>
+                  <a:srgbClr val="FF0000"/>
+                </a:solidFill>
+              </a:rPr>
+              <a:t>PixelShader</a:t>
+            </a:r>
+            <a:r>
+              <a:rPr lang="en-US" altLang="ko-KR" dirty="0">
+                <a:solidFill>
+                  <a:srgbClr val="FF0000"/>
+                </a:solidFill>
+              </a:rPr>
+              <a:t>(</a:t>
+            </a:r>
+            <a:r>
+              <a:rPr lang="ko-KR" altLang="en-US" dirty="0">
+                <a:solidFill>
+                  <a:srgbClr val="FF0000"/>
+                </a:solidFill>
+              </a:rPr>
+              <a:t>색상계산</a:t>
+            </a:r>
+            <a:r>
+              <a:rPr lang="en-US" altLang="ko-KR" dirty="0">
+                <a:solidFill>
+                  <a:srgbClr val="FF0000"/>
+                </a:solidFill>
+              </a:rPr>
+              <a:t>)</a:t>
+            </a:r>
+            <a:r>
+              <a:rPr lang="ko-KR" altLang="en-US" dirty="0"/>
+              <a:t>가 실행 되므로 이 부분을 줄이기위한 알고리즘이 작동한다</a:t>
+            </a:r>
+            <a:r>
+              <a:rPr lang="en-US" altLang="ko-KR" dirty="0"/>
+              <a:t>.</a:t>
+            </a:r>
+          </a:p>
+          <a:p>
+            <a:r>
+              <a:rPr lang="ko-KR" altLang="en-US" dirty="0"/>
+              <a:t>각 </a:t>
+            </a:r>
+            <a:r>
+              <a:rPr lang="en-US" altLang="ko-KR" dirty="0"/>
+              <a:t>Fragment</a:t>
+            </a:r>
+            <a:r>
+              <a:rPr lang="ko-KR" altLang="en-US" dirty="0"/>
+              <a:t>는 </a:t>
+            </a:r>
+            <a:r>
+              <a:rPr lang="en-US" altLang="ko-KR" dirty="0"/>
+              <a:t>Vertex Shader</a:t>
+            </a:r>
+            <a:r>
+              <a:rPr lang="ko-KR" altLang="en-US" dirty="0"/>
+              <a:t>의 </a:t>
+            </a:r>
+            <a:r>
+              <a:rPr lang="ko-KR" altLang="en-US" dirty="0" err="1"/>
+              <a:t>출력값을</a:t>
+            </a:r>
+            <a:r>
+              <a:rPr lang="ko-KR" altLang="en-US" dirty="0"/>
+              <a:t> </a:t>
+            </a:r>
+            <a:r>
+              <a:rPr lang="ko-KR" altLang="en-US" dirty="0" err="1"/>
+              <a:t>보간하여</a:t>
+            </a:r>
+            <a:r>
+              <a:rPr lang="ko-KR" altLang="en-US" dirty="0"/>
+              <a:t> </a:t>
+            </a:r>
+            <a:r>
+              <a:rPr lang="en-US" altLang="ko-KR" dirty="0" err="1"/>
+              <a:t>PixelShader</a:t>
+            </a:r>
+            <a:r>
+              <a:rPr lang="ko-KR" altLang="en-US" dirty="0"/>
+              <a:t>의 입력으로 사용한다</a:t>
+            </a:r>
+            <a:r>
+              <a:rPr lang="en-US" altLang="ko-KR" dirty="0"/>
+              <a:t>.</a:t>
+            </a:r>
+            <a:r>
+              <a:rPr lang="ko-KR" altLang="en-US" dirty="0"/>
+              <a:t> </a:t>
+            </a:r>
+          </a:p>
+        </p:txBody>
+      </p:sp>
+      <p:grpSp>
+        <p:nvGrpSpPr>
+          <p:cNvPr id="18" name="그룹 17">
+            <a:extLst>
+              <a:ext uri="{FF2B5EF4-FFF2-40B4-BE49-F238E27FC236}">
+                <a16:creationId xmlns:a16="http://schemas.microsoft.com/office/drawing/2014/main" id="{C81C3893-E1C9-4704-A5E7-1BEA80D5280B}"/>
+              </a:ext>
+            </a:extLst>
+          </p:cNvPr>
+          <p:cNvGrpSpPr/>
+          <p:nvPr/>
+        </p:nvGrpSpPr>
+        <p:grpSpPr>
+          <a:xfrm>
+            <a:off x="155892" y="5435758"/>
+            <a:ext cx="2292418" cy="1178187"/>
+            <a:chOff x="650890" y="5472342"/>
+            <a:chExt cx="2666146" cy="1401349"/>
+          </a:xfrm>
+        </p:grpSpPr>
+        <p:grpSp>
+          <p:nvGrpSpPr>
+            <p:cNvPr id="19" name="그룹 18">
+              <a:extLst>
+                <a:ext uri="{FF2B5EF4-FFF2-40B4-BE49-F238E27FC236}">
+                  <a16:creationId xmlns:a16="http://schemas.microsoft.com/office/drawing/2014/main" id="{3A5DB616-8E5D-46BD-88FD-B52A4C4AD5A2}"/>
+                </a:ext>
+              </a:extLst>
+            </p:cNvPr>
+            <p:cNvGrpSpPr/>
+            <p:nvPr/>
+          </p:nvGrpSpPr>
+          <p:grpSpPr>
+            <a:xfrm>
+              <a:off x="650890" y="5523999"/>
+              <a:ext cx="2577565" cy="1349692"/>
+              <a:chOff x="533893" y="5501537"/>
+              <a:chExt cx="2577565" cy="1349692"/>
+            </a:xfrm>
+          </p:grpSpPr>
+          <p:pic>
+            <p:nvPicPr>
+              <p:cNvPr id="21" name="그림 20">
+                <a:extLst>
+                  <a:ext uri="{FF2B5EF4-FFF2-40B4-BE49-F238E27FC236}">
+                    <a16:creationId xmlns:a16="http://schemas.microsoft.com/office/drawing/2014/main" id="{98BD5DA4-2DB5-4DCB-AC3B-56CCEDD7A35D}"/>
+                  </a:ext>
+                </a:extLst>
+              </p:cNvPr>
+              <p:cNvPicPr>
+                <a:picLocks noChangeAspect="1"/>
+              </p:cNvPicPr>
+              <p:nvPr/>
+            </p:nvPicPr>
+            <p:blipFill>
+              <a:blip r:embed="rId6"/>
+              <a:stretch>
+                <a:fillRect/>
+              </a:stretch>
+            </p:blipFill>
+            <p:spPr>
+              <a:xfrm>
+                <a:off x="533893" y="5501537"/>
+                <a:ext cx="2577565" cy="1098228"/>
+              </a:xfrm>
+              <a:prstGeom prst="rect">
+                <a:avLst/>
+              </a:prstGeom>
+            </p:spPr>
+          </p:pic>
+          <p:sp>
+            <p:nvSpPr>
+              <p:cNvPr id="22" name="TextBox 21">
+                <a:extLst>
+                  <a:ext uri="{FF2B5EF4-FFF2-40B4-BE49-F238E27FC236}">
+                    <a16:creationId xmlns:a16="http://schemas.microsoft.com/office/drawing/2014/main" id="{72F8BE95-78F6-43A9-9155-5E060780D8E3}"/>
+                  </a:ext>
+                </a:extLst>
+              </p:cNvPr>
+              <p:cNvSpPr txBox="1"/>
+              <p:nvPr/>
+            </p:nvSpPr>
+            <p:spPr>
+              <a:xfrm>
+                <a:off x="743569" y="6420342"/>
+                <a:ext cx="1965603" cy="430887"/>
+              </a:xfrm>
+              <a:prstGeom prst="rect">
+                <a:avLst/>
+              </a:prstGeom>
+              <a:noFill/>
+            </p:spPr>
+            <p:txBody>
+              <a:bodyPr wrap="none" rtlCol="0">
+                <a:spAutoFit/>
+              </a:bodyPr>
+              <a:lstStyle/>
+              <a:p>
+                <a:r>
+                  <a:rPr lang="ko-KR" altLang="en-US" sz="1100" dirty="0"/>
+                  <a:t>그리는 순서</a:t>
+                </a:r>
+                <a:r>
+                  <a:rPr lang="en-US" altLang="ko-KR" sz="1100" dirty="0"/>
+                  <a:t>(</a:t>
+                </a:r>
+                <a:r>
+                  <a:rPr lang="ko-KR" altLang="en-US" sz="1100" dirty="0"/>
+                  <a:t>방향</a:t>
+                </a:r>
+                <a:r>
+                  <a:rPr lang="en-US" altLang="ko-KR" sz="1100" dirty="0"/>
+                  <a:t>)</a:t>
+                </a:r>
+                <a:r>
+                  <a:rPr lang="ko-KR" altLang="en-US" sz="1100" dirty="0"/>
+                  <a:t>에 따라 </a:t>
+                </a:r>
+                <a:endParaRPr lang="en-US" altLang="ko-KR" sz="1100" dirty="0"/>
+              </a:p>
+              <a:p>
+                <a:r>
+                  <a:rPr lang="ko-KR" altLang="en-US" sz="1100" dirty="0"/>
+                  <a:t>앞</a:t>
+                </a:r>
+                <a:r>
+                  <a:rPr lang="en-US" altLang="ko-KR" sz="1100" dirty="0"/>
+                  <a:t>,</a:t>
+                </a:r>
+                <a:r>
+                  <a:rPr lang="ko-KR" altLang="en-US" sz="1100" dirty="0"/>
+                  <a:t>뒷 면 구분하여 뒷면 폐기</a:t>
+                </a:r>
+              </a:p>
+            </p:txBody>
+          </p:sp>
+        </p:grpSp>
+        <p:sp>
+          <p:nvSpPr>
+            <p:cNvPr id="20" name="TextBox 19">
+              <a:extLst>
+                <a:ext uri="{FF2B5EF4-FFF2-40B4-BE49-F238E27FC236}">
+                  <a16:creationId xmlns:a16="http://schemas.microsoft.com/office/drawing/2014/main" id="{BE87F982-4FED-45D1-9BE1-E4B7C14E00F0}"/>
+                </a:ext>
+              </a:extLst>
+            </p:cNvPr>
+            <p:cNvSpPr txBox="1"/>
+            <p:nvPr/>
+          </p:nvSpPr>
+          <p:spPr>
+            <a:xfrm>
+              <a:off x="1412036" y="5472342"/>
+              <a:ext cx="1905000" cy="261610"/>
+            </a:xfrm>
+            <a:prstGeom prst="rect">
+              <a:avLst/>
+            </a:prstGeom>
+            <a:noFill/>
+          </p:spPr>
+          <p:txBody>
+            <a:bodyPr wrap="square">
+              <a:spAutoFit/>
+            </a:bodyPr>
+            <a:lstStyle/>
+            <a:p>
+              <a:r>
+                <a:rPr lang="en-US" altLang="ko-KR" sz="1100" dirty="0" err="1"/>
+                <a:t>BackFaceCulling</a:t>
+              </a:r>
+              <a:endParaRPr lang="ko-KR" altLang="en-US" sz="1100" dirty="0"/>
+            </a:p>
+          </p:txBody>
+        </p:sp>
+      </p:grpSp>
+      <p:grpSp>
+        <p:nvGrpSpPr>
+          <p:cNvPr id="23" name="그룹 22">
+            <a:extLst>
+              <a:ext uri="{FF2B5EF4-FFF2-40B4-BE49-F238E27FC236}">
+                <a16:creationId xmlns:a16="http://schemas.microsoft.com/office/drawing/2014/main" id="{910312D7-20E6-466B-9331-7880C6232DDD}"/>
+              </a:ext>
+            </a:extLst>
+          </p:cNvPr>
+          <p:cNvGrpSpPr/>
+          <p:nvPr/>
+        </p:nvGrpSpPr>
+        <p:grpSpPr>
+          <a:xfrm>
+            <a:off x="4830380" y="5463573"/>
+            <a:ext cx="3323629" cy="1422242"/>
+            <a:chOff x="8277974" y="5177256"/>
+            <a:chExt cx="3323629" cy="1422242"/>
+          </a:xfrm>
+        </p:grpSpPr>
+        <p:grpSp>
+          <p:nvGrpSpPr>
+            <p:cNvPr id="24" name="그룹 23">
+              <a:extLst>
+                <a:ext uri="{FF2B5EF4-FFF2-40B4-BE49-F238E27FC236}">
+                  <a16:creationId xmlns:a16="http://schemas.microsoft.com/office/drawing/2014/main" id="{85C2F8C2-9FC1-4B0D-AD7B-33AE2FC87CA7}"/>
+                </a:ext>
+              </a:extLst>
+            </p:cNvPr>
+            <p:cNvGrpSpPr/>
+            <p:nvPr/>
+          </p:nvGrpSpPr>
+          <p:grpSpPr>
+            <a:xfrm>
+              <a:off x="8277974" y="5177256"/>
+              <a:ext cx="3323629" cy="1422242"/>
+              <a:chOff x="3326771" y="5439133"/>
+              <a:chExt cx="3323629" cy="1422242"/>
+            </a:xfrm>
+          </p:grpSpPr>
+          <p:pic>
+            <p:nvPicPr>
+              <p:cNvPr id="26" name="그림 25">
+                <a:extLst>
+                  <a:ext uri="{FF2B5EF4-FFF2-40B4-BE49-F238E27FC236}">
+                    <a16:creationId xmlns:a16="http://schemas.microsoft.com/office/drawing/2014/main" id="{F29D9BC4-A9DE-4F51-9FDD-040E15F41FB8}"/>
+                  </a:ext>
+                </a:extLst>
+              </p:cNvPr>
+              <p:cNvPicPr>
+                <a:picLocks noChangeAspect="1"/>
+              </p:cNvPicPr>
+              <p:nvPr/>
+            </p:nvPicPr>
+            <p:blipFill>
+              <a:blip r:embed="rId7"/>
+              <a:stretch>
+                <a:fillRect/>
+              </a:stretch>
+            </p:blipFill>
+            <p:spPr>
+              <a:xfrm>
+                <a:off x="3326771" y="5439133"/>
+                <a:ext cx="3323629" cy="1160632"/>
+              </a:xfrm>
+              <a:prstGeom prst="rect">
+                <a:avLst/>
+              </a:prstGeom>
+            </p:spPr>
+          </p:pic>
+          <p:sp>
+            <p:nvSpPr>
+              <p:cNvPr id="27" name="TextBox 26">
+                <a:extLst>
+                  <a:ext uri="{FF2B5EF4-FFF2-40B4-BE49-F238E27FC236}">
+                    <a16:creationId xmlns:a16="http://schemas.microsoft.com/office/drawing/2014/main" id="{D62DAB04-79F9-4092-9C67-935F1BF5DE2F}"/>
+                  </a:ext>
+                </a:extLst>
+              </p:cNvPr>
+              <p:cNvSpPr txBox="1"/>
+              <p:nvPr/>
+            </p:nvSpPr>
+            <p:spPr>
+              <a:xfrm>
+                <a:off x="4234898" y="6599765"/>
+                <a:ext cx="1412566" cy="261610"/>
+              </a:xfrm>
+              <a:prstGeom prst="rect">
+                <a:avLst/>
+              </a:prstGeom>
+              <a:noFill/>
+            </p:spPr>
+            <p:txBody>
+              <a:bodyPr wrap="none" rtlCol="0">
+                <a:spAutoFit/>
+              </a:bodyPr>
+              <a:lstStyle/>
+              <a:p>
+                <a:r>
+                  <a:rPr lang="ko-KR" altLang="en-US" sz="1100" dirty="0"/>
+                  <a:t>벗어나는 부분 절단</a:t>
+                </a:r>
+              </a:p>
+            </p:txBody>
+          </p:sp>
+        </p:grpSp>
+        <p:sp>
+          <p:nvSpPr>
+            <p:cNvPr id="25" name="TextBox 24">
+              <a:extLst>
+                <a:ext uri="{FF2B5EF4-FFF2-40B4-BE49-F238E27FC236}">
+                  <a16:creationId xmlns:a16="http://schemas.microsoft.com/office/drawing/2014/main" id="{58DDD289-EB3F-4B35-A1CA-DAD560CDC81B}"/>
+                </a:ext>
+              </a:extLst>
+            </p:cNvPr>
+            <p:cNvSpPr txBox="1"/>
+            <p:nvPr/>
+          </p:nvSpPr>
+          <p:spPr>
+            <a:xfrm>
+              <a:off x="9233832" y="5243993"/>
+              <a:ext cx="1411911" cy="261610"/>
+            </a:xfrm>
+            <a:prstGeom prst="rect">
+              <a:avLst/>
+            </a:prstGeom>
+            <a:noFill/>
+          </p:spPr>
+          <p:txBody>
+            <a:bodyPr wrap="square">
+              <a:spAutoFit/>
+            </a:bodyPr>
+            <a:lstStyle/>
+            <a:p>
+              <a:r>
+                <a:rPr lang="en-US" altLang="ko-KR" sz="1100" dirty="0"/>
+                <a:t>Primitive Clipping</a:t>
+              </a:r>
+              <a:endParaRPr lang="ko-KR" altLang="en-US" sz="1100" dirty="0"/>
+            </a:p>
+          </p:txBody>
+        </p:sp>
+      </p:grpSp>
+      <p:grpSp>
+        <p:nvGrpSpPr>
+          <p:cNvPr id="28" name="그룹 27">
+            <a:extLst>
+              <a:ext uri="{FF2B5EF4-FFF2-40B4-BE49-F238E27FC236}">
+                <a16:creationId xmlns:a16="http://schemas.microsoft.com/office/drawing/2014/main" id="{CD5A65AC-1282-42B6-A361-E976E4B9BD6E}"/>
+              </a:ext>
+            </a:extLst>
+          </p:cNvPr>
+          <p:cNvGrpSpPr/>
+          <p:nvPr/>
+        </p:nvGrpSpPr>
+        <p:grpSpPr>
+          <a:xfrm>
+            <a:off x="2461666" y="5435758"/>
+            <a:ext cx="2406039" cy="1280850"/>
+            <a:chOff x="3561347" y="5357784"/>
+            <a:chExt cx="2538212" cy="1567347"/>
+          </a:xfrm>
+        </p:grpSpPr>
+        <p:pic>
+          <p:nvPicPr>
+            <p:cNvPr id="29" name="그림 28">
+              <a:extLst>
+                <a:ext uri="{FF2B5EF4-FFF2-40B4-BE49-F238E27FC236}">
+                  <a16:creationId xmlns:a16="http://schemas.microsoft.com/office/drawing/2014/main" id="{6048CCFE-2B36-4BF1-B702-05D39E0FDED6}"/>
+                </a:ext>
+              </a:extLst>
+            </p:cNvPr>
+            <p:cNvPicPr>
+              <a:picLocks noChangeAspect="1"/>
+            </p:cNvPicPr>
+            <p:nvPr/>
+          </p:nvPicPr>
+          <p:blipFill rotWithShape="1">
+            <a:blip r:embed="rId8"/>
+            <a:srcRect l="3290" t="5644" r="3475" b="5037"/>
+            <a:stretch/>
+          </p:blipFill>
+          <p:spPr>
+            <a:xfrm>
+              <a:off x="3561347" y="5414952"/>
+              <a:ext cx="2418348" cy="1200329"/>
+            </a:xfrm>
+            <a:prstGeom prst="rect">
+              <a:avLst/>
+            </a:prstGeom>
+          </p:spPr>
+        </p:pic>
+        <p:sp>
+          <p:nvSpPr>
+            <p:cNvPr id="30" name="TextBox 29">
+              <a:extLst>
+                <a:ext uri="{FF2B5EF4-FFF2-40B4-BE49-F238E27FC236}">
+                  <a16:creationId xmlns:a16="http://schemas.microsoft.com/office/drawing/2014/main" id="{7820C433-5021-433F-BF16-2378AE9BB652}"/>
+                </a:ext>
+              </a:extLst>
+            </p:cNvPr>
+            <p:cNvSpPr txBox="1"/>
+            <p:nvPr/>
+          </p:nvSpPr>
+          <p:spPr>
+            <a:xfrm>
+              <a:off x="4036974" y="5357784"/>
+              <a:ext cx="1471889" cy="261610"/>
+            </a:xfrm>
+            <a:prstGeom prst="rect">
+              <a:avLst/>
+            </a:prstGeom>
+            <a:noFill/>
+          </p:spPr>
+          <p:txBody>
+            <a:bodyPr wrap="square">
+              <a:spAutoFit/>
+            </a:bodyPr>
+            <a:lstStyle/>
+            <a:p>
+              <a:r>
+                <a:rPr lang="en-US" altLang="ko-KR" sz="1100" dirty="0"/>
+                <a:t>Primitive</a:t>
+              </a:r>
+              <a:r>
+                <a:rPr lang="ko-KR" altLang="en-US" sz="1100" dirty="0"/>
+                <a:t> </a:t>
+              </a:r>
+              <a:r>
+                <a:rPr lang="en-US" altLang="ko-KR" sz="1100" dirty="0"/>
+                <a:t>Culling</a:t>
+              </a:r>
+              <a:endParaRPr lang="ko-KR" altLang="en-US" sz="1100" dirty="0"/>
+            </a:p>
+          </p:txBody>
+        </p:sp>
+        <p:sp>
+          <p:nvSpPr>
+            <p:cNvPr id="31" name="TextBox 30">
+              <a:extLst>
+                <a:ext uri="{FF2B5EF4-FFF2-40B4-BE49-F238E27FC236}">
+                  <a16:creationId xmlns:a16="http://schemas.microsoft.com/office/drawing/2014/main" id="{6685A88A-434F-4A1A-8708-BDEA2BA6F983}"/>
+                </a:ext>
+              </a:extLst>
+            </p:cNvPr>
+            <p:cNvSpPr txBox="1"/>
+            <p:nvPr/>
+          </p:nvSpPr>
+          <p:spPr>
+            <a:xfrm>
+              <a:off x="3931978" y="6623836"/>
+              <a:ext cx="2167581" cy="301295"/>
+            </a:xfrm>
+            <a:prstGeom prst="rect">
+              <a:avLst/>
+            </a:prstGeom>
+            <a:noFill/>
+          </p:spPr>
+          <p:txBody>
+            <a:bodyPr wrap="square">
+              <a:spAutoFit/>
+            </a:bodyPr>
+            <a:lstStyle/>
+            <a:p>
+              <a:r>
+                <a:rPr lang="ko-KR" altLang="en-US" sz="1000" dirty="0"/>
+                <a:t>벗어난 삼각형 폐기</a:t>
+              </a:r>
+            </a:p>
+          </p:txBody>
+        </p:sp>
+      </p:grpSp>
+      <p:cxnSp>
+        <p:nvCxnSpPr>
+          <p:cNvPr id="33" name="직선 화살표 연결선 32">
+            <a:extLst>
+              <a:ext uri="{FF2B5EF4-FFF2-40B4-BE49-F238E27FC236}">
+                <a16:creationId xmlns:a16="http://schemas.microsoft.com/office/drawing/2014/main" id="{FE073FCB-DFD8-48CB-AAE2-95F3D485FFB4}"/>
+              </a:ext>
+            </a:extLst>
+          </p:cNvPr>
+          <p:cNvCxnSpPr/>
+          <p:nvPr/>
+        </p:nvCxnSpPr>
+        <p:spPr>
+          <a:xfrm flipH="1">
+            <a:off x="1446415" y="3840480"/>
+            <a:ext cx="1015251" cy="1638709"/>
+          </a:xfrm>
+          <a:prstGeom prst="straightConnector1">
+            <a:avLst/>
+          </a:prstGeom>
+          <a:ln>
+            <a:tailEnd type="triangle"/>
+          </a:ln>
+        </p:spPr>
+        <p:style>
+          <a:lnRef idx="1">
+            <a:schemeClr val="accent1"/>
+          </a:lnRef>
+          <a:fillRef idx="0">
+            <a:schemeClr val="accent1"/>
+          </a:fillRef>
+          <a:effectRef idx="0">
+            <a:schemeClr val="accent1"/>
+          </a:effectRef>
+          <a:fontRef idx="minor">
+            <a:schemeClr val="tx1"/>
+          </a:fontRef>
+        </p:style>
+      </p:cxnSp>
+      <p:cxnSp>
+        <p:nvCxnSpPr>
+          <p:cNvPr id="34" name="직선 화살표 연결선 33">
+            <a:extLst>
+              <a:ext uri="{FF2B5EF4-FFF2-40B4-BE49-F238E27FC236}">
+                <a16:creationId xmlns:a16="http://schemas.microsoft.com/office/drawing/2014/main" id="{7FC775AC-D08F-4A27-ABAC-AA0B553331EF}"/>
+              </a:ext>
+            </a:extLst>
+          </p:cNvPr>
+          <p:cNvCxnSpPr>
+            <a:cxnSpLocks/>
+          </p:cNvCxnSpPr>
+          <p:nvPr/>
+        </p:nvCxnSpPr>
+        <p:spPr>
+          <a:xfrm>
+            <a:off x="2524608" y="3840480"/>
+            <a:ext cx="834185" cy="1595278"/>
+          </a:xfrm>
+          <a:prstGeom prst="straightConnector1">
+            <a:avLst/>
+          </a:prstGeom>
+          <a:ln>
+            <a:tailEnd type="triangle"/>
+          </a:ln>
+        </p:spPr>
+        <p:style>
+          <a:lnRef idx="1">
+            <a:schemeClr val="accent1"/>
+          </a:lnRef>
+          <a:fillRef idx="0">
+            <a:schemeClr val="accent1"/>
+          </a:fillRef>
+          <a:effectRef idx="0">
+            <a:schemeClr val="accent1"/>
+          </a:effectRef>
+          <a:fontRef idx="minor">
+            <a:schemeClr val="tx1"/>
+          </a:fontRef>
+        </p:style>
+      </p:cxnSp>
+      <p:cxnSp>
+        <p:nvCxnSpPr>
+          <p:cNvPr id="37" name="직선 화살표 연결선 36">
+            <a:extLst>
+              <a:ext uri="{FF2B5EF4-FFF2-40B4-BE49-F238E27FC236}">
+                <a16:creationId xmlns:a16="http://schemas.microsoft.com/office/drawing/2014/main" id="{44BA20D9-B02A-4F77-8240-7D721FEBC805}"/>
+              </a:ext>
+            </a:extLst>
+          </p:cNvPr>
+          <p:cNvCxnSpPr>
+            <a:cxnSpLocks/>
+            <a:endCxn id="25" idx="0"/>
+          </p:cNvCxnSpPr>
+          <p:nvPr/>
+        </p:nvCxnSpPr>
+        <p:spPr>
+          <a:xfrm>
+            <a:off x="2609611" y="3868295"/>
+            <a:ext cx="3882583" cy="1662015"/>
+          </a:xfrm>
+          <a:prstGeom prst="straightConnector1">
+            <a:avLst/>
+          </a:prstGeom>
+          <a:ln>
+            <a:tailEnd type="triangle"/>
+          </a:ln>
+        </p:spPr>
+        <p:style>
+          <a:lnRef idx="1">
+            <a:schemeClr val="accent1"/>
+          </a:lnRef>
+          <a:fillRef idx="0">
+            <a:schemeClr val="accent1"/>
+          </a:fillRef>
+          <a:effectRef idx="0">
+            <a:schemeClr val="accent1"/>
+          </a:effectRef>
+          <a:fontRef idx="minor">
+            <a:schemeClr val="tx1"/>
+          </a:fontRef>
+        </p:style>
+      </p:cxnSp>
+      <p:sp>
+        <p:nvSpPr>
+          <p:cNvPr id="39" name="TextBox 38">
+            <a:extLst>
+              <a:ext uri="{FF2B5EF4-FFF2-40B4-BE49-F238E27FC236}">
+                <a16:creationId xmlns:a16="http://schemas.microsoft.com/office/drawing/2014/main" id="{B716A0C1-A66A-4A75-A469-D3C52A9940AA}"/>
               </a:ext>
             </a:extLst>
           </p:cNvPr>
@@ -3488,8 +4728,8 @@
         </p:nvSpPr>
         <p:spPr>
           <a:xfrm>
-            <a:off x="333971" y="1690688"/>
-            <a:ext cx="11293657" cy="1477328"/>
+            <a:off x="475145" y="2769939"/>
+            <a:ext cx="606726" cy="202746"/>
           </a:xfrm>
           <a:prstGeom prst="rect">
             <a:avLst/>
@@ -3497,138 +4737,33 @@
           <a:noFill/>
         </p:spPr>
         <p:txBody>
-          <a:bodyPr wrap="square" rtlCol="0">
+          <a:bodyPr wrap="none" rtlCol="0">
             <a:spAutoFit/>
           </a:bodyPr>
           <a:lstStyle/>
           <a:p>
             <a:r>
-              <a:rPr lang="ko-KR" altLang="en-US" dirty="0"/>
-              <a:t> 컴파일 된 </a:t>
-            </a:r>
-            <a:r>
-              <a:rPr lang="en-US" altLang="ko-KR" dirty="0"/>
-              <a:t>Pixel Shader </a:t>
-            </a:r>
-            <a:r>
-              <a:rPr lang="ko-KR" altLang="en-US" dirty="0"/>
-              <a:t>바이트 코드를</a:t>
-            </a:r>
-            <a:r>
-              <a:rPr lang="en-US" altLang="ko-KR" dirty="0"/>
-              <a:t> Rasterizer</a:t>
-            </a:r>
-            <a:r>
-              <a:rPr lang="ko-KR" altLang="en-US" dirty="0"/>
-              <a:t>의 각 </a:t>
-            </a:r>
-            <a:r>
-              <a:rPr lang="en-US" altLang="ko-KR" dirty="0"/>
-              <a:t>Fragment  </a:t>
-            </a:r>
-            <a:r>
-              <a:rPr lang="ko-KR" altLang="en-US" dirty="0"/>
-              <a:t>마다 실행한다</a:t>
-            </a:r>
-            <a:r>
-              <a:rPr lang="en-US" altLang="ko-KR" dirty="0"/>
-              <a:t>.</a:t>
-            </a:r>
-          </a:p>
-          <a:p>
-            <a:r>
-              <a:rPr lang="ko-KR" altLang="en-US" dirty="0"/>
-              <a:t>색상을 결정하기 위한 추가 데이터</a:t>
-            </a:r>
-            <a:r>
-              <a:rPr lang="en-US" altLang="ko-KR" dirty="0"/>
-              <a:t>(</a:t>
-            </a:r>
-            <a:r>
-              <a:rPr lang="ko-KR" altLang="en-US" dirty="0"/>
-              <a:t>텍스처나 상수 버퍼</a:t>
-            </a:r>
-            <a:r>
-              <a:rPr lang="en-US" altLang="ko-KR" dirty="0"/>
-              <a:t>)</a:t>
-            </a:r>
-            <a:r>
-              <a:rPr lang="ko-KR" altLang="en-US" dirty="0"/>
-              <a:t>와 연산하여 최종 색상을 </a:t>
-            </a:r>
-            <a:r>
-              <a:rPr lang="ko-KR" altLang="en-US" dirty="0" err="1"/>
-              <a:t>리턴값으로</a:t>
-            </a:r>
-            <a:r>
-              <a:rPr lang="ko-KR" altLang="en-US" dirty="0"/>
-              <a:t> 출력한다</a:t>
-            </a:r>
-            <a:r>
-              <a:rPr lang="en-US" altLang="ko-KR" dirty="0"/>
-              <a:t>. </a:t>
-            </a:r>
-          </a:p>
-          <a:p>
-            <a:endParaRPr lang="en-US" altLang="ko-KR" dirty="0"/>
-          </a:p>
-          <a:p>
-            <a:r>
-              <a:rPr lang="ko-KR" altLang="en-US" dirty="0" err="1"/>
-              <a:t>상수버퍼</a:t>
-            </a:r>
-            <a:r>
-              <a:rPr lang="en-US" altLang="ko-KR" dirty="0"/>
-              <a:t>(?) </a:t>
-            </a:r>
-            <a:r>
-              <a:rPr lang="ko-KR" altLang="en-US" dirty="0"/>
-              <a:t>어플리케이션에서 값을 바꾸고 </a:t>
-            </a:r>
-            <a:r>
-              <a:rPr lang="en-US" altLang="ko-KR" dirty="0"/>
-              <a:t>Shader </a:t>
-            </a:r>
-            <a:r>
-              <a:rPr lang="ko-KR" altLang="en-US" dirty="0"/>
-              <a:t>레벨에서는 값을 바꾸지 않기 때문에 상수를 의미</a:t>
-            </a:r>
-            <a:endParaRPr lang="en-US" altLang="ko-KR" dirty="0"/>
-          </a:p>
-          <a:p>
-            <a:r>
-              <a:rPr lang="ko-KR" altLang="en-US" dirty="0"/>
-              <a:t>빛의 방향</a:t>
-            </a:r>
-            <a:r>
-              <a:rPr lang="en-US" altLang="ko-KR" dirty="0"/>
-              <a:t>,</a:t>
-            </a:r>
-            <a:r>
-              <a:rPr lang="ko-KR" altLang="en-US" dirty="0"/>
-              <a:t>세기</a:t>
-            </a:r>
-            <a:r>
-              <a:rPr lang="en-US" altLang="ko-KR" dirty="0"/>
-              <a:t>,</a:t>
-            </a:r>
-            <a:r>
-              <a:rPr lang="ko-KR" altLang="en-US" dirty="0"/>
-              <a:t>등등</a:t>
-            </a:r>
-            <a:r>
-              <a:rPr lang="en-US" altLang="ko-KR" dirty="0"/>
-              <a:t>.</a:t>
-            </a:r>
-          </a:p>
-        </p:txBody>
-      </p:sp>
-      <p:sp>
-        <p:nvSpPr>
-          <p:cNvPr id="5" name="TextBox 4">
-            <a:extLst>
-              <a:ext uri="{FF2B5EF4-FFF2-40B4-BE49-F238E27FC236}">
-                <a16:creationId xmlns:a16="http://schemas.microsoft.com/office/drawing/2014/main" id="{1D6194FC-4178-4555-992C-5DEF6D7C6DCF}"/>
+              <a:rPr lang="en-US" altLang="ko-KR" sz="1400" dirty="0">
+                <a:solidFill>
+                  <a:srgbClr val="FF0000"/>
+                </a:solidFill>
+              </a:rPr>
+              <a:t>Primitive</a:t>
+            </a:r>
+            <a:endParaRPr lang="ko-KR" altLang="en-US" sz="1400" dirty="0">
+              <a:solidFill>
+                <a:srgbClr val="FF0000"/>
+              </a:solidFill>
+            </a:endParaRPr>
+          </a:p>
+        </p:txBody>
+      </p:sp>
+      <p:sp>
+        <p:nvSpPr>
+          <p:cNvPr id="40" name="TextBox 39">
+            <a:extLst>
+              <a:ext uri="{FF2B5EF4-FFF2-40B4-BE49-F238E27FC236}">
+                <a16:creationId xmlns:a16="http://schemas.microsoft.com/office/drawing/2014/main" id="{84DEC598-9D4C-4121-A306-699BCDC87770}"/>
               </a:ext>
             </a:extLst>
           </p:cNvPr>
@@ -3637,8 +4772,8 @@
         </p:nvSpPr>
         <p:spPr>
           <a:xfrm>
-            <a:off x="475876" y="3374207"/>
-            <a:ext cx="9801157" cy="2123658"/>
+            <a:off x="9249306" y="3305558"/>
+            <a:ext cx="654478" cy="202746"/>
           </a:xfrm>
           <a:prstGeom prst="rect">
             <a:avLst/>
@@ -3646,224 +4781,242 @@
           <a:noFill/>
         </p:spPr>
         <p:txBody>
+          <a:bodyPr wrap="none" rtlCol="0">
+            <a:spAutoFit/>
+          </a:bodyPr>
+          <a:lstStyle/>
+          <a:p>
+            <a:r>
+              <a:rPr lang="en-US" altLang="ko-KR" sz="1400" dirty="0">
+                <a:solidFill>
+                  <a:srgbClr val="FF0000"/>
+                </a:solidFill>
+              </a:rPr>
+              <a:t>Fragment</a:t>
+            </a:r>
+            <a:endParaRPr lang="ko-KR" altLang="en-US" sz="1400" dirty="0">
+              <a:solidFill>
+                <a:srgbClr val="FF0000"/>
+              </a:solidFill>
+            </a:endParaRPr>
+          </a:p>
+        </p:txBody>
+      </p:sp>
+      <p:sp>
+        <p:nvSpPr>
+          <p:cNvPr id="41" name="TextBox 40">
+            <a:extLst>
+              <a:ext uri="{FF2B5EF4-FFF2-40B4-BE49-F238E27FC236}">
+                <a16:creationId xmlns:a16="http://schemas.microsoft.com/office/drawing/2014/main" id="{D181F66D-539F-41B6-A0B3-76F39B6FC4B9}"/>
+              </a:ext>
+            </a:extLst>
+          </p:cNvPr>
+          <p:cNvSpPr txBox="1"/>
+          <p:nvPr/>
+        </p:nvSpPr>
+        <p:spPr>
+          <a:xfrm>
+            <a:off x="6242241" y="4607260"/>
+            <a:ext cx="5756005" cy="461665"/>
+          </a:xfrm>
+          <a:prstGeom prst="rect">
+            <a:avLst/>
+          </a:prstGeom>
+          <a:noFill/>
+        </p:spPr>
+        <p:txBody>
           <a:bodyPr wrap="square">
             <a:spAutoFit/>
           </a:bodyPr>
           <a:lstStyle/>
           <a:p>
             <a:r>
+              <a:rPr lang="ko-KR" altLang="en-US" sz="1200" dirty="0" err="1"/>
+              <a:t>Projection</a:t>
+            </a:r>
+            <a:r>
+              <a:rPr lang="ko-KR" altLang="en-US" sz="1200" dirty="0"/>
+              <a:t>(</a:t>
+            </a:r>
+            <a:r>
+              <a:rPr lang="ko-KR" altLang="en-US" sz="1200" dirty="0" err="1"/>
+              <a:t>clip</a:t>
+            </a:r>
+            <a:r>
+              <a:rPr lang="ko-KR" altLang="en-US" sz="1200" dirty="0"/>
+              <a:t>) </a:t>
+            </a:r>
+            <a:r>
+              <a:rPr lang="ko-KR" altLang="en-US" sz="1200" dirty="0" err="1"/>
+              <a:t>Space</a:t>
+            </a:r>
+            <a:r>
+              <a:rPr lang="ko-KR" altLang="en-US" sz="1200" dirty="0"/>
+              <a:t> 4D(</a:t>
+            </a:r>
+            <a:r>
+              <a:rPr lang="ko-KR" altLang="en-US" sz="1200" dirty="0" err="1"/>
+              <a:t>x</a:t>
+            </a:r>
+            <a:r>
+              <a:rPr lang="ko-KR" altLang="en-US" sz="1200" dirty="0"/>
+              <a:t>’,</a:t>
+            </a:r>
+            <a:r>
+              <a:rPr lang="ko-KR" altLang="en-US" sz="1200" dirty="0" err="1"/>
+              <a:t>y</a:t>
+            </a:r>
+            <a:r>
+              <a:rPr lang="ko-KR" altLang="en-US" sz="1200" dirty="0"/>
+              <a:t>’,</a:t>
+            </a:r>
+            <a:r>
+              <a:rPr lang="ko-KR" altLang="en-US" sz="1200" dirty="0" err="1"/>
+              <a:t>z</a:t>
+            </a:r>
+            <a:r>
+              <a:rPr lang="ko-KR" altLang="en-US" sz="1200" dirty="0"/>
+              <a:t>’,</a:t>
+            </a:r>
+            <a:r>
+              <a:rPr lang="ko-KR" altLang="en-US" sz="1200" dirty="0" err="1"/>
+              <a:t>w</a:t>
+            </a:r>
+            <a:r>
+              <a:rPr lang="ko-KR" altLang="en-US" sz="1200" dirty="0"/>
+              <a:t>’) </a:t>
+            </a:r>
+            <a:endParaRPr lang="en-US" altLang="ko-KR" sz="1200" dirty="0"/>
+          </a:p>
+          <a:p>
+            <a:r>
               <a:rPr lang="en-US" altLang="ko-KR" sz="1200" dirty="0"/>
-              <a:t>struct PS_INPUT	//  VertexShader</a:t>
+              <a:t>-&gt; </a:t>
             </a:r>
             <a:r>
               <a:rPr lang="ko-KR" altLang="en-US" sz="1200" dirty="0"/>
-              <a:t>에서의 출력이 </a:t>
-            </a:r>
-            <a:r>
-              <a:rPr lang="en-US" altLang="ko-KR" sz="1200" dirty="0"/>
-              <a:t>Rasterizer</a:t>
+              <a:t>NDC 좌표계로 변환(각 성분을 </a:t>
+            </a:r>
+            <a:r>
+              <a:rPr lang="ko-KR" altLang="en-US" sz="1200" dirty="0" err="1"/>
+              <a:t>w로나눔</a:t>
             </a:r>
             <a:r>
               <a:rPr lang="ko-KR" altLang="en-US" sz="1200" dirty="0"/>
-              <a:t>에 의해 </a:t>
-            </a:r>
-            <a:r>
-              <a:rPr lang="ko-KR" altLang="en-US" sz="1200" dirty="0" err="1"/>
-              <a:t>보간된값</a:t>
-            </a:r>
-            <a:r>
-              <a:rPr lang="ko-KR" altLang="en-US" sz="1200" dirty="0"/>
-              <a:t> </a:t>
+              <a:t>)하여  x,y,z,1 로 변환 </a:t>
             </a:r>
             <a:endParaRPr lang="en-US" altLang="ko-KR" sz="1200" dirty="0"/>
           </a:p>
-          <a:p>
-            <a:r>
-              <a:rPr lang="en-US" altLang="ko-KR" sz="1200" dirty="0"/>
-              <a:t>{</a:t>
-            </a:r>
-          </a:p>
-          <a:p>
-            <a:r>
-              <a:rPr lang="en-US" altLang="ko-KR" sz="1200" dirty="0"/>
-              <a:t>    float4 Pos : SV_POSITION;     // Rasterizer</a:t>
-            </a:r>
-            <a:r>
-              <a:rPr lang="ko-KR" altLang="en-US" sz="1200" dirty="0"/>
-              <a:t>가 </a:t>
-            </a:r>
-            <a:r>
-              <a:rPr lang="ko-KR" altLang="en-US" sz="1200" dirty="0" err="1"/>
-              <a:t>뷰포트에</a:t>
-            </a:r>
-            <a:r>
-              <a:rPr lang="ko-KR" altLang="en-US" sz="1200" dirty="0"/>
-              <a:t> </a:t>
-            </a:r>
-            <a:r>
-              <a:rPr lang="ko-KR" altLang="en-US" sz="1200" dirty="0" err="1"/>
-              <a:t>맵핑한</a:t>
-            </a:r>
-            <a:r>
-              <a:rPr lang="ko-KR" altLang="en-US" sz="1200" dirty="0"/>
-              <a:t> 스크린 좌표</a:t>
-            </a:r>
-            <a:r>
-              <a:rPr lang="en-US" altLang="ko-KR" sz="1200" dirty="0"/>
-              <a:t>(</a:t>
-            </a:r>
-            <a:r>
-              <a:rPr lang="en-US" altLang="ko-KR" sz="1200" dirty="0" err="1"/>
-              <a:t>x,y</a:t>
-            </a:r>
-            <a:r>
-              <a:rPr lang="en-US" altLang="ko-KR" sz="1200" dirty="0"/>
-              <a:t>)</a:t>
-            </a:r>
-            <a:r>
-              <a:rPr lang="ko-KR" altLang="en-US" sz="1200" dirty="0"/>
-              <a:t>와 </a:t>
-            </a:r>
-            <a:r>
-              <a:rPr lang="ko-KR" altLang="en-US" sz="1200" dirty="0" err="1"/>
-              <a:t>깊이값</a:t>
-            </a:r>
-            <a:r>
-              <a:rPr lang="en-US" altLang="ko-KR" sz="1200" dirty="0"/>
-              <a:t>(z) </a:t>
-            </a:r>
-            <a:r>
-              <a:rPr lang="ko-KR" altLang="en-US" sz="1200" dirty="0"/>
-              <a:t>이다</a:t>
-            </a:r>
-            <a:r>
-              <a:rPr lang="en-US" altLang="ko-KR" sz="1200" dirty="0"/>
-              <a:t>.</a:t>
-            </a:r>
-          </a:p>
-          <a:p>
-            <a:r>
-              <a:rPr lang="en-US" altLang="ko-KR" sz="1200" dirty="0"/>
-              <a:t>    float2 Tex : TEXCOORD0;       </a:t>
-            </a:r>
-          </a:p>
-          <a:p>
-            <a:r>
-              <a:rPr lang="en-US" altLang="ko-KR" sz="1200" dirty="0"/>
-              <a:t>};</a:t>
-            </a:r>
-          </a:p>
-          <a:p>
-            <a:endParaRPr lang="en-US" altLang="ko-KR" sz="1200" dirty="0"/>
-          </a:p>
-          <a:p>
-            <a:r>
-              <a:rPr lang="en-US" altLang="ko-KR" sz="1200" dirty="0"/>
-              <a:t>float4 main(PS_INPUT input) : </a:t>
-            </a:r>
-            <a:r>
-              <a:rPr lang="en-US" altLang="ko-KR" sz="1200" dirty="0" err="1"/>
-              <a:t>SV_Target</a:t>
-            </a:r>
-            <a:endParaRPr lang="en-US" altLang="ko-KR" sz="1200" dirty="0"/>
-          </a:p>
-          <a:p>
-            <a:r>
-              <a:rPr lang="en-US" altLang="ko-KR" sz="1200" dirty="0"/>
-              <a:t>{</a:t>
-            </a:r>
-          </a:p>
-          <a:p>
-            <a:r>
-              <a:rPr lang="en-US" altLang="ko-KR" sz="1200" dirty="0"/>
-              <a:t>     // </a:t>
-            </a:r>
-            <a:r>
-              <a:rPr lang="ko-KR" altLang="en-US" sz="1200" dirty="0"/>
-              <a:t>텍스처의 </a:t>
-            </a:r>
-            <a:r>
-              <a:rPr lang="en-US" altLang="ko-KR" sz="1200" dirty="0" err="1"/>
-              <a:t>u,v</a:t>
-            </a:r>
-            <a:r>
-              <a:rPr lang="ko-KR" altLang="en-US" sz="1200" dirty="0"/>
-              <a:t>좌표로 샘플링 하고 좀더 복잡한 계산</a:t>
-            </a:r>
-            <a:r>
-              <a:rPr lang="en-US" altLang="ko-KR" sz="1200" dirty="0"/>
-              <a:t>(</a:t>
-            </a:r>
-            <a:r>
-              <a:rPr lang="ko-KR" altLang="en-US" sz="1200" dirty="0" err="1"/>
-              <a:t>빛처리</a:t>
-            </a:r>
-            <a:r>
-              <a:rPr lang="en-US" altLang="ko-KR" sz="1200" dirty="0"/>
-              <a:t>)</a:t>
-            </a:r>
-            <a:r>
-              <a:rPr lang="ko-KR" altLang="en-US" sz="1200" dirty="0"/>
-              <a:t>을 하여 최종색상 결정한다</a:t>
-            </a:r>
-            <a:r>
-              <a:rPr lang="en-US" altLang="ko-KR" sz="1200" dirty="0"/>
-              <a:t>.</a:t>
-            </a:r>
-            <a:r>
-              <a:rPr lang="ko-KR" altLang="en-US" sz="1200" dirty="0"/>
-              <a:t>  </a:t>
-            </a:r>
-            <a:endParaRPr lang="en-US" altLang="ko-KR" sz="1200" dirty="0"/>
-          </a:p>
-          <a:p>
-            <a:r>
-              <a:rPr lang="en-US" altLang="ko-KR" sz="1200" dirty="0"/>
-              <a:t>    return </a:t>
-            </a:r>
-            <a:r>
-              <a:rPr lang="en-US" altLang="ko-KR" sz="1200" dirty="0" err="1"/>
-              <a:t>txDiffuse.Sample</a:t>
-            </a:r>
-            <a:r>
-              <a:rPr lang="en-US" altLang="ko-KR" sz="1200" dirty="0"/>
-              <a:t>(</a:t>
-            </a:r>
-            <a:r>
-              <a:rPr lang="en-US" altLang="ko-KR" sz="1200" dirty="0" err="1"/>
-              <a:t>samLinear</a:t>
-            </a:r>
-            <a:r>
-              <a:rPr lang="en-US" altLang="ko-KR" sz="1200" dirty="0"/>
-              <a:t>, </a:t>
-            </a:r>
-            <a:r>
-              <a:rPr lang="en-US" altLang="ko-KR" sz="1200" dirty="0" err="1"/>
-              <a:t>input.Tex</a:t>
-            </a:r>
-            <a:r>
-              <a:rPr lang="en-US" altLang="ko-KR" sz="1200" dirty="0"/>
-              <a:t>);   // </a:t>
-            </a:r>
-            <a:r>
-              <a:rPr lang="ko-KR" altLang="en-US" sz="1200" dirty="0"/>
-              <a:t>이것은 간단하게 텍스처 색상 바로 출력</a:t>
-            </a:r>
-            <a:endParaRPr lang="en-US" altLang="ko-KR" sz="1200" dirty="0"/>
-          </a:p>
-          <a:p>
-            <a:r>
-              <a:rPr lang="en-US" altLang="ko-KR" sz="1200" dirty="0"/>
-              <a:t>}</a:t>
-            </a:r>
-            <a:endParaRPr lang="ko-KR" altLang="en-US" sz="1200" dirty="0"/>
-          </a:p>
-        </p:txBody>
-      </p:sp>
+        </p:txBody>
+      </p:sp>
+      <p:pic>
+        <p:nvPicPr>
+          <p:cNvPr id="42" name="그림 41">
+            <a:extLst>
+              <a:ext uri="{FF2B5EF4-FFF2-40B4-BE49-F238E27FC236}">
+                <a16:creationId xmlns:a16="http://schemas.microsoft.com/office/drawing/2014/main" id="{7F821E7E-F34B-43D2-8A9D-069608CCA6E7}"/>
+              </a:ext>
+            </a:extLst>
+          </p:cNvPr>
+          <p:cNvPicPr>
+            <a:picLocks noChangeAspect="1"/>
+          </p:cNvPicPr>
+          <p:nvPr/>
+        </p:nvPicPr>
+        <p:blipFill>
+          <a:blip r:embed="rId5"/>
+          <a:stretch>
+            <a:fillRect/>
+          </a:stretch>
+        </p:blipFill>
+        <p:spPr>
+          <a:xfrm>
+            <a:off x="5112308" y="4435162"/>
+            <a:ext cx="782577" cy="612452"/>
+          </a:xfrm>
+          <a:prstGeom prst="rect">
+            <a:avLst/>
+          </a:prstGeom>
+        </p:spPr>
+      </p:pic>
+      <p:sp>
+        <p:nvSpPr>
+          <p:cNvPr id="43" name="TextBox 42">
+            <a:extLst>
+              <a:ext uri="{FF2B5EF4-FFF2-40B4-BE49-F238E27FC236}">
+                <a16:creationId xmlns:a16="http://schemas.microsoft.com/office/drawing/2014/main" id="{4D9D2566-3D66-4F20-957C-499D76F92A6C}"/>
+              </a:ext>
+            </a:extLst>
+          </p:cNvPr>
+          <p:cNvSpPr txBox="1"/>
+          <p:nvPr/>
+        </p:nvSpPr>
+        <p:spPr>
+          <a:xfrm>
+            <a:off x="5130102" y="4188268"/>
+            <a:ext cx="654478" cy="202746"/>
+          </a:xfrm>
+          <a:prstGeom prst="rect">
+            <a:avLst/>
+          </a:prstGeom>
+          <a:noFill/>
+        </p:spPr>
+        <p:txBody>
+          <a:bodyPr wrap="none" rtlCol="0">
+            <a:spAutoFit/>
+          </a:bodyPr>
+          <a:lstStyle/>
+          <a:p>
+            <a:r>
+              <a:rPr lang="en-US" altLang="ko-KR" sz="1400" dirty="0">
+                <a:solidFill>
+                  <a:srgbClr val="FF0000"/>
+                </a:solidFill>
+              </a:rPr>
+              <a:t>Fragment</a:t>
+            </a:r>
+            <a:endParaRPr lang="ko-KR" altLang="en-US" sz="1400" dirty="0">
+              <a:solidFill>
+                <a:srgbClr val="FF0000"/>
+              </a:solidFill>
+            </a:endParaRPr>
+          </a:p>
+        </p:txBody>
+      </p:sp>
+      <p:pic>
+        <p:nvPicPr>
+          <p:cNvPr id="47" name="그림 46">
+            <a:extLst>
+              <a:ext uri="{FF2B5EF4-FFF2-40B4-BE49-F238E27FC236}">
+                <a16:creationId xmlns:a16="http://schemas.microsoft.com/office/drawing/2014/main" id="{099EB52B-4FC1-4841-A6CA-4162367A82EF}"/>
+              </a:ext>
+            </a:extLst>
+          </p:cNvPr>
+          <p:cNvPicPr>
+            <a:picLocks noChangeAspect="1"/>
+          </p:cNvPicPr>
+          <p:nvPr/>
+        </p:nvPicPr>
+        <p:blipFill>
+          <a:blip r:embed="rId4"/>
+          <a:stretch>
+            <a:fillRect/>
+          </a:stretch>
+        </p:blipFill>
+        <p:spPr>
+          <a:xfrm>
+            <a:off x="7151073" y="3062683"/>
+            <a:ext cx="541987" cy="446566"/>
+          </a:xfrm>
+          <a:prstGeom prst="rect">
+            <a:avLst/>
+          </a:prstGeom>
+        </p:spPr>
+      </p:pic>
     </p:spTree>
     <p:extLst>
       <p:ext uri="{BB962C8B-B14F-4D97-AF65-F5344CB8AC3E}">
-        <p14:creationId xmlns:p14="http://schemas.microsoft.com/office/powerpoint/2010/main" val="1222297107"/>
+        <p14:creationId xmlns:p14="http://schemas.microsoft.com/office/powerpoint/2010/main" val="515795165"/>
       </p:ext>
     </p:extLst>
   </p:cSld>
@@ -3895,6 +5048,536 @@
           <p:cNvPr id="2" name="제목 1">
             <a:extLst>
               <a:ext uri="{FF2B5EF4-FFF2-40B4-BE49-F238E27FC236}">
+                <a16:creationId xmlns:a16="http://schemas.microsoft.com/office/drawing/2014/main" id="{CDF9DE19-7771-8D13-94C6-8D8FBD824016}"/>
+              </a:ext>
+            </a:extLst>
+          </p:cNvPr>
+          <p:cNvSpPr>
+            <a:spLocks noGrp="1"/>
+          </p:cNvSpPr>
+          <p:nvPr>
+            <p:ph type="title"/>
+          </p:nvPr>
+        </p:nvSpPr>
+        <p:spPr/>
+        <p:txBody>
+          <a:bodyPr/>
+          <a:lstStyle/>
+          <a:p>
+            <a:r>
+              <a:rPr lang="en-US" altLang="ko-KR" dirty="0"/>
+              <a:t>Pixel Shader Stage</a:t>
+            </a:r>
+            <a:endParaRPr lang="ko-KR" altLang="en-US" dirty="0"/>
+          </a:p>
+        </p:txBody>
+      </p:sp>
+      <p:sp>
+        <p:nvSpPr>
+          <p:cNvPr id="3" name="TextBox 2">
+            <a:extLst>
+              <a:ext uri="{FF2B5EF4-FFF2-40B4-BE49-F238E27FC236}">
+                <a16:creationId xmlns:a16="http://schemas.microsoft.com/office/drawing/2014/main" id="{0D4BCDB2-981F-0D42-3C34-CD1AC2282608}"/>
+              </a:ext>
+            </a:extLst>
+          </p:cNvPr>
+          <p:cNvSpPr txBox="1"/>
+          <p:nvPr/>
+        </p:nvSpPr>
+        <p:spPr>
+          <a:xfrm>
+            <a:off x="333971" y="1690688"/>
+            <a:ext cx="11727796" cy="2031325"/>
+          </a:xfrm>
+          <a:prstGeom prst="rect">
+            <a:avLst/>
+          </a:prstGeom>
+          <a:noFill/>
+        </p:spPr>
+        <p:txBody>
+          <a:bodyPr wrap="square" rtlCol="0">
+            <a:spAutoFit/>
+          </a:bodyPr>
+          <a:lstStyle/>
+          <a:p>
+            <a:r>
+              <a:rPr lang="ko-KR" altLang="en-US" dirty="0"/>
+              <a:t> 컴파일 된 </a:t>
+            </a:r>
+            <a:r>
+              <a:rPr lang="en-US" altLang="ko-KR" dirty="0"/>
+              <a:t>Pixel Shader </a:t>
+            </a:r>
+            <a:r>
+              <a:rPr lang="ko-KR" altLang="en-US" dirty="0"/>
+              <a:t>바이트 코드를</a:t>
+            </a:r>
+            <a:r>
+              <a:rPr lang="en-US" altLang="ko-KR" dirty="0"/>
+              <a:t> Rasterizer</a:t>
+            </a:r>
+            <a:r>
+              <a:rPr lang="ko-KR" altLang="en-US" dirty="0"/>
+              <a:t>의 각 </a:t>
+            </a:r>
+            <a:r>
+              <a:rPr lang="en-US" altLang="ko-KR" dirty="0"/>
+              <a:t>Fragment  </a:t>
+            </a:r>
+            <a:r>
+              <a:rPr lang="ko-KR" altLang="en-US" dirty="0"/>
+              <a:t>마다 실행하여 각</a:t>
+            </a:r>
+            <a:r>
+              <a:rPr lang="en-US" altLang="ko-KR" dirty="0"/>
+              <a:t> </a:t>
+            </a:r>
+            <a:r>
+              <a:rPr lang="ko-KR" altLang="en-US" dirty="0"/>
+              <a:t>픽셀의</a:t>
+            </a:r>
+            <a:endParaRPr lang="en-US" altLang="ko-KR" dirty="0"/>
+          </a:p>
+          <a:p>
+            <a:r>
+              <a:rPr lang="ko-KR" altLang="en-US" dirty="0"/>
+              <a:t>을 결정하기 위한 추가 데이터</a:t>
+            </a:r>
+            <a:r>
+              <a:rPr lang="en-US" altLang="ko-KR" dirty="0"/>
+              <a:t>(</a:t>
+            </a:r>
+            <a:r>
+              <a:rPr lang="ko-KR" altLang="en-US" dirty="0"/>
+              <a:t>텍스처나 상수 버퍼</a:t>
+            </a:r>
+            <a:r>
+              <a:rPr lang="en-US" altLang="ko-KR" dirty="0"/>
+              <a:t>)</a:t>
+            </a:r>
+            <a:r>
+              <a:rPr lang="ko-KR" altLang="en-US" dirty="0"/>
+              <a:t>와 연산하여 최종 색상</a:t>
+            </a:r>
+            <a:r>
+              <a:rPr lang="en-US" altLang="ko-KR" dirty="0"/>
+              <a:t>(0.0~1.0)</a:t>
+            </a:r>
+            <a:r>
+              <a:rPr lang="ko-KR" altLang="en-US" dirty="0"/>
+              <a:t>을 </a:t>
+            </a:r>
+            <a:r>
+              <a:rPr lang="ko-KR" altLang="en-US" dirty="0" err="1"/>
+              <a:t>리턴값으로</a:t>
+            </a:r>
+            <a:r>
+              <a:rPr lang="ko-KR" altLang="en-US" dirty="0"/>
+              <a:t> 출력한다</a:t>
+            </a:r>
+            <a:r>
+              <a:rPr lang="en-US" altLang="ko-KR" dirty="0"/>
+              <a:t>. </a:t>
+            </a:r>
+          </a:p>
+          <a:p>
+            <a:r>
+              <a:rPr lang="ko-KR" altLang="en-US" dirty="0"/>
+              <a:t> </a:t>
+            </a:r>
+            <a:r>
+              <a:rPr lang="ko-KR" altLang="en-US" dirty="0" err="1"/>
+              <a:t>상수버퍼는</a:t>
+            </a:r>
+            <a:r>
+              <a:rPr lang="en-US" altLang="ko-KR" dirty="0"/>
+              <a:t> </a:t>
+            </a:r>
+            <a:r>
+              <a:rPr lang="ko-KR" altLang="en-US" dirty="0"/>
+              <a:t>어플리케이션에서 값을 바꾸고 </a:t>
+            </a:r>
+            <a:r>
+              <a:rPr lang="en-US" altLang="ko-KR" dirty="0"/>
+              <a:t>Shader </a:t>
+            </a:r>
+            <a:r>
+              <a:rPr lang="ko-KR" altLang="en-US" dirty="0"/>
+              <a:t>레벨에서는 값을 바꾸지 않기 때문에 상수를 의미한다</a:t>
+            </a:r>
+            <a:r>
+              <a:rPr lang="en-US" altLang="ko-KR" dirty="0"/>
+              <a:t>.</a:t>
+            </a:r>
+          </a:p>
+          <a:p>
+            <a:r>
+              <a:rPr lang="ko-KR" altLang="en-US" dirty="0"/>
+              <a:t>예</a:t>
+            </a:r>
+            <a:r>
+              <a:rPr lang="en-US" altLang="ko-KR" dirty="0"/>
+              <a:t>) </a:t>
+            </a:r>
+            <a:r>
+              <a:rPr lang="ko-KR" altLang="en-US" dirty="0"/>
+              <a:t>빛의 방향</a:t>
+            </a:r>
+            <a:r>
+              <a:rPr lang="en-US" altLang="ko-KR" dirty="0"/>
+              <a:t>,</a:t>
+            </a:r>
+            <a:r>
+              <a:rPr lang="ko-KR" altLang="en-US" dirty="0"/>
+              <a:t>세기</a:t>
+            </a:r>
+            <a:r>
+              <a:rPr lang="en-US" altLang="ko-KR" dirty="0"/>
+              <a:t> </a:t>
+            </a:r>
+            <a:r>
+              <a:rPr lang="ko-KR" altLang="en-US" dirty="0"/>
+              <a:t>등은 </a:t>
+            </a:r>
+            <a:r>
+              <a:rPr lang="ko-KR" altLang="en-US" dirty="0" err="1"/>
+              <a:t>셰이더</a:t>
+            </a:r>
+            <a:r>
+              <a:rPr lang="ko-KR" altLang="en-US" dirty="0"/>
+              <a:t> 코드 </a:t>
+            </a:r>
+            <a:r>
+              <a:rPr lang="ko-KR" altLang="en-US" dirty="0" err="1"/>
+              <a:t>실행중에</a:t>
+            </a:r>
+            <a:r>
+              <a:rPr lang="ko-KR" altLang="en-US" dirty="0"/>
+              <a:t> 값을 바꾸지 않는다</a:t>
+            </a:r>
+            <a:r>
+              <a:rPr lang="en-US" altLang="ko-KR" dirty="0"/>
+              <a:t>.</a:t>
+            </a:r>
+          </a:p>
+          <a:p>
+            <a:endParaRPr lang="en-US" altLang="ko-KR" dirty="0"/>
+          </a:p>
+          <a:p>
+            <a:endParaRPr lang="en-US" altLang="ko-KR" dirty="0"/>
+          </a:p>
+          <a:p>
+            <a:r>
+              <a:rPr lang="en-US" altLang="ko-KR" dirty="0"/>
+              <a:t>PS_INPUT</a:t>
+            </a:r>
+            <a:r>
+              <a:rPr lang="ko-KR" altLang="en-US" dirty="0"/>
+              <a:t>의 데이터는 </a:t>
+            </a:r>
+            <a:r>
+              <a:rPr lang="en-US" altLang="ko-KR" dirty="0" err="1"/>
+              <a:t>VertexShader</a:t>
+            </a:r>
+            <a:r>
+              <a:rPr lang="ko-KR" altLang="en-US" dirty="0"/>
+              <a:t>에서 </a:t>
+            </a:r>
+            <a:r>
+              <a:rPr lang="ko-KR" altLang="en-US" dirty="0" err="1"/>
+              <a:t>리턴한</a:t>
+            </a:r>
+            <a:r>
+              <a:rPr lang="ko-KR" altLang="en-US" dirty="0"/>
+              <a:t> 값의 </a:t>
+            </a:r>
+            <a:r>
+              <a:rPr lang="ko-KR" altLang="en-US" dirty="0" err="1"/>
+              <a:t>보간된</a:t>
+            </a:r>
+            <a:r>
+              <a:rPr lang="ko-KR" altLang="en-US" dirty="0"/>
+              <a:t> 값들이다</a:t>
+            </a:r>
+            <a:r>
+              <a:rPr lang="en-US" altLang="ko-KR" dirty="0"/>
+              <a:t>.</a:t>
+            </a:r>
+          </a:p>
+        </p:txBody>
+      </p:sp>
+      <p:sp>
+        <p:nvSpPr>
+          <p:cNvPr id="5" name="TextBox 4">
+            <a:extLst>
+              <a:ext uri="{FF2B5EF4-FFF2-40B4-BE49-F238E27FC236}">
+                <a16:creationId xmlns:a16="http://schemas.microsoft.com/office/drawing/2014/main" id="{1D6194FC-4178-4555-992C-5DEF6D7C6DCF}"/>
+              </a:ext>
+            </a:extLst>
+          </p:cNvPr>
+          <p:cNvSpPr txBox="1"/>
+          <p:nvPr/>
+        </p:nvSpPr>
+        <p:spPr>
+          <a:xfrm>
+            <a:off x="450938" y="4105483"/>
+            <a:ext cx="9801157" cy="2123658"/>
+          </a:xfrm>
+          <a:prstGeom prst="rect">
+            <a:avLst/>
+          </a:prstGeom>
+          <a:noFill/>
+        </p:spPr>
+        <p:txBody>
+          <a:bodyPr wrap="square">
+            <a:spAutoFit/>
+          </a:bodyPr>
+          <a:lstStyle/>
+          <a:p>
+            <a:r>
+              <a:rPr lang="en-US" altLang="ko-KR" sz="1200" dirty="0"/>
+              <a:t>struct PS_INPUT	//  VertexShader</a:t>
+            </a:r>
+            <a:r>
+              <a:rPr lang="ko-KR" altLang="en-US" sz="1200" dirty="0"/>
+              <a:t>에서의 출력이 </a:t>
+            </a:r>
+            <a:r>
+              <a:rPr lang="en-US" altLang="ko-KR" sz="1200" dirty="0"/>
+              <a:t>Rasterizer</a:t>
+            </a:r>
+            <a:r>
+              <a:rPr lang="ko-KR" altLang="en-US" sz="1200" dirty="0"/>
+              <a:t>에 의해 </a:t>
+            </a:r>
+            <a:r>
+              <a:rPr lang="ko-KR" altLang="en-US" sz="1200" dirty="0" err="1"/>
+              <a:t>보간된값</a:t>
+            </a:r>
+            <a:r>
+              <a:rPr lang="ko-KR" altLang="en-US" sz="1200" dirty="0"/>
+              <a:t> </a:t>
+            </a:r>
+            <a:endParaRPr lang="en-US" altLang="ko-KR" sz="1200" dirty="0"/>
+          </a:p>
+          <a:p>
+            <a:r>
+              <a:rPr lang="en-US" altLang="ko-KR" sz="1200" dirty="0"/>
+              <a:t>{</a:t>
+            </a:r>
+          </a:p>
+          <a:p>
+            <a:r>
+              <a:rPr lang="en-US" altLang="ko-KR" sz="1200" dirty="0"/>
+              <a:t>    float4 Pos : SV_POSITION;     // Rasterizer</a:t>
+            </a:r>
+            <a:r>
+              <a:rPr lang="ko-KR" altLang="en-US" sz="1200" dirty="0"/>
+              <a:t>가 </a:t>
+            </a:r>
+            <a:r>
+              <a:rPr lang="ko-KR" altLang="en-US" sz="1200" dirty="0" err="1"/>
+              <a:t>뷰포트에</a:t>
+            </a:r>
+            <a:r>
+              <a:rPr lang="ko-KR" altLang="en-US" sz="1200" dirty="0"/>
+              <a:t> </a:t>
+            </a:r>
+            <a:r>
+              <a:rPr lang="ko-KR" altLang="en-US" sz="1200" dirty="0" err="1"/>
+              <a:t>맵핑한</a:t>
+            </a:r>
+            <a:r>
+              <a:rPr lang="ko-KR" altLang="en-US" sz="1200" dirty="0"/>
+              <a:t> 스크린 좌표</a:t>
+            </a:r>
+            <a:r>
+              <a:rPr lang="en-US" altLang="ko-KR" sz="1200" dirty="0"/>
+              <a:t>(</a:t>
+            </a:r>
+            <a:r>
+              <a:rPr lang="en-US" altLang="ko-KR" sz="1200" dirty="0" err="1"/>
+              <a:t>x,y</a:t>
+            </a:r>
+            <a:r>
+              <a:rPr lang="en-US" altLang="ko-KR" sz="1200" dirty="0"/>
+              <a:t>)</a:t>
+            </a:r>
+            <a:r>
+              <a:rPr lang="ko-KR" altLang="en-US" sz="1200" dirty="0"/>
+              <a:t>와 </a:t>
+            </a:r>
+            <a:r>
+              <a:rPr lang="ko-KR" altLang="en-US" sz="1200" dirty="0" err="1"/>
+              <a:t>깊이값</a:t>
+            </a:r>
+            <a:r>
+              <a:rPr lang="en-US" altLang="ko-KR" sz="1200" dirty="0"/>
+              <a:t>(z) </a:t>
+            </a:r>
+            <a:r>
+              <a:rPr lang="ko-KR" altLang="en-US" sz="1200" dirty="0"/>
+              <a:t>이다</a:t>
+            </a:r>
+            <a:r>
+              <a:rPr lang="en-US" altLang="ko-KR" sz="1200" dirty="0"/>
+              <a:t>.</a:t>
+            </a:r>
+          </a:p>
+          <a:p>
+            <a:r>
+              <a:rPr lang="en-US" altLang="ko-KR" sz="1200" dirty="0"/>
+              <a:t>    float2 Tex : TEXCOORD0;       </a:t>
+            </a:r>
+          </a:p>
+          <a:p>
+            <a:r>
+              <a:rPr lang="en-US" altLang="ko-KR" sz="1200" dirty="0"/>
+              <a:t>};</a:t>
+            </a:r>
+          </a:p>
+          <a:p>
+            <a:endParaRPr lang="en-US" altLang="ko-KR" sz="1200" dirty="0"/>
+          </a:p>
+          <a:p>
+            <a:r>
+              <a:rPr lang="en-US" altLang="ko-KR" sz="1200" dirty="0"/>
+              <a:t>Float4 main(PS_INPUT input) : </a:t>
+            </a:r>
+            <a:r>
+              <a:rPr lang="en-US" altLang="ko-KR" sz="1200" dirty="0" err="1"/>
+              <a:t>SV_Target</a:t>
+            </a:r>
+            <a:endParaRPr lang="en-US" altLang="ko-KR" sz="1200" dirty="0"/>
+          </a:p>
+          <a:p>
+            <a:r>
+              <a:rPr lang="en-US" altLang="ko-KR" sz="1200" dirty="0"/>
+              <a:t>{</a:t>
+            </a:r>
+          </a:p>
+          <a:p>
+            <a:r>
+              <a:rPr lang="en-US" altLang="ko-KR" sz="1200" dirty="0"/>
+              <a:t>     // </a:t>
+            </a:r>
+            <a:r>
+              <a:rPr lang="ko-KR" altLang="en-US" sz="1200" dirty="0"/>
+              <a:t>텍스처의 </a:t>
+            </a:r>
+            <a:r>
+              <a:rPr lang="en-US" altLang="ko-KR" sz="1200" dirty="0" err="1"/>
+              <a:t>u,v</a:t>
+            </a:r>
+            <a:r>
+              <a:rPr lang="ko-KR" altLang="en-US" sz="1200" dirty="0"/>
+              <a:t>좌표로 샘플링 하고 좀더 복잡한 계산</a:t>
+            </a:r>
+            <a:r>
+              <a:rPr lang="en-US" altLang="ko-KR" sz="1200" dirty="0"/>
+              <a:t>(</a:t>
+            </a:r>
+            <a:r>
+              <a:rPr lang="ko-KR" altLang="en-US" sz="1200" dirty="0" err="1"/>
+              <a:t>빛처리</a:t>
+            </a:r>
+            <a:r>
+              <a:rPr lang="en-US" altLang="ko-KR" sz="1200" dirty="0"/>
+              <a:t>)</a:t>
+            </a:r>
+            <a:r>
+              <a:rPr lang="ko-KR" altLang="en-US" sz="1200" dirty="0"/>
+              <a:t>을 하여 최종색상 결정한다</a:t>
+            </a:r>
+            <a:r>
+              <a:rPr lang="en-US" altLang="ko-KR" sz="1200" dirty="0"/>
+              <a:t>.</a:t>
+            </a:r>
+            <a:r>
+              <a:rPr lang="ko-KR" altLang="en-US" sz="1200" dirty="0"/>
+              <a:t>  </a:t>
+            </a:r>
+            <a:endParaRPr lang="en-US" altLang="ko-KR" sz="1200" dirty="0"/>
+          </a:p>
+          <a:p>
+            <a:r>
+              <a:rPr lang="en-US" altLang="ko-KR" sz="1200" dirty="0"/>
+              <a:t>    return </a:t>
+            </a:r>
+            <a:r>
+              <a:rPr lang="en-US" altLang="ko-KR" sz="1200" dirty="0" err="1"/>
+              <a:t>txDiffuse.Sample</a:t>
+            </a:r>
+            <a:r>
+              <a:rPr lang="en-US" altLang="ko-KR" sz="1200" dirty="0"/>
+              <a:t>(</a:t>
+            </a:r>
+            <a:r>
+              <a:rPr lang="en-US" altLang="ko-KR" sz="1200" dirty="0" err="1"/>
+              <a:t>samLinear</a:t>
+            </a:r>
+            <a:r>
+              <a:rPr lang="en-US" altLang="ko-KR" sz="1200" dirty="0"/>
+              <a:t>, </a:t>
+            </a:r>
+            <a:r>
+              <a:rPr lang="en-US" altLang="ko-KR" sz="1200" dirty="0" err="1"/>
+              <a:t>input.Tex</a:t>
+            </a:r>
+            <a:r>
+              <a:rPr lang="en-US" altLang="ko-KR" sz="1200" dirty="0"/>
+              <a:t>);   // </a:t>
+            </a:r>
+            <a:r>
+              <a:rPr lang="ko-KR" altLang="en-US" sz="1200" dirty="0"/>
+              <a:t>이것은 간단하게 텍스처 색상 바로 출력</a:t>
+            </a:r>
+            <a:endParaRPr lang="en-US" altLang="ko-KR" sz="1200" dirty="0"/>
+          </a:p>
+          <a:p>
+            <a:r>
+              <a:rPr lang="en-US" altLang="ko-KR" sz="1200" dirty="0"/>
+              <a:t>}</a:t>
+            </a:r>
+            <a:endParaRPr lang="ko-KR" altLang="en-US" sz="1200" dirty="0"/>
+          </a:p>
+        </p:txBody>
+      </p:sp>
+    </p:spTree>
+    <p:extLst>
+      <p:ext uri="{BB962C8B-B14F-4D97-AF65-F5344CB8AC3E}">
+        <p14:creationId xmlns:p14="http://schemas.microsoft.com/office/powerpoint/2010/main" val="1222297107"/>
+      </p:ext>
+    </p:extLst>
+  </p:cSld>
+  <p:clrMapOvr>
+    <a:masterClrMapping/>
+  </p:clrMapOvr>
+</p:sld>
+</file>
+
+<file path=ppt/slides/slide12.xml><?xml version="1.0" encoding="utf-8"?>
+<p:sld xmlns:a="http://schemas.openxmlformats.org/drawingml/2006/main" xmlns:r="http://schemas.openxmlformats.org/officeDocument/2006/relationships" xmlns:p="http://schemas.openxmlformats.org/presentationml/2006/main">
+  <p:cSld>
+    <p:spTree>
+      <p:nvGrpSpPr>
+        <p:cNvPr id="1" name=""/>
+        <p:cNvGrpSpPr/>
+        <p:nvPr/>
+      </p:nvGrpSpPr>
+      <p:grpSpPr>
+        <a:xfrm>
+          <a:off x="0" y="0"/>
+          <a:ext cx="0" cy="0"/>
+          <a:chOff x="0" y="0"/>
+          <a:chExt cx="0" cy="0"/>
+        </a:xfrm>
+      </p:grpSpPr>
+      <p:sp>
+        <p:nvSpPr>
+          <p:cNvPr id="2" name="제목 1">
+            <a:extLst>
+              <a:ext uri="{FF2B5EF4-FFF2-40B4-BE49-F238E27FC236}">
                 <a16:creationId xmlns:a16="http://schemas.microsoft.com/office/drawing/2014/main" id="{021FD0A3-FA69-81E6-1758-263992F08EBE}"/>
               </a:ext>
             </a:extLst>
@@ -4074,7 +5757,7 @@
 </p:sld>
 </file>
 
-<file path=ppt/slides/slide12.xml><?xml version="1.0" encoding="utf-8"?>
+<file path=ppt/slides/slide13.xml><?xml version="1.0" encoding="utf-8"?>
 <p:sld xmlns:a="http://schemas.openxmlformats.org/drawingml/2006/main" xmlns:r="http://schemas.openxmlformats.org/officeDocument/2006/relationships" xmlns:p="http://schemas.openxmlformats.org/presentationml/2006/main">
   <p:cSld>
     <p:spTree>
@@ -12556,8 +14239,8 @@
         </p:nvSpPr>
         <p:spPr>
           <a:xfrm>
-            <a:off x="306114" y="1667476"/>
-            <a:ext cx="11569282" cy="646331"/>
+            <a:off x="306113" y="1667476"/>
+            <a:ext cx="11614337" cy="646331"/>
           </a:xfrm>
           <a:prstGeom prst="rect">
             <a:avLst/>
@@ -12588,23 +14271,39 @@
             </a:r>
             <a:r>
               <a:rPr lang="ko-KR" altLang="en-US" dirty="0"/>
-              <a:t> 기본</a:t>
+              <a:t> 필요에 따라 </a:t>
             </a:r>
             <a:r>
               <a:rPr lang="en-US" altLang="ko-KR" dirty="0"/>
-              <a:t> </a:t>
+              <a:t>Vertex</a:t>
             </a:r>
             <a:r>
               <a:rPr lang="ko-KR" altLang="en-US" dirty="0"/>
-              <a:t>임무는 최종 </a:t>
-            </a:r>
-            <a:r>
-              <a:rPr lang="ko-KR" altLang="en-US" dirty="0">
-                <a:solidFill>
-                  <a:srgbClr val="FF0000"/>
-                </a:solidFill>
-              </a:rPr>
-              <a:t> </a:t>
+              <a:t> 위치를 변경</a:t>
+            </a:r>
+            <a:r>
+              <a:rPr lang="en-US" altLang="ko-KR" dirty="0"/>
+              <a:t>(</a:t>
+            </a:r>
+            <a:r>
+              <a:rPr lang="ko-KR" altLang="en-US" dirty="0" err="1"/>
+              <a:t>스키닝</a:t>
+            </a:r>
+            <a:r>
+              <a:rPr lang="en-US" altLang="ko-KR" dirty="0"/>
+              <a:t>) </a:t>
+            </a:r>
+            <a:r>
+              <a:rPr lang="ko-KR" altLang="en-US" dirty="0"/>
+              <a:t>하며 다음 스테이지에 전달 할 값</a:t>
+            </a:r>
+            <a:r>
+              <a:rPr lang="en-US" altLang="ko-KR" dirty="0"/>
+              <a:t>(</a:t>
+            </a:r>
+            <a:r>
+              <a:rPr lang="ko-KR" altLang="en-US" dirty="0"/>
+              <a:t>기본 정보는</a:t>
             </a:r>
             <a:r>
               <a:rPr lang="en-US" altLang="ko-KR" dirty="0">
@@ -12620,15 +14319,7 @@
                   <a:srgbClr val="FF0000"/>
                 </a:solidFill>
               </a:rPr>
-              <a:t>공간 변환</a:t>
-            </a:r>
-            <a:r>
-              <a:rPr lang="en-US" altLang="ko-KR" dirty="0">
-                <a:solidFill>
-                  <a:srgbClr val="FF0000"/>
-                </a:solidFill>
-              </a:rPr>
-              <a:t>(</a:t>
+              <a:t>공간 변환 후 의 위치 </a:t>
             </a:r>
             <a:r>
               <a:rPr lang="en-US" altLang="ko-KR" dirty="0">
@@ -12641,92 +14332,29 @@
                 <a:latin typeface="돋움체" panose="020B0609000101010101" pitchFamily="49" charset="-127"/>
                 <a:ea typeface="돋움체" panose="020B0609000101010101" pitchFamily="49" charset="-127"/>
               </a:rPr>
-              <a:t>SV_POSITION </a:t>
+              <a:t>SV_POSITION</a:t>
+            </a:r>
+            <a:r>
+              <a:rPr lang="en-US" altLang="ko-KR" dirty="0"/>
+              <a:t> )</a:t>
+            </a:r>
+            <a:r>
+              <a:rPr lang="ko-KR" altLang="en-US" dirty="0"/>
+              <a:t>을 결정한다</a:t>
+            </a:r>
+            <a:r>
+              <a:rPr lang="en-US" altLang="ko-KR" dirty="0"/>
+              <a:t>.</a:t>
+            </a:r>
+            <a:r>
+              <a:rPr lang="ko-KR" altLang="en-US" dirty="0"/>
+              <a:t> </a:t>
             </a:r>
             <a:r>
               <a:rPr lang="ko-KR" altLang="en-US" dirty="0">
                 <a:solidFill>
-                  <a:srgbClr val="000000"/>
+                  <a:srgbClr val="FF0000"/>
                 </a:solidFill>
-                <a:highlight>
-                  <a:srgbClr val="FFFFFF"/>
-                </a:highlight>
-                <a:latin typeface="돋움체" panose="020B0609000101010101" pitchFamily="49" charset="-127"/>
-                <a:ea typeface="돋움체" panose="020B0609000101010101" pitchFamily="49" charset="-127"/>
-              </a:rPr>
-              <a:t>리턴</a:t>
-            </a:r>
-            <a:r>
-              <a:rPr lang="en-US" altLang="ko-KR" dirty="0">
-                <a:solidFill>
-                  <a:srgbClr val="000000"/>
-                </a:solidFill>
-                <a:highlight>
-                  <a:srgbClr val="FFFFFF"/>
-                </a:highlight>
-                <a:latin typeface="돋움체" panose="020B0609000101010101" pitchFamily="49" charset="-127"/>
-                <a:ea typeface="돋움체" panose="020B0609000101010101" pitchFamily="49" charset="-127"/>
-              </a:rPr>
-              <a:t>)</a:t>
-            </a:r>
-            <a:r>
-              <a:rPr lang="ko-KR" altLang="en-US" dirty="0"/>
-              <a:t>이며 </a:t>
-            </a:r>
-            <a:r>
-              <a:rPr lang="en-US" altLang="ko-KR" dirty="0"/>
-              <a:t> </a:t>
-            </a:r>
-            <a:r>
-              <a:rPr lang="ko-KR" altLang="en-US" dirty="0"/>
-              <a:t>필요에 따라 중간에 </a:t>
-            </a:r>
-            <a:r>
-              <a:rPr lang="en-US" altLang="ko-KR" dirty="0"/>
-              <a:t>Vertex</a:t>
-            </a:r>
-            <a:r>
-              <a:rPr lang="ko-KR" altLang="en-US" dirty="0"/>
-              <a:t> 위치를 변경 </a:t>
-            </a:r>
-            <a:r>
-              <a:rPr lang="en-US" altLang="ko-KR" dirty="0"/>
-              <a:t>(</a:t>
-            </a:r>
-            <a:r>
-              <a:rPr lang="ko-KR" altLang="en-US" dirty="0" err="1"/>
-              <a:t>스키닝</a:t>
-            </a:r>
-            <a:r>
-              <a:rPr lang="en-US" altLang="ko-KR" dirty="0"/>
-              <a:t>,</a:t>
-            </a:r>
-            <a:r>
-              <a:rPr lang="ko-KR" altLang="en-US" dirty="0"/>
-              <a:t>바람에 따라 흔들기</a:t>
-            </a:r>
-            <a:r>
-              <a:rPr lang="en-US" altLang="ko-KR" dirty="0"/>
-              <a:t>)</a:t>
-            </a:r>
-            <a:r>
-              <a:rPr lang="ko-KR" altLang="en-US" dirty="0"/>
-              <a:t> 한다</a:t>
-            </a:r>
-            <a:r>
-              <a:rPr lang="en-US" altLang="ko-KR" dirty="0"/>
-              <a:t>. </a:t>
-            </a:r>
-            <a:r>
-              <a:rPr lang="en-US" altLang="ko-KR" dirty="0">
-                <a:solidFill>
-                  <a:srgbClr val="000000"/>
-                </a:solidFill>
-                <a:highlight>
-                  <a:srgbClr val="FFFFFF"/>
-                </a:highlight>
-                <a:latin typeface="돋움체" panose="020B0609000101010101" pitchFamily="49" charset="-127"/>
-                <a:ea typeface="돋움체" panose="020B0609000101010101" pitchFamily="49" charset="-127"/>
               </a:rPr>
               <a:t> </a:t>
             </a:r>
@@ -13001,55 +14629,6 @@
         <p:spPr>
           <a:xfrm>
             <a:off x="1168269" y="4222750"/>
-            <a:ext cx="65488" cy="71324"/>
-          </a:xfrm>
-          <a:prstGeom prst="ellipse">
-            <a:avLst/>
-          </a:prstGeom>
-          <a:solidFill>
-            <a:srgbClr val="FF0000"/>
-          </a:solidFill>
-        </p:spPr>
-        <p:style>
-          <a:lnRef idx="2">
-            <a:schemeClr val="accent1">
-              <a:shade val="15000"/>
-            </a:schemeClr>
-          </a:lnRef>
-          <a:fillRef idx="1">
-            <a:schemeClr val="accent1"/>
-          </a:fillRef>
-          <a:effectRef idx="0">
-            <a:schemeClr val="accent1"/>
-          </a:effectRef>
-          <a:fontRef idx="minor">
-            <a:schemeClr val="lt1"/>
-          </a:fontRef>
-        </p:style>
-        <p:txBody>
-          <a:bodyPr rtlCol="0" anchor="ctr"/>
-          <a:lstStyle/>
-          <a:p>
-            <a:pPr algn="ctr"/>
-            <a:endParaRPr lang="ko-KR" altLang="en-US"/>
-          </a:p>
-        </p:txBody>
-      </p:sp>
-      <p:sp>
-        <p:nvSpPr>
-          <p:cNvPr id="52" name="타원 51">
-            <a:extLst>
-              <a:ext uri="{FF2B5EF4-FFF2-40B4-BE49-F238E27FC236}">
-                <a16:creationId xmlns:a16="http://schemas.microsoft.com/office/drawing/2014/main" id="{B9E26453-F40B-EE25-28DC-EB3289659FF5}"/>
-              </a:ext>
-            </a:extLst>
-          </p:cNvPr>
-          <p:cNvSpPr/>
-          <p:nvPr/>
-        </p:nvSpPr>
-        <p:spPr>
-          <a:xfrm>
-            <a:off x="844419" y="4083050"/>
             <a:ext cx="65488" cy="71324"/>
           </a:xfrm>
           <a:prstGeom prst="ellipse">
@@ -14262,6 +15841,398 @@
           </a:fontRef>
         </p:style>
       </p:cxnSp>
+      <p:sp>
+        <p:nvSpPr>
+          <p:cNvPr id="87" name="타원 86">
+            <a:extLst>
+              <a:ext uri="{FF2B5EF4-FFF2-40B4-BE49-F238E27FC236}">
+                <a16:creationId xmlns:a16="http://schemas.microsoft.com/office/drawing/2014/main" id="{2EF8231B-0C9E-40D3-BC44-94E192246F3C}"/>
+              </a:ext>
+            </a:extLst>
+          </p:cNvPr>
+          <p:cNvSpPr/>
+          <p:nvPr/>
+        </p:nvSpPr>
+        <p:spPr>
+          <a:xfrm>
+            <a:off x="3225834" y="4281265"/>
+            <a:ext cx="65488" cy="71324"/>
+          </a:xfrm>
+          <a:prstGeom prst="ellipse">
+            <a:avLst/>
+          </a:prstGeom>
+          <a:solidFill>
+            <a:srgbClr val="FF0000"/>
+          </a:solidFill>
+        </p:spPr>
+        <p:style>
+          <a:lnRef idx="2">
+            <a:schemeClr val="accent1">
+              <a:shade val="15000"/>
+            </a:schemeClr>
+          </a:lnRef>
+          <a:fillRef idx="1">
+            <a:schemeClr val="accent1"/>
+          </a:fillRef>
+          <a:effectRef idx="0">
+            <a:schemeClr val="accent1"/>
+          </a:effectRef>
+          <a:fontRef idx="minor">
+            <a:schemeClr val="lt1"/>
+          </a:fontRef>
+        </p:style>
+        <p:txBody>
+          <a:bodyPr rtlCol="0" anchor="ctr"/>
+          <a:lstStyle/>
+          <a:p>
+            <a:pPr algn="ctr"/>
+            <a:endParaRPr lang="ko-KR" altLang="en-US"/>
+          </a:p>
+        </p:txBody>
+      </p:sp>
+      <p:sp>
+        <p:nvSpPr>
+          <p:cNvPr id="88" name="타원 87">
+            <a:extLst>
+              <a:ext uri="{FF2B5EF4-FFF2-40B4-BE49-F238E27FC236}">
+                <a16:creationId xmlns:a16="http://schemas.microsoft.com/office/drawing/2014/main" id="{5CEBC5EF-B956-43C0-B56D-540EB3B79F47}"/>
+              </a:ext>
+            </a:extLst>
+          </p:cNvPr>
+          <p:cNvSpPr/>
+          <p:nvPr/>
+        </p:nvSpPr>
+        <p:spPr>
+          <a:xfrm>
+            <a:off x="3065020" y="4483064"/>
+            <a:ext cx="65488" cy="71324"/>
+          </a:xfrm>
+          <a:prstGeom prst="ellipse">
+            <a:avLst/>
+          </a:prstGeom>
+          <a:solidFill>
+            <a:srgbClr val="FF0000"/>
+          </a:solidFill>
+        </p:spPr>
+        <p:style>
+          <a:lnRef idx="2">
+            <a:schemeClr val="accent1">
+              <a:shade val="15000"/>
+            </a:schemeClr>
+          </a:lnRef>
+          <a:fillRef idx="1">
+            <a:schemeClr val="accent1"/>
+          </a:fillRef>
+          <a:effectRef idx="0">
+            <a:schemeClr val="accent1"/>
+          </a:effectRef>
+          <a:fontRef idx="minor">
+            <a:schemeClr val="lt1"/>
+          </a:fontRef>
+        </p:style>
+        <p:txBody>
+          <a:bodyPr rtlCol="0" anchor="ctr"/>
+          <a:lstStyle/>
+          <a:p>
+            <a:pPr algn="ctr"/>
+            <a:endParaRPr lang="ko-KR" altLang="en-US"/>
+          </a:p>
+        </p:txBody>
+      </p:sp>
+      <p:sp>
+        <p:nvSpPr>
+          <p:cNvPr id="90" name="타원 89">
+            <a:extLst>
+              <a:ext uri="{FF2B5EF4-FFF2-40B4-BE49-F238E27FC236}">
+                <a16:creationId xmlns:a16="http://schemas.microsoft.com/office/drawing/2014/main" id="{2B4C0B3B-2593-4EB0-A223-A13F963358C0}"/>
+              </a:ext>
+            </a:extLst>
+          </p:cNvPr>
+          <p:cNvSpPr/>
+          <p:nvPr/>
+        </p:nvSpPr>
+        <p:spPr>
+          <a:xfrm>
+            <a:off x="3215078" y="4559104"/>
+            <a:ext cx="65488" cy="71324"/>
+          </a:xfrm>
+          <a:prstGeom prst="ellipse">
+            <a:avLst/>
+          </a:prstGeom>
+          <a:solidFill>
+            <a:srgbClr val="FF0000"/>
+          </a:solidFill>
+        </p:spPr>
+        <p:style>
+          <a:lnRef idx="2">
+            <a:schemeClr val="accent1">
+              <a:shade val="15000"/>
+            </a:schemeClr>
+          </a:lnRef>
+          <a:fillRef idx="1">
+            <a:schemeClr val="accent1"/>
+          </a:fillRef>
+          <a:effectRef idx="0">
+            <a:schemeClr val="accent1"/>
+          </a:effectRef>
+          <a:fontRef idx="minor">
+            <a:schemeClr val="lt1"/>
+          </a:fontRef>
+        </p:style>
+        <p:txBody>
+          <a:bodyPr rtlCol="0" anchor="ctr"/>
+          <a:lstStyle/>
+          <a:p>
+            <a:pPr algn="ctr"/>
+            <a:endParaRPr lang="ko-KR" altLang="en-US"/>
+          </a:p>
+        </p:txBody>
+      </p:sp>
+      <p:sp>
+        <p:nvSpPr>
+          <p:cNvPr id="93" name="타원 92">
+            <a:extLst>
+              <a:ext uri="{FF2B5EF4-FFF2-40B4-BE49-F238E27FC236}">
+                <a16:creationId xmlns:a16="http://schemas.microsoft.com/office/drawing/2014/main" id="{F1E11EA1-766F-4765-AAD1-3BABE8C1135B}"/>
+              </a:ext>
+            </a:extLst>
+          </p:cNvPr>
+          <p:cNvSpPr/>
+          <p:nvPr/>
+        </p:nvSpPr>
+        <p:spPr>
+          <a:xfrm>
+            <a:off x="3384492" y="4477957"/>
+            <a:ext cx="65488" cy="71324"/>
+          </a:xfrm>
+          <a:prstGeom prst="ellipse">
+            <a:avLst/>
+          </a:prstGeom>
+          <a:solidFill>
+            <a:srgbClr val="FF0000"/>
+          </a:solidFill>
+        </p:spPr>
+        <p:style>
+          <a:lnRef idx="2">
+            <a:schemeClr val="accent1">
+              <a:shade val="15000"/>
+            </a:schemeClr>
+          </a:lnRef>
+          <a:fillRef idx="1">
+            <a:schemeClr val="accent1"/>
+          </a:fillRef>
+          <a:effectRef idx="0">
+            <a:schemeClr val="accent1"/>
+          </a:effectRef>
+          <a:fontRef idx="minor">
+            <a:schemeClr val="lt1"/>
+          </a:fontRef>
+        </p:style>
+        <p:txBody>
+          <a:bodyPr rtlCol="0" anchor="ctr"/>
+          <a:lstStyle/>
+          <a:p>
+            <a:pPr algn="ctr"/>
+            <a:endParaRPr lang="ko-KR" altLang="en-US"/>
+          </a:p>
+        </p:txBody>
+      </p:sp>
+      <p:sp>
+        <p:nvSpPr>
+          <p:cNvPr id="95" name="타원 94">
+            <a:extLst>
+              <a:ext uri="{FF2B5EF4-FFF2-40B4-BE49-F238E27FC236}">
+                <a16:creationId xmlns:a16="http://schemas.microsoft.com/office/drawing/2014/main" id="{C3320A08-5CED-4615-923F-BCAB8F77F0AE}"/>
+              </a:ext>
+            </a:extLst>
+          </p:cNvPr>
+          <p:cNvSpPr/>
+          <p:nvPr/>
+        </p:nvSpPr>
+        <p:spPr>
+          <a:xfrm>
+            <a:off x="4571332" y="4352957"/>
+            <a:ext cx="65488" cy="71324"/>
+          </a:xfrm>
+          <a:prstGeom prst="ellipse">
+            <a:avLst/>
+          </a:prstGeom>
+          <a:solidFill>
+            <a:srgbClr val="FF0000"/>
+          </a:solidFill>
+        </p:spPr>
+        <p:style>
+          <a:lnRef idx="2">
+            <a:schemeClr val="accent1">
+              <a:shade val="15000"/>
+            </a:schemeClr>
+          </a:lnRef>
+          <a:fillRef idx="1">
+            <a:schemeClr val="accent1"/>
+          </a:fillRef>
+          <a:effectRef idx="0">
+            <a:schemeClr val="accent1"/>
+          </a:effectRef>
+          <a:fontRef idx="minor">
+            <a:schemeClr val="lt1"/>
+          </a:fontRef>
+        </p:style>
+        <p:txBody>
+          <a:bodyPr rtlCol="0" anchor="ctr"/>
+          <a:lstStyle/>
+          <a:p>
+            <a:pPr algn="ctr"/>
+            <a:endParaRPr lang="ko-KR" altLang="en-US"/>
+          </a:p>
+        </p:txBody>
+      </p:sp>
+      <p:sp>
+        <p:nvSpPr>
+          <p:cNvPr id="96" name="타원 95">
+            <a:extLst>
+              <a:ext uri="{FF2B5EF4-FFF2-40B4-BE49-F238E27FC236}">
+                <a16:creationId xmlns:a16="http://schemas.microsoft.com/office/drawing/2014/main" id="{5A69FB10-B5B7-42C1-B018-FC82B504553D}"/>
+              </a:ext>
+            </a:extLst>
+          </p:cNvPr>
+          <p:cNvSpPr/>
+          <p:nvPr/>
+        </p:nvSpPr>
+        <p:spPr>
+          <a:xfrm>
+            <a:off x="4668809" y="4437227"/>
+            <a:ext cx="65488" cy="71324"/>
+          </a:xfrm>
+          <a:prstGeom prst="ellipse">
+            <a:avLst/>
+          </a:prstGeom>
+          <a:solidFill>
+            <a:srgbClr val="FF0000"/>
+          </a:solidFill>
+        </p:spPr>
+        <p:style>
+          <a:lnRef idx="2">
+            <a:schemeClr val="accent1">
+              <a:shade val="15000"/>
+            </a:schemeClr>
+          </a:lnRef>
+          <a:fillRef idx="1">
+            <a:schemeClr val="accent1"/>
+          </a:fillRef>
+          <a:effectRef idx="0">
+            <a:schemeClr val="accent1"/>
+          </a:effectRef>
+          <a:fontRef idx="minor">
+            <a:schemeClr val="lt1"/>
+          </a:fontRef>
+        </p:style>
+        <p:txBody>
+          <a:bodyPr rtlCol="0" anchor="ctr"/>
+          <a:lstStyle/>
+          <a:p>
+            <a:pPr algn="ctr"/>
+            <a:endParaRPr lang="ko-KR" altLang="en-US"/>
+          </a:p>
+        </p:txBody>
+      </p:sp>
+      <p:sp>
+        <p:nvSpPr>
+          <p:cNvPr id="98" name="타원 97">
+            <a:extLst>
+              <a:ext uri="{FF2B5EF4-FFF2-40B4-BE49-F238E27FC236}">
+                <a16:creationId xmlns:a16="http://schemas.microsoft.com/office/drawing/2014/main" id="{67B46A3A-F934-4914-948B-2C67A161B3CC}"/>
+              </a:ext>
+            </a:extLst>
+          </p:cNvPr>
+          <p:cNvSpPr/>
+          <p:nvPr/>
+        </p:nvSpPr>
+        <p:spPr>
+          <a:xfrm>
+            <a:off x="4881283" y="4406401"/>
+            <a:ext cx="65488" cy="71324"/>
+          </a:xfrm>
+          <a:prstGeom prst="ellipse">
+            <a:avLst/>
+          </a:prstGeom>
+          <a:solidFill>
+            <a:srgbClr val="FF0000"/>
+          </a:solidFill>
+        </p:spPr>
+        <p:style>
+          <a:lnRef idx="2">
+            <a:schemeClr val="accent1">
+              <a:shade val="15000"/>
+            </a:schemeClr>
+          </a:lnRef>
+          <a:fillRef idx="1">
+            <a:schemeClr val="accent1"/>
+          </a:fillRef>
+          <a:effectRef idx="0">
+            <a:schemeClr val="accent1"/>
+          </a:effectRef>
+          <a:fontRef idx="minor">
+            <a:schemeClr val="lt1"/>
+          </a:fontRef>
+        </p:style>
+        <p:txBody>
+          <a:bodyPr rtlCol="0" anchor="ctr"/>
+          <a:lstStyle/>
+          <a:p>
+            <a:pPr algn="ctr"/>
+            <a:endParaRPr lang="ko-KR" altLang="en-US"/>
+          </a:p>
+        </p:txBody>
+      </p:sp>
+      <p:sp>
+        <p:nvSpPr>
+          <p:cNvPr id="100" name="타원 99">
+            <a:extLst>
+              <a:ext uri="{FF2B5EF4-FFF2-40B4-BE49-F238E27FC236}">
+                <a16:creationId xmlns:a16="http://schemas.microsoft.com/office/drawing/2014/main" id="{8C3FD604-2236-4B2E-9DC2-09E937B7AF24}"/>
+              </a:ext>
+            </a:extLst>
+          </p:cNvPr>
+          <p:cNvSpPr/>
+          <p:nvPr/>
+        </p:nvSpPr>
+        <p:spPr>
+          <a:xfrm>
+            <a:off x="4727468" y="4141066"/>
+            <a:ext cx="65488" cy="71324"/>
+          </a:xfrm>
+          <a:prstGeom prst="ellipse">
+            <a:avLst/>
+          </a:prstGeom>
+          <a:solidFill>
+            <a:srgbClr val="FF0000"/>
+          </a:solidFill>
+        </p:spPr>
+        <p:style>
+          <a:lnRef idx="2">
+            <a:schemeClr val="accent1">
+              <a:shade val="15000"/>
+            </a:schemeClr>
+          </a:lnRef>
+          <a:fillRef idx="1">
+            <a:schemeClr val="accent1"/>
+          </a:fillRef>
+          <a:effectRef idx="0">
+            <a:schemeClr val="accent1"/>
+          </a:effectRef>
+          <a:fontRef idx="minor">
+            <a:schemeClr val="lt1"/>
+          </a:fontRef>
+        </p:style>
+        <p:txBody>
+          <a:bodyPr rtlCol="0" anchor="ctr"/>
+          <a:lstStyle/>
+          <a:p>
+            <a:pPr algn="ctr"/>
+            <a:endParaRPr lang="ko-KR" altLang="en-US"/>
+          </a:p>
+        </p:txBody>
+      </p:sp>
     </p:spTree>
     <p:extLst>
       <p:ext uri="{BB962C8B-B14F-4D97-AF65-F5344CB8AC3E}">
@@ -14297,7 +16268,7 @@
           <p:cNvPr id="2" name="제목 1">
             <a:extLst>
               <a:ext uri="{FF2B5EF4-FFF2-40B4-BE49-F238E27FC236}">
-                <a16:creationId xmlns:a16="http://schemas.microsoft.com/office/drawing/2014/main" id="{E0DA14EC-7129-BCCA-8F23-1EA6096E1FCE}"/>
+                <a16:creationId xmlns:a16="http://schemas.microsoft.com/office/drawing/2014/main" id="{4D32FA4A-AAAE-43CC-B028-06FBD586317B}"/>
               </a:ext>
             </a:extLst>
           </p:cNvPr>
@@ -14313,1053 +16284,394 @@
           <a:bodyPr/>
           <a:lstStyle/>
           <a:p>
-            <a:r>
-              <a:rPr lang="en-US" altLang="ko-KR" dirty="0"/>
-              <a:t>Rasterizer Stage</a:t>
-            </a:r>
             <a:endParaRPr lang="ko-KR" altLang="en-US" dirty="0"/>
           </a:p>
         </p:txBody>
       </p:sp>
       <p:sp>
         <p:nvSpPr>
-          <p:cNvPr id="7" name="TextBox 6">
-            <a:extLst>
-              <a:ext uri="{FF2B5EF4-FFF2-40B4-BE49-F238E27FC236}">
-                <a16:creationId xmlns:a16="http://schemas.microsoft.com/office/drawing/2014/main" id="{B6870DCD-CFC5-F029-E571-3BEA9DD6C1DC}"/>
-              </a:ext>
-            </a:extLst>
-          </p:cNvPr>
-          <p:cNvSpPr txBox="1"/>
+          <p:cNvPr id="3" name="직사각형 2">
+            <a:extLst>
+              <a:ext uri="{FF2B5EF4-FFF2-40B4-BE49-F238E27FC236}">
+                <a16:creationId xmlns:a16="http://schemas.microsoft.com/office/drawing/2014/main" id="{B4FF3C65-D5F3-4006-B1F8-99BDCE523078}"/>
+              </a:ext>
+            </a:extLst>
+          </p:cNvPr>
+          <p:cNvSpPr/>
           <p:nvPr/>
         </p:nvSpPr>
         <p:spPr>
           <a:xfrm>
-            <a:off x="166558" y="1503785"/>
-            <a:ext cx="11526040" cy="923330"/>
+            <a:off x="5160124" y="2390928"/>
+            <a:ext cx="3685311" cy="4401205"/>
           </a:xfrm>
           <a:prstGeom prst="rect">
             <a:avLst/>
           </a:prstGeom>
-          <a:noFill/>
-        </p:spPr>
-        <p:txBody>
-          <a:bodyPr wrap="none" rtlCol="0">
+        </p:spPr>
+        <p:txBody>
+          <a:bodyPr wrap="square">
             <a:spAutoFit/>
           </a:bodyPr>
           <a:lstStyle/>
           <a:p>
             <a:r>
-              <a:rPr lang="ko-KR" altLang="en-US" dirty="0"/>
-              <a:t> 앞 단계에서 전달 받은 </a:t>
-            </a:r>
-            <a:r>
-              <a:rPr lang="en-US" altLang="ko-KR" dirty="0"/>
-              <a:t>Primitive(</a:t>
-            </a:r>
-            <a:r>
-              <a:rPr lang="ko-KR" altLang="en-US" dirty="0"/>
-              <a:t>삼각형</a:t>
-            </a:r>
-            <a:r>
-              <a:rPr lang="en-US" altLang="ko-KR" dirty="0"/>
-              <a:t>,</a:t>
-            </a:r>
-            <a:r>
-              <a:rPr lang="ko-KR" altLang="en-US" dirty="0"/>
-              <a:t>선</a:t>
-            </a:r>
-            <a:r>
-              <a:rPr lang="en-US" altLang="ko-KR" dirty="0"/>
-              <a:t>,</a:t>
-            </a:r>
-            <a:r>
-              <a:rPr lang="ko-KR" altLang="en-US" dirty="0"/>
-              <a:t>라인</a:t>
-            </a:r>
-            <a:r>
-              <a:rPr lang="en-US" altLang="ko-KR" dirty="0"/>
-              <a:t>)</a:t>
-            </a:r>
-            <a:r>
-              <a:rPr lang="ko-KR" altLang="en-US" dirty="0"/>
-              <a:t>을 </a:t>
-            </a:r>
-            <a:r>
-              <a:rPr lang="ko-KR" altLang="en-US" dirty="0" err="1"/>
-              <a:t>뷰포트에</a:t>
-            </a:r>
-            <a:r>
-              <a:rPr lang="ko-KR" altLang="en-US" dirty="0"/>
-              <a:t> 맞춰 픽셀 이전의 조각</a:t>
-            </a:r>
-            <a:r>
-              <a:rPr lang="en-US" altLang="ko-KR" dirty="0"/>
-              <a:t>(Fragment)</a:t>
-            </a:r>
-            <a:r>
-              <a:rPr lang="ko-KR" altLang="en-US" dirty="0"/>
-              <a:t>을 만드는 과정</a:t>
-            </a:r>
-            <a:endParaRPr lang="en-US" altLang="ko-KR" dirty="0"/>
-          </a:p>
-          <a:p>
-            <a:r>
-              <a:rPr lang="en-US" altLang="ko-KR" dirty="0"/>
-              <a:t> Fragment </a:t>
-            </a:r>
-            <a:r>
-              <a:rPr lang="ko-KR" altLang="en-US" dirty="0"/>
-              <a:t>마다 </a:t>
-            </a:r>
-            <a:r>
-              <a:rPr lang="en-US" altLang="ko-KR" dirty="0" err="1"/>
-              <a:t>PixelShader</a:t>
-            </a:r>
-            <a:r>
-              <a:rPr lang="en-US" altLang="ko-KR" dirty="0"/>
-              <a:t>(</a:t>
-            </a:r>
-            <a:r>
-              <a:rPr lang="ko-KR" altLang="en-US" dirty="0"/>
-              <a:t>색상계산</a:t>
-            </a:r>
-            <a:r>
-              <a:rPr lang="en-US" altLang="ko-KR" dirty="0"/>
-              <a:t>)</a:t>
-            </a:r>
-            <a:r>
-              <a:rPr lang="ko-KR" altLang="en-US" dirty="0"/>
-              <a:t>가 실행 되므로 이 부분을 줄이기위한 알고리즘이 작동한다</a:t>
-            </a:r>
-            <a:r>
-              <a:rPr lang="en-US" altLang="ko-KR" dirty="0"/>
-              <a:t>.</a:t>
-            </a:r>
-          </a:p>
-          <a:p>
-            <a:r>
-              <a:rPr lang="ko-KR" altLang="en-US" dirty="0"/>
-              <a:t>각 </a:t>
-            </a:r>
-            <a:r>
-              <a:rPr lang="en-US" altLang="ko-KR" dirty="0"/>
-              <a:t>Fragment</a:t>
-            </a:r>
-            <a:r>
-              <a:rPr lang="ko-KR" altLang="en-US" dirty="0"/>
-              <a:t>는 </a:t>
-            </a:r>
-            <a:r>
-              <a:rPr lang="en-US" altLang="ko-KR" dirty="0"/>
-              <a:t>Vertex Shader</a:t>
-            </a:r>
-            <a:r>
-              <a:rPr lang="ko-KR" altLang="en-US" dirty="0"/>
-              <a:t>의 </a:t>
-            </a:r>
-            <a:r>
-              <a:rPr lang="ko-KR" altLang="en-US" dirty="0" err="1"/>
-              <a:t>출력값을</a:t>
-            </a:r>
-            <a:r>
-              <a:rPr lang="ko-KR" altLang="en-US" dirty="0"/>
+              <a:rPr lang="en-US" altLang="ko-KR" sz="1400" dirty="0" err="1">
+                <a:highlight>
+                  <a:srgbClr val="FFFFFF"/>
+                </a:highlight>
+                <a:latin typeface="돋움체" panose="020B0609000101010101" pitchFamily="49" charset="-127"/>
+                <a:ea typeface="돋움체" panose="020B0609000101010101" pitchFamily="49" charset="-127"/>
+              </a:rPr>
+              <a:t>cbuffer</a:t>
+            </a:r>
+            <a:r>
+              <a:rPr lang="en-US" altLang="ko-KR" sz="1400" dirty="0">
+                <a:highlight>
+                  <a:srgbClr val="FFFFFF"/>
+                </a:highlight>
+                <a:latin typeface="돋움체" panose="020B0609000101010101" pitchFamily="49" charset="-127"/>
+                <a:ea typeface="돋움체" panose="020B0609000101010101" pitchFamily="49" charset="-127"/>
+              </a:rPr>
               <a:t> </a:t>
             </a:r>
             <a:r>
-              <a:rPr lang="ko-KR" altLang="en-US" dirty="0" err="1"/>
-              <a:t>보간하여</a:t>
-            </a:r>
-            <a:r>
-              <a:rPr lang="ko-KR" altLang="en-US" dirty="0"/>
-              <a:t> </a:t>
-            </a:r>
-            <a:r>
-              <a:rPr lang="en-US" altLang="ko-KR" dirty="0"/>
-              <a:t>PixelShader</a:t>
-            </a:r>
-            <a:r>
-              <a:rPr lang="ko-KR" altLang="en-US" dirty="0"/>
-              <a:t>의 입력으로 사용한다</a:t>
-            </a:r>
-            <a:r>
-              <a:rPr lang="en-US" altLang="ko-KR" dirty="0"/>
-              <a:t>.</a:t>
-            </a:r>
-            <a:r>
-              <a:rPr lang="ko-KR" altLang="en-US" dirty="0"/>
-              <a:t> </a:t>
-            </a:r>
-            <a:endParaRPr lang="en-US" altLang="ko-KR" dirty="0"/>
-          </a:p>
-        </p:txBody>
-      </p:sp>
-      <p:grpSp>
-        <p:nvGrpSpPr>
-          <p:cNvPr id="10" name="그룹 9">
-            <a:extLst>
-              <a:ext uri="{FF2B5EF4-FFF2-40B4-BE49-F238E27FC236}">
-                <a16:creationId xmlns:a16="http://schemas.microsoft.com/office/drawing/2014/main" id="{10B6CEB1-1263-4836-B0EC-39EBF91E43DE}"/>
-              </a:ext>
-            </a:extLst>
-          </p:cNvPr>
-          <p:cNvGrpSpPr/>
-          <p:nvPr/>
-        </p:nvGrpSpPr>
-        <p:grpSpPr>
-          <a:xfrm>
-            <a:off x="3019540" y="2457915"/>
-            <a:ext cx="4325454" cy="668449"/>
-            <a:chOff x="5536823" y="3276306"/>
-            <a:chExt cx="6231407" cy="1268019"/>
-          </a:xfrm>
-        </p:grpSpPr>
-        <p:pic>
-          <p:nvPicPr>
-            <p:cNvPr id="18" name="그림 17">
-              <a:extLst>
-                <a:ext uri="{FF2B5EF4-FFF2-40B4-BE49-F238E27FC236}">
-                  <a16:creationId xmlns:a16="http://schemas.microsoft.com/office/drawing/2014/main" id="{14A2C92F-71A4-F587-3F75-98568E05DE10}"/>
-                </a:ext>
-              </a:extLst>
-            </p:cNvPr>
-            <p:cNvPicPr>
-              <a:picLocks noChangeAspect="1"/>
-            </p:cNvPicPr>
-            <p:nvPr/>
-          </p:nvPicPr>
-          <p:blipFill>
-            <a:blip r:embed="rId2"/>
-            <a:stretch>
-              <a:fillRect/>
-            </a:stretch>
-          </p:blipFill>
-          <p:spPr>
-            <a:xfrm>
-              <a:off x="5536823" y="3276306"/>
-              <a:ext cx="6231407" cy="1268019"/>
-            </a:xfrm>
-            <a:prstGeom prst="rect">
-              <a:avLst/>
-            </a:prstGeom>
-          </p:spPr>
-        </p:pic>
-        <p:sp>
-          <p:nvSpPr>
-            <p:cNvPr id="19" name="TextBox 18">
-              <a:extLst>
-                <a:ext uri="{FF2B5EF4-FFF2-40B4-BE49-F238E27FC236}">
-                  <a16:creationId xmlns:a16="http://schemas.microsoft.com/office/drawing/2014/main" id="{A1578C02-6825-9FCB-AA6A-90B9DAD02EBF}"/>
-                </a:ext>
-              </a:extLst>
-            </p:cNvPr>
-            <p:cNvSpPr txBox="1"/>
-            <p:nvPr/>
-          </p:nvSpPr>
-          <p:spPr>
-            <a:xfrm>
-              <a:off x="5556234" y="3331407"/>
-              <a:ext cx="890437" cy="307777"/>
-            </a:xfrm>
-            <a:prstGeom prst="rect">
-              <a:avLst/>
-            </a:prstGeom>
-            <a:noFill/>
-          </p:spPr>
-          <p:txBody>
-            <a:bodyPr wrap="none" rtlCol="0">
-              <a:spAutoFit/>
-            </a:bodyPr>
-            <a:lstStyle/>
-            <a:p>
-              <a:r>
-                <a:rPr lang="en-US" altLang="ko-KR" sz="1400" dirty="0">
-                  <a:solidFill>
-                    <a:srgbClr val="FF0000"/>
-                  </a:solidFill>
-                </a:rPr>
-                <a:t>Primitive</a:t>
-              </a:r>
-              <a:endParaRPr lang="ko-KR" altLang="en-US" sz="1400" dirty="0">
-                <a:solidFill>
-                  <a:srgbClr val="FF0000"/>
-                </a:solidFill>
-              </a:endParaRPr>
-            </a:p>
-          </p:txBody>
-        </p:sp>
-        <p:sp>
-          <p:nvSpPr>
-            <p:cNvPr id="20" name="TextBox 19">
-              <a:extLst>
-                <a:ext uri="{FF2B5EF4-FFF2-40B4-BE49-F238E27FC236}">
-                  <a16:creationId xmlns:a16="http://schemas.microsoft.com/office/drawing/2014/main" id="{8C0E47C2-F805-A27C-E814-BEB36CE8630E}"/>
-                </a:ext>
-              </a:extLst>
-            </p:cNvPr>
-            <p:cNvSpPr txBox="1"/>
-            <p:nvPr/>
-          </p:nvSpPr>
-          <p:spPr>
-            <a:xfrm>
-              <a:off x="10393281" y="3285386"/>
-              <a:ext cx="960519" cy="307777"/>
-            </a:xfrm>
-            <a:prstGeom prst="rect">
-              <a:avLst/>
-            </a:prstGeom>
-            <a:noFill/>
-          </p:spPr>
-          <p:txBody>
-            <a:bodyPr wrap="none" rtlCol="0">
-              <a:spAutoFit/>
-            </a:bodyPr>
-            <a:lstStyle/>
-            <a:p>
-              <a:r>
-                <a:rPr lang="en-US" altLang="ko-KR" sz="1400" dirty="0">
-                  <a:solidFill>
-                    <a:srgbClr val="FF0000"/>
-                  </a:solidFill>
-                </a:rPr>
-                <a:t>Fragment</a:t>
-              </a:r>
-              <a:endParaRPr lang="ko-KR" altLang="en-US" sz="1400" dirty="0">
-                <a:solidFill>
-                  <a:srgbClr val="FF0000"/>
-                </a:solidFill>
-              </a:endParaRPr>
-            </a:p>
-          </p:txBody>
-        </p:sp>
-      </p:grpSp>
-      <p:grpSp>
-        <p:nvGrpSpPr>
-          <p:cNvPr id="6" name="그룹 5">
-            <a:extLst>
-              <a:ext uri="{FF2B5EF4-FFF2-40B4-BE49-F238E27FC236}">
-                <a16:creationId xmlns:a16="http://schemas.microsoft.com/office/drawing/2014/main" id="{EFF87FB3-3C0B-41F2-B919-010ADE22D42A}"/>
-              </a:ext>
-            </a:extLst>
-          </p:cNvPr>
-          <p:cNvGrpSpPr/>
-          <p:nvPr/>
-        </p:nvGrpSpPr>
-        <p:grpSpPr>
-          <a:xfrm>
-            <a:off x="1209310" y="3191701"/>
-            <a:ext cx="2292418" cy="1178187"/>
-            <a:chOff x="650890" y="5472342"/>
-            <a:chExt cx="2666146" cy="1401349"/>
-          </a:xfrm>
-        </p:grpSpPr>
-        <p:grpSp>
-          <p:nvGrpSpPr>
-            <p:cNvPr id="5" name="그룹 4">
-              <a:extLst>
-                <a:ext uri="{FF2B5EF4-FFF2-40B4-BE49-F238E27FC236}">
-                  <a16:creationId xmlns:a16="http://schemas.microsoft.com/office/drawing/2014/main" id="{A21FD355-1168-4DF6-9BE3-803BECF1FAAC}"/>
-                </a:ext>
-              </a:extLst>
-            </p:cNvPr>
-            <p:cNvGrpSpPr/>
-            <p:nvPr/>
-          </p:nvGrpSpPr>
-          <p:grpSpPr>
-            <a:xfrm>
-              <a:off x="650890" y="5523999"/>
-              <a:ext cx="2577565" cy="1349692"/>
-              <a:chOff x="533893" y="5501537"/>
-              <a:chExt cx="2577565" cy="1349692"/>
-            </a:xfrm>
-          </p:grpSpPr>
-          <p:pic>
-            <p:nvPicPr>
-              <p:cNvPr id="14" name="그림 13">
-                <a:extLst>
-                  <a:ext uri="{FF2B5EF4-FFF2-40B4-BE49-F238E27FC236}">
-                    <a16:creationId xmlns:a16="http://schemas.microsoft.com/office/drawing/2014/main" id="{BDE5EC70-FF2D-76D9-AB2C-EC635D7A9F24}"/>
-                  </a:ext>
-                </a:extLst>
-              </p:cNvPr>
-              <p:cNvPicPr>
-                <a:picLocks noChangeAspect="1"/>
-              </p:cNvPicPr>
-              <p:nvPr/>
-            </p:nvPicPr>
-            <p:blipFill>
-              <a:blip r:embed="rId3"/>
-              <a:stretch>
-                <a:fillRect/>
-              </a:stretch>
-            </p:blipFill>
-            <p:spPr>
-              <a:xfrm>
-                <a:off x="533893" y="5501537"/>
-                <a:ext cx="2577565" cy="1098228"/>
-              </a:xfrm>
-              <a:prstGeom prst="rect">
-                <a:avLst/>
-              </a:prstGeom>
-            </p:spPr>
-          </p:pic>
-          <p:sp>
-            <p:nvSpPr>
-              <p:cNvPr id="23" name="TextBox 22">
-                <a:extLst>
-                  <a:ext uri="{FF2B5EF4-FFF2-40B4-BE49-F238E27FC236}">
-                    <a16:creationId xmlns:a16="http://schemas.microsoft.com/office/drawing/2014/main" id="{C9BF72AC-2AD6-6BDE-99CE-2B1614D86B74}"/>
-                  </a:ext>
-                </a:extLst>
-              </p:cNvPr>
-              <p:cNvSpPr txBox="1"/>
-              <p:nvPr/>
-            </p:nvSpPr>
-            <p:spPr>
-              <a:xfrm>
-                <a:off x="743569" y="6420342"/>
-                <a:ext cx="1965603" cy="430887"/>
-              </a:xfrm>
-              <a:prstGeom prst="rect">
-                <a:avLst/>
-              </a:prstGeom>
-              <a:noFill/>
-            </p:spPr>
-            <p:txBody>
-              <a:bodyPr wrap="none" rtlCol="0">
-                <a:spAutoFit/>
-              </a:bodyPr>
-              <a:lstStyle/>
-              <a:p>
-                <a:r>
-                  <a:rPr lang="ko-KR" altLang="en-US" sz="1100" dirty="0"/>
-                  <a:t>그리는 순서</a:t>
-                </a:r>
-                <a:r>
-                  <a:rPr lang="en-US" altLang="ko-KR" sz="1100" dirty="0"/>
-                  <a:t>(</a:t>
-                </a:r>
-                <a:r>
-                  <a:rPr lang="ko-KR" altLang="en-US" sz="1100" dirty="0"/>
-                  <a:t>방향</a:t>
-                </a:r>
-                <a:r>
-                  <a:rPr lang="en-US" altLang="ko-KR" sz="1100" dirty="0"/>
-                  <a:t>)</a:t>
-                </a:r>
-                <a:r>
-                  <a:rPr lang="ko-KR" altLang="en-US" sz="1100" dirty="0"/>
-                  <a:t>에 따라 </a:t>
-                </a:r>
-                <a:endParaRPr lang="en-US" altLang="ko-KR" sz="1100" dirty="0"/>
-              </a:p>
-              <a:p>
-                <a:r>
-                  <a:rPr lang="ko-KR" altLang="en-US" sz="1100" dirty="0"/>
-                  <a:t>앞</a:t>
-                </a:r>
-                <a:r>
-                  <a:rPr lang="en-US" altLang="ko-KR" sz="1100" dirty="0"/>
-                  <a:t>,</a:t>
-                </a:r>
-                <a:r>
-                  <a:rPr lang="ko-KR" altLang="en-US" sz="1100" dirty="0"/>
-                  <a:t>뒷 면 구분하여 뒷면 폐기</a:t>
-                </a:r>
-              </a:p>
-            </p:txBody>
-          </p:sp>
-        </p:grpSp>
-        <p:sp>
-          <p:nvSpPr>
-            <p:cNvPr id="26" name="TextBox 25">
-              <a:extLst>
-                <a:ext uri="{FF2B5EF4-FFF2-40B4-BE49-F238E27FC236}">
-                  <a16:creationId xmlns:a16="http://schemas.microsoft.com/office/drawing/2014/main" id="{51522F3C-4648-2DA7-29B9-907030DADB1A}"/>
-                </a:ext>
-              </a:extLst>
-            </p:cNvPr>
-            <p:cNvSpPr txBox="1"/>
-            <p:nvPr/>
-          </p:nvSpPr>
-          <p:spPr>
-            <a:xfrm>
-              <a:off x="1412036" y="5472342"/>
-              <a:ext cx="1905000" cy="261610"/>
-            </a:xfrm>
-            <a:prstGeom prst="rect">
-              <a:avLst/>
-            </a:prstGeom>
-            <a:noFill/>
-          </p:spPr>
-          <p:txBody>
-            <a:bodyPr wrap="square">
-              <a:spAutoFit/>
-            </a:bodyPr>
-            <a:lstStyle/>
-            <a:p>
-              <a:r>
-                <a:rPr lang="en-US" altLang="ko-KR" sz="1100" dirty="0" err="1"/>
-                <a:t>BackFaceCulling</a:t>
-              </a:r>
-              <a:endParaRPr lang="ko-KR" altLang="en-US" sz="1100" dirty="0"/>
-            </a:p>
-          </p:txBody>
-        </p:sp>
-      </p:grpSp>
-      <p:grpSp>
-        <p:nvGrpSpPr>
-          <p:cNvPr id="25" name="그룹 24">
-            <a:extLst>
-              <a:ext uri="{FF2B5EF4-FFF2-40B4-BE49-F238E27FC236}">
-                <a16:creationId xmlns:a16="http://schemas.microsoft.com/office/drawing/2014/main" id="{8020B997-E547-43EC-9601-F3F2A1736829}"/>
-              </a:ext>
-            </a:extLst>
-          </p:cNvPr>
-          <p:cNvGrpSpPr/>
-          <p:nvPr/>
-        </p:nvGrpSpPr>
-        <p:grpSpPr>
-          <a:xfrm>
-            <a:off x="6634210" y="3191701"/>
-            <a:ext cx="3323629" cy="1422242"/>
-            <a:chOff x="8277974" y="5177256"/>
-            <a:chExt cx="3323629" cy="1422242"/>
-          </a:xfrm>
-        </p:grpSpPr>
-        <p:grpSp>
-          <p:nvGrpSpPr>
-            <p:cNvPr id="27" name="그룹 26">
-              <a:extLst>
-                <a:ext uri="{FF2B5EF4-FFF2-40B4-BE49-F238E27FC236}">
-                  <a16:creationId xmlns:a16="http://schemas.microsoft.com/office/drawing/2014/main" id="{70924D40-F82A-4491-AB22-6AB4A3C4439B}"/>
-                </a:ext>
-              </a:extLst>
-            </p:cNvPr>
-            <p:cNvGrpSpPr/>
-            <p:nvPr/>
-          </p:nvGrpSpPr>
-          <p:grpSpPr>
-            <a:xfrm>
-              <a:off x="8277974" y="5177256"/>
-              <a:ext cx="3323629" cy="1422242"/>
-              <a:chOff x="3326771" y="5439133"/>
-              <a:chExt cx="3323629" cy="1422242"/>
-            </a:xfrm>
-          </p:grpSpPr>
-          <p:pic>
-            <p:nvPicPr>
-              <p:cNvPr id="30" name="그림 29">
-                <a:extLst>
-                  <a:ext uri="{FF2B5EF4-FFF2-40B4-BE49-F238E27FC236}">
-                    <a16:creationId xmlns:a16="http://schemas.microsoft.com/office/drawing/2014/main" id="{2B004AD2-3B2D-4636-84C1-057E6C92F371}"/>
-                  </a:ext>
-                </a:extLst>
-              </p:cNvPr>
-              <p:cNvPicPr>
-                <a:picLocks noChangeAspect="1"/>
-              </p:cNvPicPr>
-              <p:nvPr/>
-            </p:nvPicPr>
-            <p:blipFill>
-              <a:blip r:embed="rId4"/>
-              <a:stretch>
-                <a:fillRect/>
-              </a:stretch>
-            </p:blipFill>
-            <p:spPr>
-              <a:xfrm>
-                <a:off x="3326771" y="5439133"/>
-                <a:ext cx="3323629" cy="1160632"/>
-              </a:xfrm>
-              <a:prstGeom prst="rect">
-                <a:avLst/>
-              </a:prstGeom>
-            </p:spPr>
-          </p:pic>
-          <p:sp>
-            <p:nvSpPr>
-              <p:cNvPr id="31" name="TextBox 30">
-                <a:extLst>
-                  <a:ext uri="{FF2B5EF4-FFF2-40B4-BE49-F238E27FC236}">
-                    <a16:creationId xmlns:a16="http://schemas.microsoft.com/office/drawing/2014/main" id="{7539AC2A-314B-4A89-889E-A43C30B9C2BD}"/>
-                  </a:ext>
-                </a:extLst>
-              </p:cNvPr>
-              <p:cNvSpPr txBox="1"/>
-              <p:nvPr/>
-            </p:nvSpPr>
-            <p:spPr>
-              <a:xfrm>
-                <a:off x="4234898" y="6599765"/>
-                <a:ext cx="1412566" cy="261610"/>
-              </a:xfrm>
-              <a:prstGeom prst="rect">
-                <a:avLst/>
-              </a:prstGeom>
-              <a:noFill/>
-            </p:spPr>
-            <p:txBody>
-              <a:bodyPr wrap="none" rtlCol="0">
-                <a:spAutoFit/>
-              </a:bodyPr>
-              <a:lstStyle/>
-              <a:p>
-                <a:r>
-                  <a:rPr lang="ko-KR" altLang="en-US" sz="1100" dirty="0"/>
-                  <a:t>벗어나는 부분 절단</a:t>
-                </a:r>
-              </a:p>
-            </p:txBody>
-          </p:sp>
-        </p:grpSp>
-        <p:sp>
-          <p:nvSpPr>
-            <p:cNvPr id="29" name="TextBox 28">
-              <a:extLst>
-                <a:ext uri="{FF2B5EF4-FFF2-40B4-BE49-F238E27FC236}">
-                  <a16:creationId xmlns:a16="http://schemas.microsoft.com/office/drawing/2014/main" id="{FB3EC671-4C92-4584-9852-BB5528A86D30}"/>
-                </a:ext>
-              </a:extLst>
-            </p:cNvPr>
-            <p:cNvSpPr txBox="1"/>
-            <p:nvPr/>
-          </p:nvSpPr>
-          <p:spPr>
-            <a:xfrm>
-              <a:off x="9233832" y="5243993"/>
-              <a:ext cx="1411911" cy="261610"/>
-            </a:xfrm>
-            <a:prstGeom prst="rect">
-              <a:avLst/>
-            </a:prstGeom>
-            <a:noFill/>
-          </p:spPr>
-          <p:txBody>
-            <a:bodyPr wrap="square">
-              <a:spAutoFit/>
-            </a:bodyPr>
-            <a:lstStyle/>
-            <a:p>
-              <a:r>
-                <a:rPr lang="en-US" altLang="ko-KR" sz="1100" dirty="0"/>
-                <a:t>Primitive Clipping</a:t>
-              </a:r>
-              <a:endParaRPr lang="ko-KR" altLang="en-US" sz="1100" dirty="0"/>
-            </a:p>
-          </p:txBody>
-        </p:sp>
-      </p:grpSp>
-      <p:grpSp>
-        <p:nvGrpSpPr>
-          <p:cNvPr id="4" name="그룹 3">
-            <a:extLst>
-              <a:ext uri="{FF2B5EF4-FFF2-40B4-BE49-F238E27FC236}">
-                <a16:creationId xmlns:a16="http://schemas.microsoft.com/office/drawing/2014/main" id="{BAD198F0-010E-42BC-AAF3-683F02320C08}"/>
-              </a:ext>
-            </a:extLst>
-          </p:cNvPr>
-          <p:cNvGrpSpPr/>
-          <p:nvPr/>
-        </p:nvGrpSpPr>
-        <p:grpSpPr>
-          <a:xfrm>
-            <a:off x="3803582" y="3173267"/>
-            <a:ext cx="2406039" cy="1280850"/>
-            <a:chOff x="3561347" y="5357784"/>
-            <a:chExt cx="2538212" cy="1567347"/>
-          </a:xfrm>
-        </p:grpSpPr>
-        <p:pic>
-          <p:nvPicPr>
-            <p:cNvPr id="33" name="그림 32">
-              <a:extLst>
-                <a:ext uri="{FF2B5EF4-FFF2-40B4-BE49-F238E27FC236}">
-                  <a16:creationId xmlns:a16="http://schemas.microsoft.com/office/drawing/2014/main" id="{5506CDB5-409B-4FAB-85CE-02319E5F149B}"/>
-                </a:ext>
-              </a:extLst>
-            </p:cNvPr>
-            <p:cNvPicPr>
-              <a:picLocks noChangeAspect="1"/>
-            </p:cNvPicPr>
-            <p:nvPr/>
-          </p:nvPicPr>
-          <p:blipFill rotWithShape="1">
-            <a:blip r:embed="rId5"/>
-            <a:srcRect l="3290" t="5644" r="3475" b="5037"/>
-            <a:stretch/>
-          </p:blipFill>
-          <p:spPr>
-            <a:xfrm>
-              <a:off x="3561347" y="5414952"/>
-              <a:ext cx="2418348" cy="1200329"/>
-            </a:xfrm>
-            <a:prstGeom prst="rect">
-              <a:avLst/>
-            </a:prstGeom>
-          </p:spPr>
-        </p:pic>
-        <p:sp>
-          <p:nvSpPr>
-            <p:cNvPr id="34" name="TextBox 33">
-              <a:extLst>
-                <a:ext uri="{FF2B5EF4-FFF2-40B4-BE49-F238E27FC236}">
-                  <a16:creationId xmlns:a16="http://schemas.microsoft.com/office/drawing/2014/main" id="{D1BD7A6A-F338-4592-8E28-63DFD8150641}"/>
-                </a:ext>
-              </a:extLst>
-            </p:cNvPr>
-            <p:cNvSpPr txBox="1"/>
-            <p:nvPr/>
-          </p:nvSpPr>
-          <p:spPr>
-            <a:xfrm>
-              <a:off x="4036974" y="5357784"/>
-              <a:ext cx="1471889" cy="261610"/>
-            </a:xfrm>
-            <a:prstGeom prst="rect">
-              <a:avLst/>
-            </a:prstGeom>
-            <a:noFill/>
-          </p:spPr>
-          <p:txBody>
-            <a:bodyPr wrap="square">
-              <a:spAutoFit/>
-            </a:bodyPr>
-            <a:lstStyle/>
-            <a:p>
-              <a:r>
-                <a:rPr lang="en-US" altLang="ko-KR" sz="1100" dirty="0"/>
-                <a:t>Primitive</a:t>
-              </a:r>
-              <a:r>
-                <a:rPr lang="ko-KR" altLang="en-US" sz="1100" dirty="0"/>
-                <a:t> </a:t>
-              </a:r>
-              <a:r>
-                <a:rPr lang="en-US" altLang="ko-KR" sz="1100" dirty="0"/>
-                <a:t>Culling</a:t>
-              </a:r>
-              <a:endParaRPr lang="ko-KR" altLang="en-US" sz="1100" dirty="0"/>
-            </a:p>
-          </p:txBody>
-        </p:sp>
-        <p:sp>
-          <p:nvSpPr>
-            <p:cNvPr id="35" name="TextBox 34">
-              <a:extLst>
-                <a:ext uri="{FF2B5EF4-FFF2-40B4-BE49-F238E27FC236}">
-                  <a16:creationId xmlns:a16="http://schemas.microsoft.com/office/drawing/2014/main" id="{0893299B-FCD5-4EAD-A1AF-79F6CF2C9B6A}"/>
-                </a:ext>
-              </a:extLst>
-            </p:cNvPr>
-            <p:cNvSpPr txBox="1"/>
-            <p:nvPr/>
-          </p:nvSpPr>
-          <p:spPr>
-            <a:xfrm>
-              <a:off x="3931978" y="6623836"/>
-              <a:ext cx="2167581" cy="301295"/>
-            </a:xfrm>
-            <a:prstGeom prst="rect">
-              <a:avLst/>
-            </a:prstGeom>
-            <a:noFill/>
-          </p:spPr>
-          <p:txBody>
-            <a:bodyPr wrap="square">
-              <a:spAutoFit/>
-            </a:bodyPr>
-            <a:lstStyle/>
-            <a:p>
-              <a:r>
-                <a:rPr lang="ko-KR" altLang="en-US" sz="1000" dirty="0"/>
-                <a:t>벗어난 삼각형 폐기</a:t>
-              </a:r>
-            </a:p>
-          </p:txBody>
-        </p:sp>
-      </p:grpSp>
-      <p:grpSp>
-        <p:nvGrpSpPr>
-          <p:cNvPr id="28" name="그룹 27">
-            <a:extLst>
-              <a:ext uri="{FF2B5EF4-FFF2-40B4-BE49-F238E27FC236}">
-                <a16:creationId xmlns:a16="http://schemas.microsoft.com/office/drawing/2014/main" id="{1BBD264F-F67B-BE7F-F43C-97C1FE1C8E65}"/>
-              </a:ext>
-            </a:extLst>
-          </p:cNvPr>
-          <p:cNvGrpSpPr/>
-          <p:nvPr/>
-        </p:nvGrpSpPr>
-        <p:grpSpPr>
-          <a:xfrm>
-            <a:off x="195380" y="4842633"/>
-            <a:ext cx="5824974" cy="1991507"/>
-            <a:chOff x="-617332" y="3114575"/>
-            <a:chExt cx="6365143" cy="2416486"/>
-          </a:xfrm>
-        </p:grpSpPr>
-        <p:grpSp>
-          <p:nvGrpSpPr>
-            <p:cNvPr id="3" name="그룹 2">
-              <a:extLst>
-                <a:ext uri="{FF2B5EF4-FFF2-40B4-BE49-F238E27FC236}">
-                  <a16:creationId xmlns:a16="http://schemas.microsoft.com/office/drawing/2014/main" id="{59B4F479-EE85-474A-9ABB-AF9990011DF6}"/>
-                </a:ext>
-              </a:extLst>
-            </p:cNvPr>
-            <p:cNvGrpSpPr/>
-            <p:nvPr/>
-          </p:nvGrpSpPr>
-          <p:grpSpPr>
-            <a:xfrm>
-              <a:off x="-617332" y="3114575"/>
-              <a:ext cx="5833287" cy="2416486"/>
-              <a:chOff x="-523203" y="2789973"/>
-              <a:chExt cx="5833287" cy="2416486"/>
-            </a:xfrm>
-          </p:grpSpPr>
-          <p:pic>
-            <p:nvPicPr>
-              <p:cNvPr id="11" name="그림 10">
-                <a:extLst>
-                  <a:ext uri="{FF2B5EF4-FFF2-40B4-BE49-F238E27FC236}">
-                    <a16:creationId xmlns:a16="http://schemas.microsoft.com/office/drawing/2014/main" id="{E51EEF06-4595-7326-A003-F15E6842F082}"/>
-                  </a:ext>
-                </a:extLst>
-              </p:cNvPr>
-              <p:cNvPicPr>
-                <a:picLocks noChangeAspect="1"/>
-              </p:cNvPicPr>
-              <p:nvPr/>
-            </p:nvPicPr>
-            <p:blipFill>
-              <a:blip r:embed="rId6"/>
-              <a:stretch>
-                <a:fillRect/>
-              </a:stretch>
-            </p:blipFill>
-            <p:spPr>
-              <a:xfrm>
-                <a:off x="215350" y="2789973"/>
-                <a:ext cx="5094734" cy="2369734"/>
-              </a:xfrm>
-              <a:prstGeom prst="rect">
-                <a:avLst/>
-              </a:prstGeom>
-            </p:spPr>
-          </p:pic>
-          <p:sp>
-            <p:nvSpPr>
-              <p:cNvPr id="22" name="TextBox 21">
-                <a:extLst>
-                  <a:ext uri="{FF2B5EF4-FFF2-40B4-BE49-F238E27FC236}">
-                    <a16:creationId xmlns:a16="http://schemas.microsoft.com/office/drawing/2014/main" id="{A97BB126-A0A9-8A50-3396-0AB439EFA0CD}"/>
-                  </a:ext>
-                </a:extLst>
-              </p:cNvPr>
-              <p:cNvSpPr txBox="1"/>
-              <p:nvPr/>
-            </p:nvSpPr>
-            <p:spPr>
-              <a:xfrm>
-                <a:off x="-523203" y="2845675"/>
-                <a:ext cx="2639944" cy="317436"/>
-              </a:xfrm>
-              <a:prstGeom prst="rect">
-                <a:avLst/>
-              </a:prstGeom>
-              <a:noFill/>
-            </p:spPr>
-            <p:txBody>
-              <a:bodyPr wrap="square">
-                <a:spAutoFit/>
-              </a:bodyPr>
-              <a:lstStyle/>
-              <a:p>
-                <a:r>
-                  <a:rPr lang="en-US" altLang="ko-KR" sz="1100" dirty="0"/>
-                  <a:t>Normalized Device Coordinate</a:t>
-                </a:r>
-                <a:endParaRPr lang="ko-KR" altLang="en-US" sz="1100" dirty="0"/>
-              </a:p>
-            </p:txBody>
-          </p:sp>
-          <p:sp>
-            <p:nvSpPr>
-              <p:cNvPr id="15" name="TextBox 14">
-                <a:extLst>
-                  <a:ext uri="{FF2B5EF4-FFF2-40B4-BE49-F238E27FC236}">
-                    <a16:creationId xmlns:a16="http://schemas.microsoft.com/office/drawing/2014/main" id="{ADBCFF36-ADBB-4EDC-BB46-B11DF18D02B2}"/>
-                  </a:ext>
-                </a:extLst>
-              </p:cNvPr>
-              <p:cNvSpPr txBox="1"/>
-              <p:nvPr/>
-            </p:nvSpPr>
-            <p:spPr>
-              <a:xfrm>
-                <a:off x="4672100" y="2872877"/>
-                <a:ext cx="628053" cy="317436"/>
-              </a:xfrm>
-              <a:prstGeom prst="rect">
-                <a:avLst/>
-              </a:prstGeom>
-              <a:noFill/>
-            </p:spPr>
-            <p:txBody>
-              <a:bodyPr wrap="square">
-                <a:spAutoFit/>
-              </a:bodyPr>
-              <a:lstStyle/>
-              <a:p>
-                <a:r>
-                  <a:rPr lang="en-US" altLang="ko-KR" sz="1100" dirty="0"/>
-                  <a:t>1023</a:t>
-                </a:r>
-                <a:endParaRPr lang="ko-KR" altLang="en-US" sz="1100" dirty="0"/>
-              </a:p>
-            </p:txBody>
-          </p:sp>
-          <p:sp>
-            <p:nvSpPr>
-              <p:cNvPr id="17" name="TextBox 16">
-                <a:extLst>
-                  <a:ext uri="{FF2B5EF4-FFF2-40B4-BE49-F238E27FC236}">
-                    <a16:creationId xmlns:a16="http://schemas.microsoft.com/office/drawing/2014/main" id="{1CC0C653-DEE4-424A-BC44-F883601A0AC5}"/>
-                  </a:ext>
-                </a:extLst>
-              </p:cNvPr>
-              <p:cNvSpPr txBox="1"/>
-              <p:nvPr/>
-            </p:nvSpPr>
-            <p:spPr>
-              <a:xfrm>
-                <a:off x="2617260" y="2842788"/>
-                <a:ext cx="2064771" cy="261610"/>
-              </a:xfrm>
-              <a:prstGeom prst="rect">
-                <a:avLst/>
-              </a:prstGeom>
-              <a:noFill/>
-            </p:spPr>
-            <p:txBody>
-              <a:bodyPr wrap="square">
-                <a:spAutoFit/>
-              </a:bodyPr>
-              <a:lstStyle/>
-              <a:p>
-                <a:r>
-                  <a:rPr lang="en-US" altLang="ko-KR" sz="1100" dirty="0"/>
-                  <a:t>W = 1024 , H = 768 </a:t>
-                </a:r>
-                <a:r>
-                  <a:rPr lang="ko-KR" altLang="en-US" sz="1100" dirty="0"/>
-                  <a:t>이면</a:t>
-                </a:r>
-              </a:p>
-            </p:txBody>
-          </p:sp>
-          <p:sp>
-            <p:nvSpPr>
-              <p:cNvPr id="21" name="TextBox 20">
-                <a:extLst>
-                  <a:ext uri="{FF2B5EF4-FFF2-40B4-BE49-F238E27FC236}">
-                    <a16:creationId xmlns:a16="http://schemas.microsoft.com/office/drawing/2014/main" id="{879171D0-D8F3-43D6-9237-26964E8A955B}"/>
-                  </a:ext>
-                </a:extLst>
-              </p:cNvPr>
-              <p:cNvSpPr txBox="1"/>
-              <p:nvPr/>
-            </p:nvSpPr>
-            <p:spPr>
-              <a:xfrm>
-                <a:off x="1247411" y="4944849"/>
-                <a:ext cx="500519" cy="261610"/>
-              </a:xfrm>
-              <a:prstGeom prst="rect">
-                <a:avLst/>
-              </a:prstGeom>
-              <a:noFill/>
-            </p:spPr>
-            <p:txBody>
-              <a:bodyPr wrap="square">
-                <a:spAutoFit/>
-              </a:bodyPr>
-              <a:lstStyle/>
-              <a:p>
-                <a:r>
-                  <a:rPr lang="en-US" altLang="ko-KR" sz="1100" dirty="0"/>
-                  <a:t>767</a:t>
-                </a:r>
-                <a:endParaRPr lang="ko-KR" altLang="en-US" sz="1100" dirty="0"/>
-              </a:p>
-            </p:txBody>
-          </p:sp>
-        </p:grpSp>
-        <p:sp>
-          <p:nvSpPr>
-            <p:cNvPr id="8" name="TextBox 7">
-              <a:extLst>
-                <a:ext uri="{FF2B5EF4-FFF2-40B4-BE49-F238E27FC236}">
-                  <a16:creationId xmlns:a16="http://schemas.microsoft.com/office/drawing/2014/main" id="{2708BB99-DFAA-47C8-A60E-6159A6EED577}"/>
-                </a:ext>
-              </a:extLst>
-            </p:cNvPr>
-            <p:cNvSpPr txBox="1"/>
-            <p:nvPr/>
-          </p:nvSpPr>
-          <p:spPr>
-            <a:xfrm>
-              <a:off x="2943838" y="3918268"/>
-              <a:ext cx="2803973" cy="276999"/>
-            </a:xfrm>
-            <a:prstGeom prst="rect">
-              <a:avLst/>
-            </a:prstGeom>
-            <a:noFill/>
-          </p:spPr>
-          <p:txBody>
-            <a:bodyPr wrap="none" rtlCol="0">
-              <a:spAutoFit/>
-            </a:bodyPr>
-            <a:lstStyle/>
-            <a:p>
-              <a:r>
-                <a:rPr lang="ko-KR" altLang="en-US" sz="1200" dirty="0"/>
-                <a:t>화면 </a:t>
-              </a:r>
-              <a:r>
-                <a:rPr lang="ko-KR" altLang="en-US" sz="1200" dirty="0" err="1"/>
-                <a:t>영역중</a:t>
-              </a:r>
-              <a:r>
-                <a:rPr lang="ko-KR" altLang="en-US" sz="1200" dirty="0"/>
-                <a:t> 그리는 부분</a:t>
-              </a:r>
-              <a:r>
-                <a:rPr lang="en-US" altLang="ko-KR" sz="1200" dirty="0"/>
-                <a:t>(</a:t>
-              </a:r>
-              <a:r>
-                <a:rPr lang="ko-KR" altLang="en-US" sz="1200" dirty="0"/>
-                <a:t>보통은 같다</a:t>
-              </a:r>
-              <a:r>
-                <a:rPr lang="en-US" altLang="ko-KR" sz="1200" dirty="0"/>
-                <a:t>)</a:t>
-              </a:r>
-              <a:endParaRPr lang="ko-KR" altLang="en-US" sz="1200" dirty="0"/>
-            </a:p>
-          </p:txBody>
-        </p:sp>
-      </p:grpSp>
-      <p:sp>
-        <p:nvSpPr>
-          <p:cNvPr id="9" name="직사각형 8">
-            <a:extLst>
-              <a:ext uri="{FF2B5EF4-FFF2-40B4-BE49-F238E27FC236}">
-                <a16:creationId xmlns:a16="http://schemas.microsoft.com/office/drawing/2014/main" id="{28D2344C-A6E2-458A-A6A5-433186778C12}"/>
+              <a:rPr lang="en-US" altLang="ko-KR" sz="1400" dirty="0" err="1">
+                <a:highlight>
+                  <a:srgbClr val="FFFFFF"/>
+                </a:highlight>
+                <a:latin typeface="돋움체" panose="020B0609000101010101" pitchFamily="49" charset="-127"/>
+                <a:ea typeface="돋움체" panose="020B0609000101010101" pitchFamily="49" charset="-127"/>
+              </a:rPr>
+              <a:t>ConstantBuffer</a:t>
+            </a:r>
+            <a:r>
+              <a:rPr lang="en-US" altLang="ko-KR" sz="1400" dirty="0">
+                <a:highlight>
+                  <a:srgbClr val="FFFFFF"/>
+                </a:highlight>
+                <a:latin typeface="돋움체" panose="020B0609000101010101" pitchFamily="49" charset="-127"/>
+                <a:ea typeface="돋움체" panose="020B0609000101010101" pitchFamily="49" charset="-127"/>
+              </a:rPr>
+              <a:t> : register(b0)</a:t>
+            </a:r>
+          </a:p>
+          <a:p>
+            <a:r>
+              <a:rPr lang="en-US" altLang="ko-KR" sz="1400" dirty="0">
+                <a:highlight>
+                  <a:srgbClr val="FFFFFF"/>
+                </a:highlight>
+                <a:latin typeface="돋움체" panose="020B0609000101010101" pitchFamily="49" charset="-127"/>
+                <a:ea typeface="돋움체" panose="020B0609000101010101" pitchFamily="49" charset="-127"/>
+              </a:rPr>
+              <a:t>{</a:t>
+            </a:r>
+            <a:endParaRPr lang="ko-KR" altLang="en-US" sz="1400" dirty="0">
+              <a:highlight>
+                <a:srgbClr val="FFFFFF"/>
+              </a:highlight>
+              <a:latin typeface="돋움체" panose="020B0609000101010101" pitchFamily="49" charset="-127"/>
+              <a:ea typeface="돋움체" panose="020B0609000101010101" pitchFamily="49" charset="-127"/>
+            </a:endParaRPr>
+          </a:p>
+          <a:p>
+            <a:r>
+              <a:rPr lang="en-US" altLang="ko-KR" sz="1400" dirty="0">
+                <a:highlight>
+                  <a:srgbClr val="FFFFFF"/>
+                </a:highlight>
+                <a:latin typeface="돋움체" panose="020B0609000101010101" pitchFamily="49" charset="-127"/>
+                <a:ea typeface="돋움체" panose="020B0609000101010101" pitchFamily="49" charset="-127"/>
+              </a:rPr>
+              <a:t>    matrix World;</a:t>
+            </a:r>
+          </a:p>
+          <a:p>
+            <a:r>
+              <a:rPr lang="en-US" altLang="ko-KR" sz="1400" dirty="0">
+                <a:highlight>
+                  <a:srgbClr val="FFFFFF"/>
+                </a:highlight>
+                <a:latin typeface="돋움체" panose="020B0609000101010101" pitchFamily="49" charset="-127"/>
+                <a:ea typeface="돋움체" panose="020B0609000101010101" pitchFamily="49" charset="-127"/>
+              </a:rPr>
+              <a:t>    matrix View;</a:t>
+            </a:r>
+          </a:p>
+          <a:p>
+            <a:r>
+              <a:rPr lang="en-US" altLang="ko-KR" sz="1400" dirty="0">
+                <a:highlight>
+                  <a:srgbClr val="FFFFFF"/>
+                </a:highlight>
+                <a:latin typeface="돋움체" panose="020B0609000101010101" pitchFamily="49" charset="-127"/>
+                <a:ea typeface="돋움체" panose="020B0609000101010101" pitchFamily="49" charset="-127"/>
+              </a:rPr>
+              <a:t>    matrix Projection;</a:t>
+            </a:r>
+          </a:p>
+          <a:p>
+            <a:r>
+              <a:rPr lang="en-US" altLang="ko-KR" sz="1400" dirty="0">
+                <a:highlight>
+                  <a:srgbClr val="FFFFFF"/>
+                </a:highlight>
+                <a:latin typeface="돋움체" panose="020B0609000101010101" pitchFamily="49" charset="-127"/>
+                <a:ea typeface="돋움체" panose="020B0609000101010101" pitchFamily="49" charset="-127"/>
+              </a:rPr>
+              <a:t>}</a:t>
+            </a:r>
+            <a:endParaRPr lang="ko-KR" altLang="en-US" sz="1400" dirty="0">
+              <a:highlight>
+                <a:srgbClr val="FFFFFF"/>
+              </a:highlight>
+              <a:latin typeface="돋움체" panose="020B0609000101010101" pitchFamily="49" charset="-127"/>
+              <a:ea typeface="돋움체" panose="020B0609000101010101" pitchFamily="49" charset="-127"/>
+            </a:endParaRPr>
+          </a:p>
+          <a:p>
+            <a:endParaRPr lang="ko-KR" altLang="en-US" sz="1400" dirty="0">
+              <a:highlight>
+                <a:srgbClr val="FFFFFF"/>
+              </a:highlight>
+              <a:latin typeface="돋움체" panose="020B0609000101010101" pitchFamily="49" charset="-127"/>
+              <a:ea typeface="돋움체" panose="020B0609000101010101" pitchFamily="49" charset="-127"/>
+            </a:endParaRPr>
+          </a:p>
+          <a:p>
+            <a:endParaRPr lang="ko-KR" altLang="en-US" sz="1400" dirty="0">
+              <a:highlight>
+                <a:srgbClr val="FFFFFF"/>
+              </a:highlight>
+              <a:latin typeface="돋움체" panose="020B0609000101010101" pitchFamily="49" charset="-127"/>
+              <a:ea typeface="돋움체" panose="020B0609000101010101" pitchFamily="49" charset="-127"/>
+            </a:endParaRPr>
+          </a:p>
+          <a:p>
+            <a:r>
+              <a:rPr lang="en-US" altLang="ko-KR" sz="1400" dirty="0">
+                <a:highlight>
+                  <a:srgbClr val="FFFFFF"/>
+                </a:highlight>
+                <a:latin typeface="돋움체" panose="020B0609000101010101" pitchFamily="49" charset="-127"/>
+                <a:ea typeface="돋움체" panose="020B0609000101010101" pitchFamily="49" charset="-127"/>
+              </a:rPr>
+              <a:t>//-------------------------------</a:t>
+            </a:r>
+            <a:endParaRPr lang="ko-KR" altLang="en-US" sz="1400" dirty="0">
+              <a:highlight>
+                <a:srgbClr val="FFFFFF"/>
+              </a:highlight>
+              <a:latin typeface="돋움체" panose="020B0609000101010101" pitchFamily="49" charset="-127"/>
+              <a:ea typeface="돋움체" panose="020B0609000101010101" pitchFamily="49" charset="-127"/>
+            </a:endParaRPr>
+          </a:p>
+          <a:p>
+            <a:r>
+              <a:rPr lang="en-US" altLang="ko-KR" sz="1400" dirty="0">
+                <a:highlight>
+                  <a:srgbClr val="FFFFFF"/>
+                </a:highlight>
+                <a:latin typeface="돋움체" panose="020B0609000101010101" pitchFamily="49" charset="-127"/>
+                <a:ea typeface="돋움체" panose="020B0609000101010101" pitchFamily="49" charset="-127"/>
+              </a:rPr>
+              <a:t>struct VS_INPUT</a:t>
+            </a:r>
+          </a:p>
+          <a:p>
+            <a:r>
+              <a:rPr lang="en-US" altLang="ko-KR" sz="1400" dirty="0">
+                <a:highlight>
+                  <a:srgbClr val="FFFFFF"/>
+                </a:highlight>
+                <a:latin typeface="돋움체" panose="020B0609000101010101" pitchFamily="49" charset="-127"/>
+                <a:ea typeface="돋움체" panose="020B0609000101010101" pitchFamily="49" charset="-127"/>
+              </a:rPr>
+              <a:t>{</a:t>
+            </a:r>
+            <a:endParaRPr lang="ko-KR" altLang="en-US" sz="1400" dirty="0">
+              <a:highlight>
+                <a:srgbClr val="FFFFFF"/>
+              </a:highlight>
+              <a:latin typeface="돋움체" panose="020B0609000101010101" pitchFamily="49" charset="-127"/>
+              <a:ea typeface="돋움체" panose="020B0609000101010101" pitchFamily="49" charset="-127"/>
+            </a:endParaRPr>
+          </a:p>
+          <a:p>
+            <a:r>
+              <a:rPr lang="en-US" altLang="ko-KR" sz="1400" dirty="0">
+                <a:highlight>
+                  <a:srgbClr val="FFFFFF"/>
+                </a:highlight>
+                <a:latin typeface="돋움체" panose="020B0609000101010101" pitchFamily="49" charset="-127"/>
+                <a:ea typeface="돋움체" panose="020B0609000101010101" pitchFamily="49" charset="-127"/>
+              </a:rPr>
+              <a:t>    float4 Pos : POSITION;</a:t>
+            </a:r>
+          </a:p>
+          <a:p>
+            <a:r>
+              <a:rPr lang="en-US" altLang="ko-KR" sz="1400" dirty="0">
+                <a:highlight>
+                  <a:srgbClr val="FFFFFF"/>
+                </a:highlight>
+                <a:latin typeface="돋움체" panose="020B0609000101010101" pitchFamily="49" charset="-127"/>
+                <a:ea typeface="돋움체" panose="020B0609000101010101" pitchFamily="49" charset="-127"/>
+              </a:rPr>
+              <a:t>    float2 </a:t>
+            </a:r>
+            <a:r>
+              <a:rPr lang="en-US" altLang="ko-KR" sz="1400" dirty="0" err="1">
+                <a:highlight>
+                  <a:srgbClr val="FFFFFF"/>
+                </a:highlight>
+                <a:latin typeface="돋움체" panose="020B0609000101010101" pitchFamily="49" charset="-127"/>
+                <a:ea typeface="돋움체" panose="020B0609000101010101" pitchFamily="49" charset="-127"/>
+              </a:rPr>
+              <a:t>Tex</a:t>
+            </a:r>
+            <a:r>
+              <a:rPr lang="en-US" altLang="ko-KR" sz="1400" dirty="0">
+                <a:highlight>
+                  <a:srgbClr val="FFFFFF"/>
+                </a:highlight>
+                <a:latin typeface="돋움체" panose="020B0609000101010101" pitchFamily="49" charset="-127"/>
+                <a:ea typeface="돋움체" panose="020B0609000101010101" pitchFamily="49" charset="-127"/>
+              </a:rPr>
+              <a:t> : TEXCOORD0;</a:t>
+            </a:r>
+          </a:p>
+          <a:p>
+            <a:r>
+              <a:rPr lang="en-US" altLang="ko-KR" sz="1400" dirty="0">
+                <a:highlight>
+                  <a:srgbClr val="FFFFFF"/>
+                </a:highlight>
+                <a:latin typeface="돋움체" panose="020B0609000101010101" pitchFamily="49" charset="-127"/>
+                <a:ea typeface="돋움체" panose="020B0609000101010101" pitchFamily="49" charset="-127"/>
+              </a:rPr>
+              <a:t>};</a:t>
+            </a:r>
+            <a:endParaRPr lang="ko-KR" altLang="en-US" sz="1400" dirty="0">
+              <a:highlight>
+                <a:srgbClr val="FFFFFF"/>
+              </a:highlight>
+              <a:latin typeface="돋움체" panose="020B0609000101010101" pitchFamily="49" charset="-127"/>
+              <a:ea typeface="돋움체" panose="020B0609000101010101" pitchFamily="49" charset="-127"/>
+            </a:endParaRPr>
+          </a:p>
+          <a:p>
+            <a:endParaRPr lang="ko-KR" altLang="en-US" sz="1400" dirty="0">
+              <a:highlight>
+                <a:srgbClr val="FFFFFF"/>
+              </a:highlight>
+              <a:latin typeface="돋움체" panose="020B0609000101010101" pitchFamily="49" charset="-127"/>
+              <a:ea typeface="돋움체" panose="020B0609000101010101" pitchFamily="49" charset="-127"/>
+            </a:endParaRPr>
+          </a:p>
+          <a:p>
+            <a:r>
+              <a:rPr lang="en-US" altLang="ko-KR" sz="1400" dirty="0">
+                <a:highlight>
+                  <a:srgbClr val="FFFFFF"/>
+                </a:highlight>
+                <a:latin typeface="돋움체" panose="020B0609000101010101" pitchFamily="49" charset="-127"/>
+                <a:ea typeface="돋움체" panose="020B0609000101010101" pitchFamily="49" charset="-127"/>
+              </a:rPr>
+              <a:t>struct PS_INPUT</a:t>
+            </a:r>
+          </a:p>
+          <a:p>
+            <a:r>
+              <a:rPr lang="en-US" altLang="ko-KR" sz="1400" dirty="0">
+                <a:highlight>
+                  <a:srgbClr val="FFFFFF"/>
+                </a:highlight>
+                <a:latin typeface="돋움체" panose="020B0609000101010101" pitchFamily="49" charset="-127"/>
+                <a:ea typeface="돋움체" panose="020B0609000101010101" pitchFamily="49" charset="-127"/>
+              </a:rPr>
+              <a:t>{</a:t>
+            </a:r>
+            <a:endParaRPr lang="ko-KR" altLang="en-US" sz="1400" dirty="0">
+              <a:highlight>
+                <a:srgbClr val="FFFFFF"/>
+              </a:highlight>
+              <a:latin typeface="돋움체" panose="020B0609000101010101" pitchFamily="49" charset="-127"/>
+              <a:ea typeface="돋움체" panose="020B0609000101010101" pitchFamily="49" charset="-127"/>
+            </a:endParaRPr>
+          </a:p>
+          <a:p>
+            <a:r>
+              <a:rPr lang="en-US" altLang="ko-KR" sz="1400" dirty="0">
+                <a:highlight>
+                  <a:srgbClr val="FFFFFF"/>
+                </a:highlight>
+                <a:latin typeface="돋움체" panose="020B0609000101010101" pitchFamily="49" charset="-127"/>
+                <a:ea typeface="돋움체" panose="020B0609000101010101" pitchFamily="49" charset="-127"/>
+              </a:rPr>
+              <a:t>    float4 Pos : SV_POSITION;</a:t>
+            </a:r>
+          </a:p>
+          <a:p>
+            <a:r>
+              <a:rPr lang="en-US" altLang="ko-KR" sz="1400" dirty="0">
+                <a:highlight>
+                  <a:srgbClr val="FFFFFF"/>
+                </a:highlight>
+                <a:latin typeface="돋움체" panose="020B0609000101010101" pitchFamily="49" charset="-127"/>
+                <a:ea typeface="돋움체" panose="020B0609000101010101" pitchFamily="49" charset="-127"/>
+              </a:rPr>
+              <a:t>    float2 </a:t>
+            </a:r>
+            <a:r>
+              <a:rPr lang="en-US" altLang="ko-KR" sz="1400" dirty="0" err="1">
+                <a:highlight>
+                  <a:srgbClr val="FFFFFF"/>
+                </a:highlight>
+                <a:latin typeface="돋움체" panose="020B0609000101010101" pitchFamily="49" charset="-127"/>
+                <a:ea typeface="돋움체" panose="020B0609000101010101" pitchFamily="49" charset="-127"/>
+              </a:rPr>
+              <a:t>Tex</a:t>
+            </a:r>
+            <a:r>
+              <a:rPr lang="en-US" altLang="ko-KR" sz="1400" dirty="0">
+                <a:highlight>
+                  <a:srgbClr val="FFFFFF"/>
+                </a:highlight>
+                <a:latin typeface="돋움체" panose="020B0609000101010101" pitchFamily="49" charset="-127"/>
+                <a:ea typeface="돋움체" panose="020B0609000101010101" pitchFamily="49" charset="-127"/>
+              </a:rPr>
+              <a:t> : TEXCOORD0;</a:t>
+            </a:r>
+          </a:p>
+          <a:p>
+            <a:r>
+              <a:rPr lang="en-US" altLang="ko-KR" sz="1400" dirty="0">
+                <a:highlight>
+                  <a:srgbClr val="FFFFFF"/>
+                </a:highlight>
+                <a:latin typeface="돋움체" panose="020B0609000101010101" pitchFamily="49" charset="-127"/>
+                <a:ea typeface="돋움체" panose="020B0609000101010101" pitchFamily="49" charset="-127"/>
+              </a:rPr>
+              <a:t>};</a:t>
+            </a:r>
+            <a:endParaRPr lang="ko-KR" altLang="en-US" sz="1400" dirty="0">
+              <a:highlight>
+                <a:srgbClr val="FFFFFF"/>
+              </a:highlight>
+              <a:latin typeface="돋움체" panose="020B0609000101010101" pitchFamily="49" charset="-127"/>
+              <a:ea typeface="돋움체" panose="020B0609000101010101" pitchFamily="49" charset="-127"/>
+            </a:endParaRPr>
+          </a:p>
+        </p:txBody>
+      </p:sp>
+      <p:sp>
+        <p:nvSpPr>
+          <p:cNvPr id="4" name="직사각형 3">
+            <a:extLst>
+              <a:ext uri="{FF2B5EF4-FFF2-40B4-BE49-F238E27FC236}">
+                <a16:creationId xmlns:a16="http://schemas.microsoft.com/office/drawing/2014/main" id="{1C09AFF6-012A-4FDB-94F5-727C9CDA84AE}"/>
               </a:ext>
             </a:extLst>
           </p:cNvPr>
@@ -15368,71 +16680,514 @@
         </p:nvSpPr>
         <p:spPr>
           <a:xfrm>
-            <a:off x="662437" y="4754438"/>
-            <a:ext cx="1611339" cy="246221"/>
+            <a:off x="7886006" y="4030662"/>
+            <a:ext cx="4366952" cy="2677656"/>
           </a:xfrm>
           <a:prstGeom prst="rect">
             <a:avLst/>
           </a:prstGeom>
         </p:spPr>
         <p:txBody>
-          <a:bodyPr wrap="none">
+          <a:bodyPr wrap="square">
             <a:spAutoFit/>
           </a:bodyPr>
           <a:lstStyle/>
           <a:p>
             <a:r>
-              <a:rPr lang="en-US" altLang="ko-KR" sz="1000" dirty="0"/>
-              <a:t>( DX</a:t>
-            </a:r>
-            <a:r>
-              <a:rPr lang="ko-KR" altLang="en-US" sz="1000" dirty="0"/>
-              <a:t>는 </a:t>
-            </a:r>
-            <a:r>
-              <a:rPr lang="en-US" altLang="ko-KR" sz="1000" dirty="0"/>
-              <a:t>z</a:t>
-            </a:r>
-            <a:r>
-              <a:rPr lang="ko-KR" altLang="en-US" sz="1000" dirty="0"/>
-              <a:t>를 </a:t>
-            </a:r>
-            <a:r>
-              <a:rPr lang="en-US" altLang="ko-KR" sz="1000" dirty="0"/>
-              <a:t>0.0~1.0</a:t>
-            </a:r>
-            <a:r>
-              <a:rPr lang="ko-KR" altLang="en-US" sz="1000" dirty="0"/>
-              <a:t> 사용</a:t>
-            </a:r>
-            <a:r>
-              <a:rPr lang="en-US" altLang="ko-KR" sz="1000" dirty="0"/>
-              <a:t>)</a:t>
-            </a:r>
-          </a:p>
-        </p:txBody>
-      </p:sp>
-      <p:sp>
-        <p:nvSpPr>
-          <p:cNvPr id="24" name="TextBox 23">
-            <a:extLst>
-              <a:ext uri="{FF2B5EF4-FFF2-40B4-BE49-F238E27FC236}">
-                <a16:creationId xmlns:a16="http://schemas.microsoft.com/office/drawing/2014/main" id="{22361762-A372-5FF3-0C4F-21B636D738BB}"/>
-              </a:ext>
-            </a:extLst>
-          </p:cNvPr>
-          <p:cNvSpPr txBox="1"/>
+              <a:rPr lang="en-US" altLang="ko-KR" sz="1400" dirty="0">
+                <a:solidFill>
+                  <a:srgbClr val="000000"/>
+                </a:solidFill>
+                <a:highlight>
+                  <a:srgbClr val="FFFFFF"/>
+                </a:highlight>
+                <a:latin typeface="돋움체" panose="020B0609000101010101" pitchFamily="49" charset="-127"/>
+                <a:ea typeface="돋움체" panose="020B0609000101010101" pitchFamily="49" charset="-127"/>
+              </a:rPr>
+              <a:t>// </a:t>
+            </a:r>
+            <a:r>
+              <a:rPr lang="ko-KR" altLang="en-US" sz="1400" dirty="0" err="1">
+                <a:solidFill>
+                  <a:srgbClr val="000000"/>
+                </a:solidFill>
+                <a:highlight>
+                  <a:srgbClr val="FFFFFF"/>
+                </a:highlight>
+                <a:latin typeface="돋움체" panose="020B0609000101010101" pitchFamily="49" charset="-127"/>
+                <a:ea typeface="돋움체" panose="020B0609000101010101" pitchFamily="49" charset="-127"/>
+              </a:rPr>
+              <a:t>로컬좌표계</a:t>
+            </a:r>
+            <a:r>
+              <a:rPr lang="ko-KR" altLang="en-US" sz="1400" dirty="0">
+                <a:solidFill>
+                  <a:srgbClr val="000000"/>
+                </a:solidFill>
+                <a:highlight>
+                  <a:srgbClr val="FFFFFF"/>
+                </a:highlight>
+                <a:latin typeface="돋움체" panose="020B0609000101010101" pitchFamily="49" charset="-127"/>
+                <a:ea typeface="돋움체" panose="020B0609000101010101" pitchFamily="49" charset="-127"/>
+              </a:rPr>
+              <a:t> </a:t>
+            </a:r>
+            <a:r>
+              <a:rPr lang="en-US" altLang="ko-KR" sz="1400" dirty="0">
+                <a:solidFill>
+                  <a:srgbClr val="000000"/>
+                </a:solidFill>
+                <a:highlight>
+                  <a:srgbClr val="FFFFFF"/>
+                </a:highlight>
+                <a:latin typeface="돋움체" panose="020B0609000101010101" pitchFamily="49" charset="-127"/>
+                <a:ea typeface="돋움체" panose="020B0609000101010101" pitchFamily="49" charset="-127"/>
+              </a:rPr>
+              <a:t>Vertex</a:t>
+            </a:r>
+            <a:r>
+              <a:rPr lang="ko-KR" altLang="en-US" sz="1400" dirty="0">
+                <a:solidFill>
+                  <a:srgbClr val="000000"/>
+                </a:solidFill>
+                <a:highlight>
+                  <a:srgbClr val="FFFFFF"/>
+                </a:highlight>
+                <a:latin typeface="돋움체" panose="020B0609000101010101" pitchFamily="49" charset="-127"/>
+                <a:ea typeface="돋움체" panose="020B0609000101010101" pitchFamily="49" charset="-127"/>
+              </a:rPr>
+              <a:t>에 각 행렬을 적용하는</a:t>
+            </a:r>
+            <a:endParaRPr lang="en-US" altLang="ko-KR" sz="1400" dirty="0">
+              <a:solidFill>
+                <a:srgbClr val="000000"/>
+              </a:solidFill>
+              <a:highlight>
+                <a:srgbClr val="FFFFFF"/>
+              </a:highlight>
+              <a:latin typeface="돋움체" panose="020B0609000101010101" pitchFamily="49" charset="-127"/>
+              <a:ea typeface="돋움체" panose="020B0609000101010101" pitchFamily="49" charset="-127"/>
+            </a:endParaRPr>
+          </a:p>
+          <a:p>
+            <a:r>
+              <a:rPr lang="en-US" altLang="ko-KR" sz="1400" dirty="0">
+                <a:solidFill>
+                  <a:srgbClr val="000000"/>
+                </a:solidFill>
+                <a:highlight>
+                  <a:srgbClr val="FFFFFF"/>
+                </a:highlight>
+                <a:latin typeface="돋움체" panose="020B0609000101010101" pitchFamily="49" charset="-127"/>
+                <a:ea typeface="돋움체" panose="020B0609000101010101" pitchFamily="49" charset="-127"/>
+              </a:rPr>
+              <a:t>// </a:t>
+            </a:r>
+            <a:r>
+              <a:rPr lang="en-US" altLang="ko-KR" sz="1400" dirty="0" err="1">
+                <a:solidFill>
+                  <a:srgbClr val="000000"/>
+                </a:solidFill>
+                <a:highlight>
+                  <a:srgbClr val="FFFFFF"/>
+                </a:highlight>
+                <a:latin typeface="돋움체" panose="020B0609000101010101" pitchFamily="49" charset="-127"/>
+                <a:ea typeface="돋움체" panose="020B0609000101010101" pitchFamily="49" charset="-127"/>
+              </a:rPr>
+              <a:t>VertexShader</a:t>
+            </a:r>
+            <a:endParaRPr lang="en-US" altLang="ko-KR" sz="1400" dirty="0">
+              <a:solidFill>
+                <a:srgbClr val="000000"/>
+              </a:solidFill>
+              <a:highlight>
+                <a:srgbClr val="FFFFFF"/>
+              </a:highlight>
+              <a:latin typeface="돋움체" panose="020B0609000101010101" pitchFamily="49" charset="-127"/>
+              <a:ea typeface="돋움체" panose="020B0609000101010101" pitchFamily="49" charset="-127"/>
+            </a:endParaRPr>
+          </a:p>
+          <a:p>
+            <a:r>
+              <a:rPr lang="en-US" altLang="ko-KR" sz="1400" dirty="0">
+                <a:solidFill>
+                  <a:srgbClr val="000000"/>
+                </a:solidFill>
+                <a:highlight>
+                  <a:srgbClr val="FFFFFF"/>
+                </a:highlight>
+                <a:latin typeface="돋움체" panose="020B0609000101010101" pitchFamily="49" charset="-127"/>
+                <a:ea typeface="돋움체" panose="020B0609000101010101" pitchFamily="49" charset="-127"/>
+              </a:rPr>
+              <a:t>PS_INPUT main(VS_INPUT input)</a:t>
+            </a:r>
+          </a:p>
+          <a:p>
+            <a:r>
+              <a:rPr lang="en-US" altLang="ko-KR" sz="1400" dirty="0">
+                <a:solidFill>
+                  <a:srgbClr val="000000"/>
+                </a:solidFill>
+                <a:highlight>
+                  <a:srgbClr val="FFFFFF"/>
+                </a:highlight>
+                <a:latin typeface="돋움체" panose="020B0609000101010101" pitchFamily="49" charset="-127"/>
+                <a:ea typeface="돋움체" panose="020B0609000101010101" pitchFamily="49" charset="-127"/>
+              </a:rPr>
+              <a:t>{</a:t>
+            </a:r>
+          </a:p>
+          <a:p>
+            <a:r>
+              <a:rPr lang="en-US" altLang="ko-KR" sz="1400" dirty="0">
+                <a:solidFill>
+                  <a:srgbClr val="000000"/>
+                </a:solidFill>
+                <a:highlight>
+                  <a:srgbClr val="FFFFFF"/>
+                </a:highlight>
+                <a:latin typeface="돋움체" panose="020B0609000101010101" pitchFamily="49" charset="-127"/>
+                <a:ea typeface="돋움체" panose="020B0609000101010101" pitchFamily="49" charset="-127"/>
+              </a:rPr>
+              <a:t>    PS_INPUT output = (PS_INPUT) 0;</a:t>
+            </a:r>
+          </a:p>
+          <a:p>
+            <a:r>
+              <a:rPr lang="en-US" altLang="ko-KR" sz="1400" dirty="0">
+                <a:solidFill>
+                  <a:srgbClr val="000000"/>
+                </a:solidFill>
+                <a:highlight>
+                  <a:srgbClr val="FFFFFF"/>
+                </a:highlight>
+                <a:latin typeface="돋움체" panose="020B0609000101010101" pitchFamily="49" charset="-127"/>
+                <a:ea typeface="돋움체" panose="020B0609000101010101" pitchFamily="49" charset="-127"/>
+              </a:rPr>
+              <a:t>    </a:t>
+            </a:r>
+            <a:r>
+              <a:rPr lang="en-US" altLang="ko-KR" sz="1400" dirty="0" err="1">
+                <a:solidFill>
+                  <a:srgbClr val="000000"/>
+                </a:solidFill>
+                <a:highlight>
+                  <a:srgbClr val="FFFFFF"/>
+                </a:highlight>
+                <a:latin typeface="돋움체" panose="020B0609000101010101" pitchFamily="49" charset="-127"/>
+                <a:ea typeface="돋움체" panose="020B0609000101010101" pitchFamily="49" charset="-127"/>
+              </a:rPr>
+              <a:t>output.Pos</a:t>
+            </a:r>
+            <a:r>
+              <a:rPr lang="en-US" altLang="ko-KR" sz="1400" dirty="0">
+                <a:solidFill>
+                  <a:srgbClr val="000000"/>
+                </a:solidFill>
+                <a:highlight>
+                  <a:srgbClr val="FFFFFF"/>
+                </a:highlight>
+                <a:latin typeface="돋움체" panose="020B0609000101010101" pitchFamily="49" charset="-127"/>
+                <a:ea typeface="돋움체" panose="020B0609000101010101" pitchFamily="49" charset="-127"/>
+              </a:rPr>
+              <a:t> = </a:t>
+            </a:r>
+            <a:r>
+              <a:rPr lang="en-US" altLang="ko-KR" sz="1400" dirty="0" err="1">
+                <a:solidFill>
+                  <a:srgbClr val="000000"/>
+                </a:solidFill>
+                <a:highlight>
+                  <a:srgbClr val="FFFFFF"/>
+                </a:highlight>
+                <a:latin typeface="돋움체" panose="020B0609000101010101" pitchFamily="49" charset="-127"/>
+                <a:ea typeface="돋움체" panose="020B0609000101010101" pitchFamily="49" charset="-127"/>
+              </a:rPr>
+              <a:t>mul</a:t>
+            </a:r>
+            <a:r>
+              <a:rPr lang="en-US" altLang="ko-KR" sz="1400" dirty="0">
+                <a:solidFill>
+                  <a:srgbClr val="000000"/>
+                </a:solidFill>
+                <a:highlight>
+                  <a:srgbClr val="FFFFFF"/>
+                </a:highlight>
+                <a:latin typeface="돋움체" panose="020B0609000101010101" pitchFamily="49" charset="-127"/>
+                <a:ea typeface="돋움체" panose="020B0609000101010101" pitchFamily="49" charset="-127"/>
+              </a:rPr>
+              <a:t>(</a:t>
+            </a:r>
+            <a:r>
+              <a:rPr lang="en-US" altLang="ko-KR" sz="1400" dirty="0" err="1">
+                <a:solidFill>
+                  <a:srgbClr val="000000"/>
+                </a:solidFill>
+                <a:highlight>
+                  <a:srgbClr val="FFFFFF"/>
+                </a:highlight>
+                <a:latin typeface="돋움체" panose="020B0609000101010101" pitchFamily="49" charset="-127"/>
+                <a:ea typeface="돋움체" panose="020B0609000101010101" pitchFamily="49" charset="-127"/>
+              </a:rPr>
+              <a:t>input.Pos</a:t>
+            </a:r>
+            <a:r>
+              <a:rPr lang="en-US" altLang="ko-KR" sz="1400" dirty="0">
+                <a:solidFill>
+                  <a:srgbClr val="000000"/>
+                </a:solidFill>
+                <a:highlight>
+                  <a:srgbClr val="FFFFFF"/>
+                </a:highlight>
+                <a:latin typeface="돋움체" panose="020B0609000101010101" pitchFamily="49" charset="-127"/>
+                <a:ea typeface="돋움체" panose="020B0609000101010101" pitchFamily="49" charset="-127"/>
+              </a:rPr>
+              <a:t>, World);</a:t>
+            </a:r>
+          </a:p>
+          <a:p>
+            <a:r>
+              <a:rPr lang="en-US" altLang="ko-KR" sz="1400" dirty="0">
+                <a:solidFill>
+                  <a:srgbClr val="000000"/>
+                </a:solidFill>
+                <a:highlight>
+                  <a:srgbClr val="FFFFFF"/>
+                </a:highlight>
+                <a:latin typeface="돋움체" panose="020B0609000101010101" pitchFamily="49" charset="-127"/>
+                <a:ea typeface="돋움체" panose="020B0609000101010101" pitchFamily="49" charset="-127"/>
+              </a:rPr>
+              <a:t>    </a:t>
+            </a:r>
+            <a:r>
+              <a:rPr lang="en-US" altLang="ko-KR" sz="1400" dirty="0" err="1">
+                <a:solidFill>
+                  <a:srgbClr val="000000"/>
+                </a:solidFill>
+                <a:highlight>
+                  <a:srgbClr val="FFFFFF"/>
+                </a:highlight>
+                <a:latin typeface="돋움체" panose="020B0609000101010101" pitchFamily="49" charset="-127"/>
+                <a:ea typeface="돋움체" panose="020B0609000101010101" pitchFamily="49" charset="-127"/>
+              </a:rPr>
+              <a:t>output.Pos</a:t>
+            </a:r>
+            <a:r>
+              <a:rPr lang="en-US" altLang="ko-KR" sz="1400" dirty="0">
+                <a:solidFill>
+                  <a:srgbClr val="000000"/>
+                </a:solidFill>
+                <a:highlight>
+                  <a:srgbClr val="FFFFFF"/>
+                </a:highlight>
+                <a:latin typeface="돋움체" panose="020B0609000101010101" pitchFamily="49" charset="-127"/>
+                <a:ea typeface="돋움체" panose="020B0609000101010101" pitchFamily="49" charset="-127"/>
+              </a:rPr>
+              <a:t> = </a:t>
+            </a:r>
+            <a:r>
+              <a:rPr lang="en-US" altLang="ko-KR" sz="1400" dirty="0" err="1">
+                <a:solidFill>
+                  <a:srgbClr val="000000"/>
+                </a:solidFill>
+                <a:highlight>
+                  <a:srgbClr val="FFFFFF"/>
+                </a:highlight>
+                <a:latin typeface="돋움체" panose="020B0609000101010101" pitchFamily="49" charset="-127"/>
+                <a:ea typeface="돋움체" panose="020B0609000101010101" pitchFamily="49" charset="-127"/>
+              </a:rPr>
+              <a:t>mul</a:t>
+            </a:r>
+            <a:r>
+              <a:rPr lang="en-US" altLang="ko-KR" sz="1400" dirty="0">
+                <a:solidFill>
+                  <a:srgbClr val="000000"/>
+                </a:solidFill>
+                <a:highlight>
+                  <a:srgbClr val="FFFFFF"/>
+                </a:highlight>
+                <a:latin typeface="돋움체" panose="020B0609000101010101" pitchFamily="49" charset="-127"/>
+                <a:ea typeface="돋움체" panose="020B0609000101010101" pitchFamily="49" charset="-127"/>
+              </a:rPr>
+              <a:t>(</a:t>
+            </a:r>
+            <a:r>
+              <a:rPr lang="en-US" altLang="ko-KR" sz="1400" dirty="0" err="1">
+                <a:solidFill>
+                  <a:srgbClr val="000000"/>
+                </a:solidFill>
+                <a:highlight>
+                  <a:srgbClr val="FFFFFF"/>
+                </a:highlight>
+                <a:latin typeface="돋움체" panose="020B0609000101010101" pitchFamily="49" charset="-127"/>
+                <a:ea typeface="돋움체" panose="020B0609000101010101" pitchFamily="49" charset="-127"/>
+              </a:rPr>
+              <a:t>output.Pos</a:t>
+            </a:r>
+            <a:r>
+              <a:rPr lang="en-US" altLang="ko-KR" sz="1400" dirty="0">
+                <a:solidFill>
+                  <a:srgbClr val="000000"/>
+                </a:solidFill>
+                <a:highlight>
+                  <a:srgbClr val="FFFFFF"/>
+                </a:highlight>
+                <a:latin typeface="돋움체" panose="020B0609000101010101" pitchFamily="49" charset="-127"/>
+                <a:ea typeface="돋움체" panose="020B0609000101010101" pitchFamily="49" charset="-127"/>
+              </a:rPr>
+              <a:t>, View);</a:t>
+            </a:r>
+          </a:p>
+          <a:p>
+            <a:r>
+              <a:rPr lang="pt-BR" altLang="ko-KR" sz="1400" dirty="0">
+                <a:solidFill>
+                  <a:srgbClr val="000000"/>
+                </a:solidFill>
+                <a:highlight>
+                  <a:srgbClr val="FFFFFF"/>
+                </a:highlight>
+                <a:latin typeface="돋움체" panose="020B0609000101010101" pitchFamily="49" charset="-127"/>
+                <a:ea typeface="돋움체" panose="020B0609000101010101" pitchFamily="49" charset="-127"/>
+              </a:rPr>
+              <a:t>    output.Pos = mul(output.Pos, Projection);</a:t>
+            </a:r>
+          </a:p>
+          <a:p>
+            <a:r>
+              <a:rPr lang="en-US" altLang="ko-KR" sz="1400" dirty="0">
+                <a:solidFill>
+                  <a:srgbClr val="000000"/>
+                </a:solidFill>
+                <a:highlight>
+                  <a:srgbClr val="FFFFFF"/>
+                </a:highlight>
+                <a:latin typeface="돋움체" panose="020B0609000101010101" pitchFamily="49" charset="-127"/>
+                <a:ea typeface="돋움체" panose="020B0609000101010101" pitchFamily="49" charset="-127"/>
+              </a:rPr>
+              <a:t>    </a:t>
+            </a:r>
+            <a:r>
+              <a:rPr lang="en-US" altLang="ko-KR" sz="1400" dirty="0" err="1">
+                <a:solidFill>
+                  <a:srgbClr val="000000"/>
+                </a:solidFill>
+                <a:highlight>
+                  <a:srgbClr val="FFFFFF"/>
+                </a:highlight>
+                <a:latin typeface="돋움체" panose="020B0609000101010101" pitchFamily="49" charset="-127"/>
+                <a:ea typeface="돋움체" panose="020B0609000101010101" pitchFamily="49" charset="-127"/>
+              </a:rPr>
+              <a:t>output.Tex</a:t>
+            </a:r>
+            <a:r>
+              <a:rPr lang="en-US" altLang="ko-KR" sz="1400" dirty="0">
+                <a:solidFill>
+                  <a:srgbClr val="000000"/>
+                </a:solidFill>
+                <a:highlight>
+                  <a:srgbClr val="FFFFFF"/>
+                </a:highlight>
+                <a:latin typeface="돋움체" panose="020B0609000101010101" pitchFamily="49" charset="-127"/>
+                <a:ea typeface="돋움체" panose="020B0609000101010101" pitchFamily="49" charset="-127"/>
+              </a:rPr>
+              <a:t> = </a:t>
+            </a:r>
+            <a:r>
+              <a:rPr lang="en-US" altLang="ko-KR" sz="1400" dirty="0" err="1">
+                <a:solidFill>
+                  <a:srgbClr val="000000"/>
+                </a:solidFill>
+                <a:highlight>
+                  <a:srgbClr val="FFFFFF"/>
+                </a:highlight>
+                <a:latin typeface="돋움체" panose="020B0609000101010101" pitchFamily="49" charset="-127"/>
+                <a:ea typeface="돋움체" panose="020B0609000101010101" pitchFamily="49" charset="-127"/>
+              </a:rPr>
+              <a:t>input.Tex</a:t>
+            </a:r>
+            <a:r>
+              <a:rPr lang="en-US" altLang="ko-KR" sz="1400" dirty="0">
+                <a:solidFill>
+                  <a:srgbClr val="000000"/>
+                </a:solidFill>
+                <a:highlight>
+                  <a:srgbClr val="FFFFFF"/>
+                </a:highlight>
+                <a:latin typeface="돋움체" panose="020B0609000101010101" pitchFamily="49" charset="-127"/>
+                <a:ea typeface="돋움체" panose="020B0609000101010101" pitchFamily="49" charset="-127"/>
+              </a:rPr>
+              <a:t>;</a:t>
+            </a:r>
+          </a:p>
+          <a:p>
+            <a:r>
+              <a:rPr lang="ko-KR" altLang="en-US" sz="1400" dirty="0">
+                <a:solidFill>
+                  <a:srgbClr val="000000"/>
+                </a:solidFill>
+                <a:highlight>
+                  <a:srgbClr val="FFFFFF"/>
+                </a:highlight>
+                <a:latin typeface="돋움체" panose="020B0609000101010101" pitchFamily="49" charset="-127"/>
+                <a:ea typeface="돋움체" panose="020B0609000101010101" pitchFamily="49" charset="-127"/>
+              </a:rPr>
+              <a:t>    </a:t>
+            </a:r>
+          </a:p>
+          <a:p>
+            <a:r>
+              <a:rPr lang="en-US" altLang="ko-KR" sz="1400" dirty="0">
+                <a:solidFill>
+                  <a:srgbClr val="000000"/>
+                </a:solidFill>
+                <a:highlight>
+                  <a:srgbClr val="FFFFFF"/>
+                </a:highlight>
+                <a:latin typeface="돋움체" panose="020B0609000101010101" pitchFamily="49" charset="-127"/>
+                <a:ea typeface="돋움체" panose="020B0609000101010101" pitchFamily="49" charset="-127"/>
+              </a:rPr>
+              <a:t>    return output;</a:t>
+            </a:r>
+          </a:p>
+          <a:p>
+            <a:r>
+              <a:rPr lang="en-US" altLang="ko-KR" sz="1400" dirty="0">
+                <a:solidFill>
+                  <a:srgbClr val="000000"/>
+                </a:solidFill>
+                <a:highlight>
+                  <a:srgbClr val="FFFFFF"/>
+                </a:highlight>
+                <a:latin typeface="돋움체" panose="020B0609000101010101" pitchFamily="49" charset="-127"/>
+                <a:ea typeface="돋움체" panose="020B0609000101010101" pitchFamily="49" charset="-127"/>
+              </a:rPr>
+              <a:t>}</a:t>
+            </a:r>
+            <a:endParaRPr lang="ko-KR" altLang="en-US" sz="1400" dirty="0"/>
+          </a:p>
+        </p:txBody>
+      </p:sp>
+      <p:sp>
+        <p:nvSpPr>
+          <p:cNvPr id="5" name="직사각형 4">
+            <a:extLst>
+              <a:ext uri="{FF2B5EF4-FFF2-40B4-BE49-F238E27FC236}">
+                <a16:creationId xmlns:a16="http://schemas.microsoft.com/office/drawing/2014/main" id="{251A851C-B89D-44DA-8D51-5220952C6891}"/>
+              </a:ext>
+            </a:extLst>
+          </p:cNvPr>
+          <p:cNvSpPr/>
           <p:nvPr/>
         </p:nvSpPr>
         <p:spPr>
           <a:xfrm>
-            <a:off x="6331180" y="5225435"/>
-            <a:ext cx="4834713" cy="1015663"/>
+            <a:off x="23553" y="2169641"/>
+            <a:ext cx="4590011" cy="2246769"/>
           </a:xfrm>
           <a:prstGeom prst="rect">
             <a:avLst/>
           </a:prstGeom>
-          <a:noFill/>
         </p:spPr>
         <p:txBody>
           <a:bodyPr wrap="square">
@@ -15441,112 +17196,483 @@
           <a:lstStyle/>
           <a:p>
             <a:r>
-              <a:rPr lang="ko-KR" altLang="en-US" sz="1200" dirty="0" err="1"/>
-              <a:t>Projection</a:t>
-            </a:r>
-            <a:r>
-              <a:rPr lang="ko-KR" altLang="en-US" sz="1200" dirty="0"/>
-              <a:t>(</a:t>
-            </a:r>
-            <a:r>
-              <a:rPr lang="ko-KR" altLang="en-US" sz="1200" dirty="0" err="1"/>
-              <a:t>clip</a:t>
-            </a:r>
-            <a:r>
-              <a:rPr lang="ko-KR" altLang="en-US" sz="1200" dirty="0"/>
-              <a:t>) </a:t>
-            </a:r>
-            <a:r>
-              <a:rPr lang="ko-KR" altLang="en-US" sz="1200" dirty="0" err="1"/>
-              <a:t>Space</a:t>
-            </a:r>
-            <a:r>
-              <a:rPr lang="ko-KR" altLang="en-US" sz="1200" dirty="0"/>
-              <a:t> 4D(</a:t>
-            </a:r>
-            <a:r>
-              <a:rPr lang="ko-KR" altLang="en-US" sz="1200" dirty="0" err="1"/>
-              <a:t>x</a:t>
-            </a:r>
-            <a:r>
-              <a:rPr lang="ko-KR" altLang="en-US" sz="1200" dirty="0"/>
-              <a:t>’,</a:t>
-            </a:r>
-            <a:r>
-              <a:rPr lang="ko-KR" altLang="en-US" sz="1200" dirty="0" err="1"/>
-              <a:t>y</a:t>
-            </a:r>
-            <a:r>
-              <a:rPr lang="ko-KR" altLang="en-US" sz="1200" dirty="0"/>
-              <a:t>’,</a:t>
-            </a:r>
-            <a:r>
-              <a:rPr lang="ko-KR" altLang="en-US" sz="1200" dirty="0" err="1"/>
-              <a:t>z</a:t>
-            </a:r>
-            <a:r>
-              <a:rPr lang="ko-KR" altLang="en-US" sz="1200" dirty="0"/>
-              <a:t>’,</a:t>
-            </a:r>
-            <a:r>
-              <a:rPr lang="ko-KR" altLang="en-US" sz="1200" dirty="0" err="1"/>
+              <a:rPr lang="en-US" altLang="ko-KR" sz="1400" dirty="0">
+                <a:solidFill>
+                  <a:srgbClr val="000000"/>
+                </a:solidFill>
+                <a:highlight>
+                  <a:srgbClr val="FFFFFF"/>
+                </a:highlight>
+                <a:latin typeface="돋움체" panose="020B0609000101010101" pitchFamily="49" charset="-127"/>
+                <a:ea typeface="돋움체" panose="020B0609000101010101" pitchFamily="49" charset="-127"/>
+              </a:rPr>
+              <a:t>// </a:t>
+            </a:r>
+            <a:r>
+              <a:rPr lang="ko-KR" altLang="en-US" sz="1400" dirty="0">
+                <a:solidFill>
+                  <a:srgbClr val="000000"/>
+                </a:solidFill>
+                <a:highlight>
+                  <a:srgbClr val="FFFFFF"/>
+                </a:highlight>
+                <a:latin typeface="돋움체" panose="020B0609000101010101" pitchFamily="49" charset="-127"/>
+                <a:ea typeface="돋움체" panose="020B0609000101010101" pitchFamily="49" charset="-127"/>
+              </a:rPr>
+              <a:t>정점 데이터가 함수의 </a:t>
+            </a:r>
+            <a:r>
+              <a:rPr lang="ko-KR" altLang="en-US" sz="1400" dirty="0" err="1">
+                <a:solidFill>
+                  <a:srgbClr val="000000"/>
+                </a:solidFill>
+                <a:highlight>
+                  <a:srgbClr val="FFFFFF"/>
+                </a:highlight>
+                <a:latin typeface="돋움체" panose="020B0609000101010101" pitchFamily="49" charset="-127"/>
+                <a:ea typeface="돋움체" panose="020B0609000101010101" pitchFamily="49" charset="-127"/>
+              </a:rPr>
+              <a:t>입력값으로</a:t>
+            </a:r>
+            <a:r>
+              <a:rPr lang="ko-KR" altLang="en-US" sz="1400" dirty="0">
+                <a:solidFill>
+                  <a:srgbClr val="000000"/>
+                </a:solidFill>
+                <a:highlight>
+                  <a:srgbClr val="FFFFFF"/>
+                </a:highlight>
+                <a:latin typeface="돋움체" panose="020B0609000101010101" pitchFamily="49" charset="-127"/>
+                <a:ea typeface="돋움체" panose="020B0609000101010101" pitchFamily="49" charset="-127"/>
+              </a:rPr>
+              <a:t> </a:t>
+            </a:r>
+            <a:r>
+              <a:rPr lang="ko-KR" altLang="en-US" sz="1400" dirty="0" err="1">
+                <a:solidFill>
+                  <a:srgbClr val="000000"/>
+                </a:solidFill>
+                <a:highlight>
+                  <a:srgbClr val="FFFFFF"/>
+                </a:highlight>
+                <a:latin typeface="돋움체" panose="020B0609000101010101" pitchFamily="49" charset="-127"/>
+                <a:ea typeface="돋움체" panose="020B0609000101010101" pitchFamily="49" charset="-127"/>
+              </a:rPr>
+              <a:t>채워짐</a:t>
+            </a:r>
+            <a:endParaRPr lang="en-US" altLang="ko-KR" sz="1400" dirty="0">
+              <a:solidFill>
+                <a:srgbClr val="000000"/>
+              </a:solidFill>
+              <a:highlight>
+                <a:srgbClr val="FFFFFF"/>
+              </a:highlight>
+              <a:latin typeface="돋움체" panose="020B0609000101010101" pitchFamily="49" charset="-127"/>
+              <a:ea typeface="돋움체" panose="020B0609000101010101" pitchFamily="49" charset="-127"/>
+            </a:endParaRPr>
+          </a:p>
+          <a:p>
+            <a:r>
+              <a:rPr lang="en-US" altLang="ko-KR" sz="1400" dirty="0">
+                <a:solidFill>
+                  <a:srgbClr val="000000"/>
+                </a:solidFill>
+                <a:highlight>
+                  <a:srgbClr val="FFFFFF"/>
+                </a:highlight>
+                <a:latin typeface="돋움체" panose="020B0609000101010101" pitchFamily="49" charset="-127"/>
+                <a:ea typeface="돋움체" panose="020B0609000101010101" pitchFamily="49" charset="-127"/>
+              </a:rPr>
+              <a:t>// </a:t>
+            </a:r>
+            <a:r>
+              <a:rPr lang="en-US" altLang="ko-KR" sz="1400" dirty="0" err="1">
+                <a:solidFill>
+                  <a:srgbClr val="000000"/>
+                </a:solidFill>
+                <a:highlight>
+                  <a:srgbClr val="FFFFFF"/>
+                </a:highlight>
+                <a:latin typeface="돋움체" panose="020B0609000101010101" pitchFamily="49" charset="-127"/>
+                <a:ea typeface="돋움체" panose="020B0609000101010101" pitchFamily="49" charset="-127"/>
+              </a:rPr>
+              <a:t>x,y,z</a:t>
+            </a:r>
+            <a:r>
+              <a:rPr lang="ko-KR" altLang="en-US" sz="1400" dirty="0">
+                <a:solidFill>
+                  <a:srgbClr val="000000"/>
+                </a:solidFill>
+                <a:highlight>
+                  <a:srgbClr val="FFFFFF"/>
+                </a:highlight>
+                <a:latin typeface="돋움체" panose="020B0609000101010101" pitchFamily="49" charset="-127"/>
+                <a:ea typeface="돋움체" panose="020B0609000101010101" pitchFamily="49" charset="-127"/>
+              </a:rPr>
+              <a:t>값만 주어지면</a:t>
+            </a:r>
+            <a:r>
+              <a:rPr lang="en-US" altLang="ko-KR" sz="1400" dirty="0">
+                <a:solidFill>
+                  <a:srgbClr val="000000"/>
+                </a:solidFill>
+                <a:highlight>
+                  <a:srgbClr val="FFFFFF"/>
+                </a:highlight>
+                <a:latin typeface="돋움체" panose="020B0609000101010101" pitchFamily="49" charset="-127"/>
+                <a:ea typeface="돋움체" panose="020B0609000101010101" pitchFamily="49" charset="-127"/>
+              </a:rPr>
+              <a:t> </a:t>
+            </a:r>
+            <a:r>
+              <a:rPr lang="ko-KR" altLang="en-US" sz="1400" dirty="0" err="1">
+                <a:solidFill>
+                  <a:srgbClr val="000000"/>
+                </a:solidFill>
+                <a:highlight>
+                  <a:srgbClr val="FFFFFF"/>
+                </a:highlight>
+                <a:latin typeface="돋움체" panose="020B0609000101010101" pitchFamily="49" charset="-127"/>
+                <a:ea typeface="돋움체" panose="020B0609000101010101" pitchFamily="49" charset="-127"/>
+              </a:rPr>
+              <a:t>동차좌표계의</a:t>
+            </a:r>
+            <a:r>
+              <a:rPr lang="ko-KR" altLang="en-US" sz="1400" dirty="0">
+                <a:solidFill>
+                  <a:srgbClr val="000000"/>
+                </a:solidFill>
+                <a:highlight>
+                  <a:srgbClr val="FFFFFF"/>
+                </a:highlight>
+                <a:latin typeface="돋움체" panose="020B0609000101010101" pitchFamily="49" charset="-127"/>
+                <a:ea typeface="돋움체" panose="020B0609000101010101" pitchFamily="49" charset="-127"/>
+              </a:rPr>
+              <a:t> </a:t>
+            </a:r>
+            <a:r>
+              <a:rPr lang="ko-KR" altLang="en-US" sz="1400" dirty="0" err="1">
+                <a:solidFill>
+                  <a:srgbClr val="000000"/>
+                </a:solidFill>
+                <a:highlight>
+                  <a:srgbClr val="FFFFFF"/>
+                </a:highlight>
+                <a:latin typeface="돋움체" panose="020B0609000101010101" pitchFamily="49" charset="-127"/>
+                <a:ea typeface="돋움체" panose="020B0609000101010101" pitchFamily="49" charset="-127"/>
+              </a:rPr>
+              <a:t>위치값</a:t>
+            </a:r>
+            <a:r>
+              <a:rPr lang="en-US" altLang="ko-KR" sz="1400" dirty="0">
+                <a:solidFill>
+                  <a:srgbClr val="000000"/>
+                </a:solidFill>
+                <a:highlight>
+                  <a:srgbClr val="FFFFFF"/>
+                </a:highlight>
+                <a:latin typeface="돋움체" panose="020B0609000101010101" pitchFamily="49" charset="-127"/>
+                <a:ea typeface="돋움체" panose="020B0609000101010101" pitchFamily="49" charset="-127"/>
+              </a:rPr>
+              <a:t>.</a:t>
+            </a:r>
+            <a:r>
+              <a:rPr lang="ko-KR" altLang="en-US" sz="1400" dirty="0">
+                <a:solidFill>
+                  <a:srgbClr val="000000"/>
+                </a:solidFill>
+                <a:highlight>
+                  <a:srgbClr val="FFFFFF"/>
+                </a:highlight>
+                <a:latin typeface="돋움체" panose="020B0609000101010101" pitchFamily="49" charset="-127"/>
+                <a:ea typeface="돋움체" panose="020B0609000101010101" pitchFamily="49" charset="-127"/>
+              </a:rPr>
+              <a:t> </a:t>
+            </a:r>
+            <a:endParaRPr lang="en-US" altLang="ko-KR" sz="1400" dirty="0">
+              <a:solidFill>
+                <a:srgbClr val="000000"/>
+              </a:solidFill>
+              <a:highlight>
+                <a:srgbClr val="FFFFFF"/>
+              </a:highlight>
+              <a:latin typeface="돋움체" panose="020B0609000101010101" pitchFamily="49" charset="-127"/>
+              <a:ea typeface="돋움체" panose="020B0609000101010101" pitchFamily="49" charset="-127"/>
+            </a:endParaRPr>
+          </a:p>
+          <a:p>
+            <a:r>
+              <a:rPr lang="en-US" altLang="ko-KR" sz="1400" dirty="0">
+                <a:solidFill>
+                  <a:srgbClr val="000000"/>
+                </a:solidFill>
+                <a:highlight>
+                  <a:srgbClr val="FFFFFF"/>
+                </a:highlight>
+                <a:latin typeface="돋움체" panose="020B0609000101010101" pitchFamily="49" charset="-127"/>
+                <a:ea typeface="돋움체" panose="020B0609000101010101" pitchFamily="49" charset="-127"/>
+              </a:rPr>
+              <a:t>//</a:t>
+            </a:r>
+            <a:r>
+              <a:rPr lang="ko-KR" altLang="en-US" sz="1400" dirty="0">
+                <a:solidFill>
+                  <a:srgbClr val="000000"/>
+                </a:solidFill>
+                <a:highlight>
+                  <a:srgbClr val="FFFFFF"/>
+                </a:highlight>
+                <a:latin typeface="돋움체" panose="020B0609000101010101" pitchFamily="49" charset="-127"/>
+                <a:ea typeface="돋움체" panose="020B0609000101010101" pitchFamily="49" charset="-127"/>
+              </a:rPr>
+              <a:t>즉 </a:t>
+            </a:r>
+            <a:r>
+              <a:rPr lang="en-US" altLang="ko-KR" sz="1400" dirty="0">
+                <a:solidFill>
+                  <a:srgbClr val="000000"/>
+                </a:solidFill>
+                <a:highlight>
+                  <a:srgbClr val="FFFFFF"/>
+                </a:highlight>
+                <a:latin typeface="돋움체" panose="020B0609000101010101" pitchFamily="49" charset="-127"/>
+                <a:ea typeface="돋움체" panose="020B0609000101010101" pitchFamily="49" charset="-127"/>
+              </a:rPr>
               <a:t>w</a:t>
             </a:r>
             <a:r>
-              <a:rPr lang="ko-KR" altLang="en-US" sz="1200" dirty="0"/>
-              <a:t>’)  </a:t>
-            </a:r>
-            <a:endParaRPr lang="en-US" altLang="ko-KR" sz="1200" dirty="0"/>
-          </a:p>
-          <a:p>
-            <a:endParaRPr lang="en-US" altLang="ko-KR" sz="1200" dirty="0"/>
-          </a:p>
-          <a:p>
-            <a:r>
-              <a:rPr lang="en-US" altLang="ko-KR" sz="1200" dirty="0"/>
-              <a:t>-&gt; </a:t>
-            </a:r>
-            <a:r>
-              <a:rPr lang="ko-KR" altLang="en-US" sz="1200" dirty="0"/>
-              <a:t>NDC 좌표계로 변환(각 성분을 </a:t>
-            </a:r>
-            <a:r>
-              <a:rPr lang="ko-KR" altLang="en-US" sz="1200" dirty="0" err="1"/>
-              <a:t>w로나눔</a:t>
-            </a:r>
-            <a:r>
-              <a:rPr lang="ko-KR" altLang="en-US" sz="1200" dirty="0"/>
-              <a:t>)하여  x,y,z,1 로 변환 </a:t>
-            </a:r>
-            <a:endParaRPr lang="en-US" altLang="ko-KR" sz="1200" dirty="0"/>
-          </a:p>
-          <a:p>
-            <a:endParaRPr lang="en-US" altLang="ko-KR" sz="1200" dirty="0"/>
-          </a:p>
-          <a:p>
-            <a:r>
-              <a:rPr lang="en-US" altLang="ko-KR" sz="1200" dirty="0"/>
-              <a:t>-&gt; </a:t>
-            </a:r>
-            <a:r>
-              <a:rPr lang="ko-KR" altLang="en-US" sz="1200" dirty="0"/>
-              <a:t>다시 </a:t>
-            </a:r>
-            <a:r>
-              <a:rPr lang="ko-KR" altLang="en-US" sz="1200" dirty="0" err="1"/>
-              <a:t>뷰포트</a:t>
-            </a:r>
-            <a:r>
-              <a:rPr lang="ko-KR" altLang="en-US" sz="1200" dirty="0"/>
-              <a:t> 영역에 맞는 화면 픽셀 좌표로 변환</a:t>
-            </a:r>
-          </a:p>
-        </p:txBody>
-      </p:sp>
+              <a:rPr lang="ko-KR" altLang="en-US" sz="1400" dirty="0">
+                <a:solidFill>
+                  <a:srgbClr val="000000"/>
+                </a:solidFill>
+                <a:highlight>
+                  <a:srgbClr val="FFFFFF"/>
+                </a:highlight>
+                <a:latin typeface="돋움체" panose="020B0609000101010101" pitchFamily="49" charset="-127"/>
+                <a:ea typeface="돋움체" panose="020B0609000101010101" pitchFamily="49" charset="-127"/>
+              </a:rPr>
+              <a:t>는 </a:t>
+            </a:r>
+            <a:r>
+              <a:rPr lang="en-US" altLang="ko-KR" sz="1400" dirty="0">
+                <a:solidFill>
+                  <a:srgbClr val="000000"/>
+                </a:solidFill>
+                <a:highlight>
+                  <a:srgbClr val="FFFFFF"/>
+                </a:highlight>
+                <a:latin typeface="돋움체" panose="020B0609000101010101" pitchFamily="49" charset="-127"/>
+                <a:ea typeface="돋움체" panose="020B0609000101010101" pitchFamily="49" charset="-127"/>
+              </a:rPr>
+              <a:t>1</a:t>
+            </a:r>
+            <a:r>
+              <a:rPr lang="ko-KR" altLang="en-US" sz="1400" dirty="0">
+                <a:solidFill>
+                  <a:srgbClr val="000000"/>
+                </a:solidFill>
+                <a:highlight>
+                  <a:srgbClr val="FFFFFF"/>
+                </a:highlight>
+                <a:latin typeface="돋움체" panose="020B0609000101010101" pitchFamily="49" charset="-127"/>
+                <a:ea typeface="돋움체" panose="020B0609000101010101" pitchFamily="49" charset="-127"/>
+              </a:rPr>
+              <a:t>로 채움</a:t>
+            </a:r>
+            <a:endParaRPr lang="en-US" altLang="ko-KR" sz="1400" dirty="0">
+              <a:solidFill>
+                <a:srgbClr val="000000"/>
+              </a:solidFill>
+              <a:highlight>
+                <a:srgbClr val="FFFFFF"/>
+              </a:highlight>
+              <a:latin typeface="돋움체" panose="020B0609000101010101" pitchFamily="49" charset="-127"/>
+              <a:ea typeface="돋움체" panose="020B0609000101010101" pitchFamily="49" charset="-127"/>
+            </a:endParaRPr>
+          </a:p>
+          <a:p>
+            <a:endParaRPr lang="en-US" altLang="ko-KR" sz="1400" dirty="0">
+              <a:solidFill>
+                <a:srgbClr val="000000"/>
+              </a:solidFill>
+              <a:highlight>
+                <a:srgbClr val="FFFFFF"/>
+              </a:highlight>
+              <a:latin typeface="돋움체" panose="020B0609000101010101" pitchFamily="49" charset="-127"/>
+              <a:ea typeface="돋움체" panose="020B0609000101010101" pitchFamily="49" charset="-127"/>
+            </a:endParaRPr>
+          </a:p>
+          <a:p>
+            <a:endParaRPr lang="en-US" altLang="ko-KR" sz="1400" dirty="0">
+              <a:solidFill>
+                <a:srgbClr val="000000"/>
+              </a:solidFill>
+              <a:highlight>
+                <a:srgbClr val="FFFFFF"/>
+              </a:highlight>
+              <a:latin typeface="돋움체" panose="020B0609000101010101" pitchFamily="49" charset="-127"/>
+              <a:ea typeface="돋움체" panose="020B0609000101010101" pitchFamily="49" charset="-127"/>
+            </a:endParaRPr>
+          </a:p>
+          <a:p>
+            <a:r>
+              <a:rPr lang="en-US" altLang="ko-KR" sz="1400" dirty="0">
+                <a:solidFill>
+                  <a:srgbClr val="000000"/>
+                </a:solidFill>
+                <a:highlight>
+                  <a:srgbClr val="FFFFFF"/>
+                </a:highlight>
+                <a:latin typeface="돋움체" panose="020B0609000101010101" pitchFamily="49" charset="-127"/>
+                <a:ea typeface="돋움체" panose="020B0609000101010101" pitchFamily="49" charset="-127"/>
+              </a:rPr>
+              <a:t>// NDC</a:t>
+            </a:r>
+            <a:r>
+              <a:rPr lang="ko-KR" altLang="en-US" sz="1400" dirty="0">
+                <a:solidFill>
+                  <a:srgbClr val="000000"/>
+                </a:solidFill>
+                <a:highlight>
+                  <a:srgbClr val="FFFFFF"/>
+                </a:highlight>
+                <a:latin typeface="돋움체" panose="020B0609000101010101" pitchFamily="49" charset="-127"/>
+                <a:ea typeface="돋움체" panose="020B0609000101010101" pitchFamily="49" charset="-127"/>
+              </a:rPr>
+              <a:t>좌표 데이터로 출력하는 </a:t>
+            </a:r>
+            <a:r>
+              <a:rPr lang="en-US" altLang="ko-KR" sz="1400" dirty="0" err="1">
+                <a:solidFill>
+                  <a:srgbClr val="000000"/>
+                </a:solidFill>
+                <a:highlight>
+                  <a:srgbClr val="FFFFFF"/>
+                </a:highlight>
+                <a:latin typeface="돋움체" panose="020B0609000101010101" pitchFamily="49" charset="-127"/>
+                <a:ea typeface="돋움체" panose="020B0609000101010101" pitchFamily="49" charset="-127"/>
+              </a:rPr>
+              <a:t>VertexShder</a:t>
+            </a:r>
+            <a:r>
+              <a:rPr lang="en-US" altLang="ko-KR" sz="1400" dirty="0">
+                <a:solidFill>
+                  <a:srgbClr val="000000"/>
+                </a:solidFill>
+                <a:highlight>
+                  <a:srgbClr val="FFFFFF"/>
+                </a:highlight>
+                <a:latin typeface="돋움체" panose="020B0609000101010101" pitchFamily="49" charset="-127"/>
+                <a:ea typeface="돋움체" panose="020B0609000101010101" pitchFamily="49" charset="-127"/>
+              </a:rPr>
+              <a:t>.</a:t>
+            </a:r>
+          </a:p>
+          <a:p>
+            <a:r>
+              <a:rPr lang="en-US" altLang="ko-KR" sz="1400" dirty="0">
+                <a:solidFill>
+                  <a:srgbClr val="000000"/>
+                </a:solidFill>
+                <a:highlight>
+                  <a:srgbClr val="FFFFFF"/>
+                </a:highlight>
+                <a:latin typeface="돋움체" panose="020B0609000101010101" pitchFamily="49" charset="-127"/>
+                <a:ea typeface="돋움체" panose="020B0609000101010101" pitchFamily="49" charset="-127"/>
+              </a:rPr>
+              <a:t>float4 main(float4 pos : POSITION) : SV_POSITION</a:t>
+            </a:r>
+          </a:p>
+          <a:p>
+            <a:r>
+              <a:rPr lang="en-US" altLang="ko-KR" sz="1400" dirty="0">
+                <a:solidFill>
+                  <a:srgbClr val="000000"/>
+                </a:solidFill>
+                <a:highlight>
+                  <a:srgbClr val="FFFFFF"/>
+                </a:highlight>
+                <a:latin typeface="돋움체" panose="020B0609000101010101" pitchFamily="49" charset="-127"/>
+                <a:ea typeface="돋움체" panose="020B0609000101010101" pitchFamily="49" charset="-127"/>
+              </a:rPr>
+              <a:t>{</a:t>
+            </a:r>
+          </a:p>
+          <a:p>
+            <a:r>
+              <a:rPr lang="en-US" altLang="ko-KR" sz="1400" dirty="0">
+                <a:solidFill>
+                  <a:srgbClr val="000000"/>
+                </a:solidFill>
+                <a:highlight>
+                  <a:srgbClr val="FFFFFF"/>
+                </a:highlight>
+                <a:latin typeface="돋움체" panose="020B0609000101010101" pitchFamily="49" charset="-127"/>
+                <a:ea typeface="돋움체" panose="020B0609000101010101" pitchFamily="49" charset="-127"/>
+              </a:rPr>
+              <a:t>    return pos;</a:t>
+            </a:r>
+          </a:p>
+          <a:p>
+            <a:r>
+              <a:rPr lang="en-US" altLang="ko-KR" sz="1400" dirty="0">
+                <a:solidFill>
+                  <a:srgbClr val="000000"/>
+                </a:solidFill>
+                <a:highlight>
+                  <a:srgbClr val="FFFFFF"/>
+                </a:highlight>
+                <a:latin typeface="돋움체" panose="020B0609000101010101" pitchFamily="49" charset="-127"/>
+                <a:ea typeface="돋움체" panose="020B0609000101010101" pitchFamily="49" charset="-127"/>
+              </a:rPr>
+              <a:t>}</a:t>
+            </a:r>
+            <a:endParaRPr lang="ko-KR" altLang="en-US" sz="1400" dirty="0"/>
+          </a:p>
+        </p:txBody>
+      </p:sp>
+      <p:cxnSp>
+        <p:nvCxnSpPr>
+          <p:cNvPr id="7" name="직선 연결선 6">
+            <a:extLst>
+              <a:ext uri="{FF2B5EF4-FFF2-40B4-BE49-F238E27FC236}">
+                <a16:creationId xmlns:a16="http://schemas.microsoft.com/office/drawing/2014/main" id="{E0873FFD-B441-43A6-89CD-97BB1C55E5A6}"/>
+              </a:ext>
+            </a:extLst>
+          </p:cNvPr>
+          <p:cNvCxnSpPr>
+            <a:cxnSpLocks/>
+          </p:cNvCxnSpPr>
+          <p:nvPr/>
+        </p:nvCxnSpPr>
+        <p:spPr>
+          <a:xfrm>
+            <a:off x="4971011" y="1845425"/>
+            <a:ext cx="0" cy="4862893"/>
+          </a:xfrm>
+          <a:prstGeom prst="line">
+            <a:avLst/>
+          </a:prstGeom>
+        </p:spPr>
+        <p:style>
+          <a:lnRef idx="1">
+            <a:schemeClr val="accent1"/>
+          </a:lnRef>
+          <a:fillRef idx="0">
+            <a:schemeClr val="accent1"/>
+          </a:fillRef>
+          <a:effectRef idx="0">
+            <a:schemeClr val="accent1"/>
+          </a:effectRef>
+          <a:fontRef idx="minor">
+            <a:schemeClr val="tx1"/>
+          </a:fontRef>
+        </p:style>
+      </p:cxnSp>
     </p:spTree>
     <p:extLst>
       <p:ext uri="{BB962C8B-B14F-4D97-AF65-F5344CB8AC3E}">
-        <p14:creationId xmlns:p14="http://schemas.microsoft.com/office/powerpoint/2010/main" val="241812994"/>
+        <p14:creationId xmlns:p14="http://schemas.microsoft.com/office/powerpoint/2010/main" val="2527232964"/>
       </p:ext>
     </p:extLst>
   </p:cSld>

--- a/Documents/02기초-삼각형그리기.pptx
+++ b/Documents/02기초-삼각형그리기.pptx
@@ -17,7 +17,8 @@
     <p:sldId id="271" r:id="rId11"/>
     <p:sldId id="285" r:id="rId12"/>
     <p:sldId id="275" r:id="rId13"/>
-    <p:sldId id="278" r:id="rId14"/>
+    <p:sldId id="288" r:id="rId14"/>
+    <p:sldId id="278" r:id="rId15"/>
   </p:sldIdLst>
   <p:sldSz cx="12192000" cy="6858000"/>
   <p:notesSz cx="6858000" cy="9144000"/>
@@ -277,7 +278,7 @@
           <a:p>
             <a:fld id="{20FDF2D6-8C5E-4A0C-AD78-AB907B009066}" type="datetimeFigureOut">
               <a:rPr lang="ko-KR" altLang="en-US" smtClean="0"/>
-              <a:t>2025-09-01</a:t>
+              <a:t>2025-09-02</a:t>
             </a:fld>
             <a:endParaRPr lang="ko-KR" altLang="en-US"/>
           </a:p>
@@ -475,7 +476,7 @@
           <a:p>
             <a:fld id="{20FDF2D6-8C5E-4A0C-AD78-AB907B009066}" type="datetimeFigureOut">
               <a:rPr lang="ko-KR" altLang="en-US" smtClean="0"/>
-              <a:t>2025-09-01</a:t>
+              <a:t>2025-09-02</a:t>
             </a:fld>
             <a:endParaRPr lang="ko-KR" altLang="en-US"/>
           </a:p>
@@ -683,7 +684,7 @@
           <a:p>
             <a:fld id="{20FDF2D6-8C5E-4A0C-AD78-AB907B009066}" type="datetimeFigureOut">
               <a:rPr lang="ko-KR" altLang="en-US" smtClean="0"/>
-              <a:t>2025-09-01</a:t>
+              <a:t>2025-09-02</a:t>
             </a:fld>
             <a:endParaRPr lang="ko-KR" altLang="en-US"/>
           </a:p>
@@ -881,7 +882,7 @@
           <a:p>
             <a:fld id="{20FDF2D6-8C5E-4A0C-AD78-AB907B009066}" type="datetimeFigureOut">
               <a:rPr lang="ko-KR" altLang="en-US" smtClean="0"/>
-              <a:t>2025-09-01</a:t>
+              <a:t>2025-09-02</a:t>
             </a:fld>
             <a:endParaRPr lang="ko-KR" altLang="en-US"/>
           </a:p>
@@ -1156,7 +1157,7 @@
           <a:p>
             <a:fld id="{20FDF2D6-8C5E-4A0C-AD78-AB907B009066}" type="datetimeFigureOut">
               <a:rPr lang="ko-KR" altLang="en-US" smtClean="0"/>
-              <a:t>2025-09-01</a:t>
+              <a:t>2025-09-02</a:t>
             </a:fld>
             <a:endParaRPr lang="ko-KR" altLang="en-US"/>
           </a:p>
@@ -1421,7 +1422,7 @@
           <a:p>
             <a:fld id="{20FDF2D6-8C5E-4A0C-AD78-AB907B009066}" type="datetimeFigureOut">
               <a:rPr lang="ko-KR" altLang="en-US" smtClean="0"/>
-              <a:t>2025-09-01</a:t>
+              <a:t>2025-09-02</a:t>
             </a:fld>
             <a:endParaRPr lang="ko-KR" altLang="en-US"/>
           </a:p>
@@ -1833,7 +1834,7 @@
           <a:p>
             <a:fld id="{20FDF2D6-8C5E-4A0C-AD78-AB907B009066}" type="datetimeFigureOut">
               <a:rPr lang="ko-KR" altLang="en-US" smtClean="0"/>
-              <a:t>2025-09-01</a:t>
+              <a:t>2025-09-02</a:t>
             </a:fld>
             <a:endParaRPr lang="ko-KR" altLang="en-US"/>
           </a:p>
@@ -1974,7 +1975,7 @@
           <a:p>
             <a:fld id="{20FDF2D6-8C5E-4A0C-AD78-AB907B009066}" type="datetimeFigureOut">
               <a:rPr lang="ko-KR" altLang="en-US" smtClean="0"/>
-              <a:t>2025-09-01</a:t>
+              <a:t>2025-09-02</a:t>
             </a:fld>
             <a:endParaRPr lang="ko-KR" altLang="en-US"/>
           </a:p>
@@ -2087,7 +2088,7 @@
           <a:p>
             <a:fld id="{20FDF2D6-8C5E-4A0C-AD78-AB907B009066}" type="datetimeFigureOut">
               <a:rPr lang="ko-KR" altLang="en-US" smtClean="0"/>
-              <a:t>2025-09-01</a:t>
+              <a:t>2025-09-02</a:t>
             </a:fld>
             <a:endParaRPr lang="ko-KR" altLang="en-US"/>
           </a:p>
@@ -2398,7 +2399,7 @@
           <a:p>
             <a:fld id="{20FDF2D6-8C5E-4A0C-AD78-AB907B009066}" type="datetimeFigureOut">
               <a:rPr lang="ko-KR" altLang="en-US" smtClean="0"/>
-              <a:t>2025-09-01</a:t>
+              <a:t>2025-09-02</a:t>
             </a:fld>
             <a:endParaRPr lang="ko-KR" altLang="en-US"/>
           </a:p>
@@ -2686,7 +2687,7 @@
           <a:p>
             <a:fld id="{20FDF2D6-8C5E-4A0C-AD78-AB907B009066}" type="datetimeFigureOut">
               <a:rPr lang="ko-KR" altLang="en-US" smtClean="0"/>
-              <a:t>2025-09-01</a:t>
+              <a:t>2025-09-02</a:t>
             </a:fld>
             <a:endParaRPr lang="ko-KR" altLang="en-US"/>
           </a:p>
@@ -2927,7 +2928,7 @@
           <a:p>
             <a:fld id="{20FDF2D6-8C5E-4A0C-AD78-AB907B009066}" type="datetimeFigureOut">
               <a:rPr lang="ko-KR" altLang="en-US" smtClean="0"/>
-              <a:t>2025-09-01</a:t>
+              <a:t>2025-09-02</a:t>
             </a:fld>
             <a:endParaRPr lang="ko-KR" altLang="en-US"/>
           </a:p>
@@ -9103,6 +9104,118 @@
           <p:cNvPr id="2" name="제목 1">
             <a:extLst>
               <a:ext uri="{FF2B5EF4-FFF2-40B4-BE49-F238E27FC236}">
+                <a16:creationId xmlns:a16="http://schemas.microsoft.com/office/drawing/2014/main" id="{5605C60F-1C8D-0A2E-512F-496BEB721E53}"/>
+              </a:ext>
+            </a:extLst>
+          </p:cNvPr>
+          <p:cNvSpPr>
+            <a:spLocks noGrp="1"/>
+          </p:cNvSpPr>
+          <p:nvPr>
+            <p:ph type="title"/>
+          </p:nvPr>
+        </p:nvSpPr>
+        <p:spPr/>
+        <p:txBody>
+          <a:bodyPr/>
+          <a:lstStyle/>
+          <a:p>
+            <a:r>
+              <a:rPr lang="en-US" altLang="ko-KR" dirty="0"/>
+              <a:t>PS</a:t>
+            </a:r>
+            <a:r>
+              <a:rPr lang="ko-KR" altLang="en-US" dirty="0"/>
+              <a:t>에서의 </a:t>
+            </a:r>
+            <a:r>
+              <a:rPr lang="en-US" altLang="ko-KR" dirty="0" err="1"/>
+              <a:t>SemanticName</a:t>
+            </a:r>
+            <a:r>
+              <a:rPr lang="en-US" altLang="ko-KR" dirty="0"/>
+              <a:t>(</a:t>
+            </a:r>
+            <a:r>
+              <a:rPr lang="ko-KR" altLang="en-US" dirty="0"/>
+              <a:t>의미 이름</a:t>
+            </a:r>
+            <a:r>
+              <a:rPr lang="en-US" altLang="ko-KR" dirty="0"/>
+              <a:t>)</a:t>
+            </a:r>
+            <a:r>
+              <a:rPr lang="ko-KR" altLang="en-US" dirty="0"/>
+              <a:t> </a:t>
+            </a:r>
+          </a:p>
+        </p:txBody>
+      </p:sp>
+      <p:pic>
+        <p:nvPicPr>
+          <p:cNvPr id="6" name="그림 5">
+            <a:extLst>
+              <a:ext uri="{FF2B5EF4-FFF2-40B4-BE49-F238E27FC236}">
+                <a16:creationId xmlns:a16="http://schemas.microsoft.com/office/drawing/2014/main" id="{E6248B17-A82D-EE89-81F8-8344B267A868}"/>
+              </a:ext>
+            </a:extLst>
+          </p:cNvPr>
+          <p:cNvPicPr>
+            <a:picLocks noChangeAspect="1"/>
+          </p:cNvPicPr>
+          <p:nvPr/>
+        </p:nvPicPr>
+        <p:blipFill>
+          <a:blip r:embed="rId2"/>
+          <a:stretch>
+            <a:fillRect/>
+          </a:stretch>
+        </p:blipFill>
+        <p:spPr>
+          <a:xfrm>
+            <a:off x="1424166" y="1524000"/>
+            <a:ext cx="6682205" cy="5134433"/>
+          </a:xfrm>
+          <a:prstGeom prst="rect">
+            <a:avLst/>
+          </a:prstGeom>
+        </p:spPr>
+      </p:pic>
+    </p:spTree>
+    <p:extLst>
+      <p:ext uri="{BB962C8B-B14F-4D97-AF65-F5344CB8AC3E}">
+        <p14:creationId xmlns:p14="http://schemas.microsoft.com/office/powerpoint/2010/main" val="2233651483"/>
+      </p:ext>
+    </p:extLst>
+  </p:cSld>
+  <p:clrMapOvr>
+    <a:masterClrMapping/>
+  </p:clrMapOvr>
+</p:sld>
+</file>
+
+<file path=ppt/slides/slide14.xml><?xml version="1.0" encoding="utf-8"?>
+<p:sld xmlns:a="http://schemas.openxmlformats.org/drawingml/2006/main" xmlns:r="http://schemas.openxmlformats.org/officeDocument/2006/relationships" xmlns:p="http://schemas.openxmlformats.org/presentationml/2006/main">
+  <p:cSld>
+    <p:spTree>
+      <p:nvGrpSpPr>
+        <p:cNvPr id="1" name=""/>
+        <p:cNvGrpSpPr/>
+        <p:nvPr/>
+      </p:nvGrpSpPr>
+      <p:grpSpPr>
+        <a:xfrm>
+          <a:off x="0" y="0"/>
+          <a:ext cx="0" cy="0"/>
+          <a:chOff x="0" y="0"/>
+          <a:chExt cx="0" cy="0"/>
+        </a:xfrm>
+      </p:grpSpPr>
+      <p:sp>
+        <p:nvSpPr>
+          <p:cNvPr id="2" name="제목 1">
+            <a:extLst>
+              <a:ext uri="{FF2B5EF4-FFF2-40B4-BE49-F238E27FC236}">
                 <a16:creationId xmlns:a16="http://schemas.microsoft.com/office/drawing/2014/main" id="{021FD0A3-FA69-81E6-1758-263992F08EBE}"/>
               </a:ext>
             </a:extLst>
@@ -18872,8 +18985,8 @@
         </p:nvSpPr>
         <p:spPr>
           <a:xfrm>
-            <a:off x="7771843" y="2441336"/>
-            <a:ext cx="3925676" cy="2616101"/>
+            <a:off x="7848419" y="2113662"/>
+            <a:ext cx="4604256" cy="2862322"/>
           </a:xfrm>
           <a:prstGeom prst="rect">
             <a:avLst/>
@@ -18967,61 +19080,23 @@
           <a:p>
             <a:r>
               <a:rPr lang="en-US" altLang="ko-KR" sz="1200" dirty="0">
-                <a:solidFill>
-                  <a:srgbClr val="000000"/>
-                </a:solidFill>
-                <a:highlight>
-                  <a:srgbClr val="FFFFFF"/>
-                </a:highlight>
-                <a:latin typeface="돋움체" panose="020B0609000101010101" pitchFamily="49" charset="-127"/>
-                <a:ea typeface="돋움체" panose="020B0609000101010101" pitchFamily="49" charset="-127"/>
-              </a:rPr>
-              <a:t>// </a:t>
-            </a:r>
-            <a:r>
-              <a:rPr lang="en-US" altLang="ko-KR" sz="1200" dirty="0" err="1">
-                <a:solidFill>
-                  <a:srgbClr val="000000"/>
-                </a:solidFill>
-                <a:highlight>
-                  <a:srgbClr val="FFFFFF"/>
-                </a:highlight>
-                <a:latin typeface="돋움체" panose="020B0609000101010101" pitchFamily="49" charset="-127"/>
-                <a:ea typeface="돋움체" panose="020B0609000101010101" pitchFamily="49" charset="-127"/>
-              </a:rPr>
-              <a:t>VertexShader</a:t>
-            </a:r>
-            <a:endParaRPr lang="en-US" altLang="ko-KR" sz="1200" dirty="0">
-              <a:solidFill>
-                <a:srgbClr val="000000"/>
-              </a:solidFill>
-              <a:highlight>
-                <a:srgbClr val="FFFFFF"/>
-              </a:highlight>
-              <a:latin typeface="돋움체" panose="020B0609000101010101" pitchFamily="49" charset="-127"/>
-              <a:ea typeface="돋움체" panose="020B0609000101010101" pitchFamily="49" charset="-127"/>
-            </a:endParaRPr>
-          </a:p>
-          <a:p>
-            <a:r>
-              <a:rPr lang="en-US" altLang="ko-KR" sz="1400" dirty="0">
                 <a:highlight>
                   <a:srgbClr val="FFFFFF"/>
                 </a:highlight>
               </a:rPr>
-              <a:t>VS_OUTPUT main(float4 Pos : POSITION, float4 Color : COLOR)</a:t>
-            </a:r>
-          </a:p>
-          <a:p>
-            <a:r>
-              <a:rPr lang="en-US" altLang="ko-KR" sz="1400" dirty="0">
+              <a:t>struct PS_INPUT</a:t>
+            </a:r>
+          </a:p>
+          <a:p>
+            <a:r>
+              <a:rPr lang="en-US" altLang="ko-KR" sz="1200" dirty="0">
                 <a:highlight>
                   <a:srgbClr val="FFFFFF"/>
                 </a:highlight>
               </a:rPr>
               <a:t>{</a:t>
             </a:r>
-            <a:endParaRPr lang="ko-KR" altLang="en-US" sz="1400" dirty="0">
+            <a:endParaRPr lang="ko-KR" altLang="en-US" sz="1200" dirty="0">
               <a:highlight>
                 <a:srgbClr val="FFFFFF"/>
               </a:highlight>
@@ -19029,17 +19104,72 @@
           </a:p>
           <a:p>
             <a:r>
-              <a:rPr lang="en-US" altLang="ko-KR" sz="1400" dirty="0">
+              <a:rPr lang="en-US" altLang="ko-KR" sz="1200" dirty="0">
                 <a:highlight>
                   <a:srgbClr val="FFFFFF"/>
                 </a:highlight>
               </a:rPr>
-              <a:t>    VS_OUTPUT output = (VS_OUTPUT) 0;</a:t>
-            </a:r>
-          </a:p>
-          <a:p>
-            <a:r>
-              <a:rPr lang="en-US" altLang="ko-KR" sz="1400" dirty="0">
+              <a:t>    float4 Pos : SV_POSITION;</a:t>
+            </a:r>
+          </a:p>
+          <a:p>
+            <a:r>
+              <a:rPr lang="en-US" altLang="ko-KR" sz="1200" dirty="0">
+                <a:highlight>
+                  <a:srgbClr val="FFFFFF"/>
+                </a:highlight>
+              </a:rPr>
+              <a:t>    float4 Color : COLOR0;</a:t>
+            </a:r>
+          </a:p>
+          <a:p>
+            <a:r>
+              <a:rPr lang="en-US" altLang="ko-KR" sz="1200" dirty="0">
+                <a:highlight>
+                  <a:srgbClr val="FFFFFF"/>
+                </a:highlight>
+              </a:rPr>
+              <a:t>};</a:t>
+            </a:r>
+          </a:p>
+          <a:p>
+            <a:r>
+              <a:rPr lang="en-US" altLang="ko-KR" sz="1200" dirty="0">
+                <a:highlight>
+                  <a:srgbClr val="FFFFFF"/>
+                </a:highlight>
+              </a:rPr>
+              <a:t>PS_INPUT main(float4 Pos : POSITION, float4 Color : COLOR)</a:t>
+            </a:r>
+          </a:p>
+          <a:p>
+            <a:r>
+              <a:rPr lang="en-US" altLang="ko-KR" sz="1200" dirty="0">
+                <a:highlight>
+                  <a:srgbClr val="FFFFFF"/>
+                </a:highlight>
+              </a:rPr>
+              <a:t>{</a:t>
+            </a:r>
+            <a:endParaRPr lang="ko-KR" altLang="en-US" sz="1200" dirty="0">
+              <a:highlight>
+                <a:srgbClr val="FFFFFF"/>
+              </a:highlight>
+            </a:endParaRPr>
+          </a:p>
+          <a:p>
+            <a:r>
+              <a:rPr lang="en-US" altLang="ko-KR" sz="1200" dirty="0">
+                <a:highlight>
+                  <a:srgbClr val="FFFFFF"/>
+                </a:highlight>
+              </a:rPr>
+              <a:t>    PS_INPUT output = (PS_INPUT) 0;</a:t>
+            </a:r>
+          </a:p>
+          <a:p>
+            <a:r>
+              <a:rPr lang="en-US" altLang="ko-KR" sz="1200" dirty="0">
                 <a:highlight>
                   <a:srgbClr val="FFFFFF"/>
                 </a:highlight>
@@ -19047,7 +19177,7 @@
               <a:t>    </a:t>
             </a:r>
             <a:r>
-              <a:rPr lang="en-US" altLang="ko-KR" sz="1400" dirty="0" err="1">
+              <a:rPr lang="en-US" altLang="ko-KR" sz="1200" dirty="0" err="1">
                 <a:highlight>
                   <a:srgbClr val="FFFFFF"/>
                 </a:highlight>
@@ -19055,7 +19185,7 @@
               <a:t>output.Pos</a:t>
             </a:r>
             <a:r>
-              <a:rPr lang="en-US" altLang="ko-KR" sz="1400" dirty="0">
+              <a:rPr lang="en-US" altLang="ko-KR" sz="1200" dirty="0">
                 <a:highlight>
                   <a:srgbClr val="FFFFFF"/>
                 </a:highlight>
@@ -19063,7 +19193,7 @@
               <a:t> = </a:t>
             </a:r>
             <a:r>
-              <a:rPr lang="en-US" altLang="ko-KR" sz="1400" dirty="0" err="1">
+              <a:rPr lang="en-US" altLang="ko-KR" sz="1200" dirty="0" err="1">
                 <a:highlight>
                   <a:srgbClr val="FFFFFF"/>
                 </a:highlight>
@@ -19071,7 +19201,7 @@
               <a:t>mul</a:t>
             </a:r>
             <a:r>
-              <a:rPr lang="en-US" altLang="ko-KR" sz="1400" dirty="0">
+              <a:rPr lang="en-US" altLang="ko-KR" sz="1200" dirty="0">
                 <a:highlight>
                   <a:srgbClr val="FFFFFF"/>
                 </a:highlight>
@@ -19081,7 +19211,7 @@
           </a:p>
           <a:p>
             <a:r>
-              <a:rPr lang="en-US" altLang="ko-KR" sz="1400" dirty="0">
+              <a:rPr lang="en-US" altLang="ko-KR" sz="1200" dirty="0">
                 <a:highlight>
                   <a:srgbClr val="FFFFFF"/>
                 </a:highlight>
@@ -19089,7 +19219,7 @@
               <a:t>    </a:t>
             </a:r>
             <a:r>
-              <a:rPr lang="en-US" altLang="ko-KR" sz="1400" dirty="0" err="1">
+              <a:rPr lang="en-US" altLang="ko-KR" sz="1200" dirty="0" err="1">
                 <a:highlight>
                   <a:srgbClr val="FFFFFF"/>
                 </a:highlight>
@@ -19097,7 +19227,7 @@
               <a:t>output.Pos</a:t>
             </a:r>
             <a:r>
-              <a:rPr lang="en-US" altLang="ko-KR" sz="1400" dirty="0">
+              <a:rPr lang="en-US" altLang="ko-KR" sz="1200" dirty="0">
                 <a:highlight>
                   <a:srgbClr val="FFFFFF"/>
                 </a:highlight>
@@ -19105,7 +19235,7 @@
               <a:t> = </a:t>
             </a:r>
             <a:r>
-              <a:rPr lang="en-US" altLang="ko-KR" sz="1400" dirty="0" err="1">
+              <a:rPr lang="en-US" altLang="ko-KR" sz="1200" dirty="0" err="1">
                 <a:highlight>
                   <a:srgbClr val="FFFFFF"/>
                 </a:highlight>
@@ -19113,7 +19243,7 @@
               <a:t>mul</a:t>
             </a:r>
             <a:r>
-              <a:rPr lang="en-US" altLang="ko-KR" sz="1400" dirty="0">
+              <a:rPr lang="en-US" altLang="ko-KR" sz="1200" dirty="0">
                 <a:highlight>
                   <a:srgbClr val="FFFFFF"/>
                 </a:highlight>
@@ -19121,7 +19251,7 @@
               <a:t>(</a:t>
             </a:r>
             <a:r>
-              <a:rPr lang="en-US" altLang="ko-KR" sz="1400" dirty="0" err="1">
+              <a:rPr lang="en-US" altLang="ko-KR" sz="1200" dirty="0" err="1">
                 <a:highlight>
                   <a:srgbClr val="FFFFFF"/>
                 </a:highlight>
@@ -19129,7 +19259,7 @@
               <a:t>output.Pos</a:t>
             </a:r>
             <a:r>
-              <a:rPr lang="en-US" altLang="ko-KR" sz="1400" dirty="0">
+              <a:rPr lang="en-US" altLang="ko-KR" sz="1200" dirty="0">
                 <a:highlight>
                   <a:srgbClr val="FFFFFF"/>
                 </a:highlight>
@@ -19139,7 +19269,7 @@
           </a:p>
           <a:p>
             <a:r>
-              <a:rPr lang="pt-BR" altLang="ko-KR" sz="1400" dirty="0">
+              <a:rPr lang="pt-BR" altLang="ko-KR" sz="1200" dirty="0">
                 <a:highlight>
                   <a:srgbClr val="FFFFFF"/>
                 </a:highlight>
@@ -19149,7 +19279,7 @@
           </a:p>
           <a:p>
             <a:r>
-              <a:rPr lang="en-US" altLang="ko-KR" sz="1400" dirty="0">
+              <a:rPr lang="en-US" altLang="ko-KR" sz="1200" dirty="0">
                 <a:highlight>
                   <a:srgbClr val="FFFFFF"/>
                 </a:highlight>
@@ -19157,7 +19287,7 @@
               <a:t>    </a:t>
             </a:r>
             <a:r>
-              <a:rPr lang="en-US" altLang="ko-KR" sz="1400" dirty="0" err="1">
+              <a:rPr lang="en-US" altLang="ko-KR" sz="1200" dirty="0" err="1">
                 <a:highlight>
                   <a:srgbClr val="FFFFFF"/>
                 </a:highlight>
@@ -19165,7 +19295,7 @@
               <a:t>output.Color</a:t>
             </a:r>
             <a:r>
-              <a:rPr lang="en-US" altLang="ko-KR" sz="1400" dirty="0">
+              <a:rPr lang="en-US" altLang="ko-KR" sz="1200" dirty="0">
                 <a:highlight>
                   <a:srgbClr val="FFFFFF"/>
                 </a:highlight>
@@ -19175,7 +19305,7 @@
           </a:p>
           <a:p>
             <a:r>
-              <a:rPr lang="en-US" altLang="ko-KR" sz="1400" dirty="0">
+              <a:rPr lang="en-US" altLang="ko-KR" sz="1200" dirty="0">
                 <a:highlight>
                   <a:srgbClr val="FFFFFF"/>
                 </a:highlight>
@@ -19185,14 +19315,14 @@
           </a:p>
           <a:p>
             <a:r>
-              <a:rPr lang="en-US" altLang="ko-KR" sz="1400" dirty="0">
+              <a:rPr lang="en-US" altLang="ko-KR" sz="1200" dirty="0">
                 <a:highlight>
                   <a:srgbClr val="FFFFFF"/>
                 </a:highlight>
               </a:rPr>
               <a:t>}</a:t>
             </a:r>
-            <a:endParaRPr lang="ko-KR" altLang="en-US" sz="1400" dirty="0"/>
+            <a:endParaRPr lang="ko-KR" altLang="en-US" sz="1200" dirty="0"/>
           </a:p>
         </p:txBody>
       </p:sp>
@@ -19278,1485 +19408,88 @@
           </a:p>
         </p:txBody>
       </p:sp>
-      <p:graphicFrame>
-        <p:nvGraphicFramePr>
-          <p:cNvPr id="3" name="표 2">
-            <a:extLst>
-              <a:ext uri="{FF2B5EF4-FFF2-40B4-BE49-F238E27FC236}">
-                <a16:creationId xmlns:a16="http://schemas.microsoft.com/office/drawing/2014/main" id="{CF43F80E-AD85-FFCA-9E4B-04BA23D6E0C4}"/>
-              </a:ext>
-            </a:extLst>
-          </p:cNvPr>
-          <p:cNvGraphicFramePr>
-            <a:graphicFrameLocks noGrp="1"/>
-          </p:cNvGraphicFramePr>
-          <p:nvPr>
-            <p:extLst>
-              <p:ext uri="{D42A27DB-BD31-4B8C-83A1-F6EECF244321}">
-                <p14:modId xmlns:p14="http://schemas.microsoft.com/office/powerpoint/2010/main" val="4010654780"/>
-              </p:ext>
-            </p:extLst>
-          </p:nvPr>
-        </p:nvGraphicFramePr>
-        <p:xfrm>
-          <a:off x="945356" y="2009689"/>
-          <a:ext cx="10115552" cy="4364474"/>
-        </p:xfrm>
-        <a:graphic>
-          <a:graphicData uri="http://schemas.openxmlformats.org/drawingml/2006/table">
-            <a:tbl>
-              <a:tblPr/>
-              <a:tblGrid>
-                <a:gridCol w="1890713">
-                  <a:extLst>
-                    <a:ext uri="{9D8B030D-6E8A-4147-A177-3AD203B41FA5}">
-                      <a16:colId xmlns:a16="http://schemas.microsoft.com/office/drawing/2014/main" val="3889496461"/>
-                    </a:ext>
-                  </a:extLst>
-                </a:gridCol>
-                <a:gridCol w="3167063">
-                  <a:extLst>
-                    <a:ext uri="{9D8B030D-6E8A-4147-A177-3AD203B41FA5}">
-                      <a16:colId xmlns:a16="http://schemas.microsoft.com/office/drawing/2014/main" val="1816909841"/>
-                    </a:ext>
-                  </a:extLst>
-                </a:gridCol>
-                <a:gridCol w="1828799">
-                  <a:extLst>
-                    <a:ext uri="{9D8B030D-6E8A-4147-A177-3AD203B41FA5}">
-                      <a16:colId xmlns:a16="http://schemas.microsoft.com/office/drawing/2014/main" val="2717897776"/>
-                    </a:ext>
-                  </a:extLst>
-                </a:gridCol>
-                <a:gridCol w="3228977">
-                  <a:extLst>
-                    <a:ext uri="{9D8B030D-6E8A-4147-A177-3AD203B41FA5}">
-                      <a16:colId xmlns:a16="http://schemas.microsoft.com/office/drawing/2014/main" val="834690320"/>
-                    </a:ext>
-                  </a:extLst>
-                </a:gridCol>
-              </a:tblGrid>
-              <a:tr h="259781">
-                <a:tc>
-                  <a:txBody>
-                    <a:bodyPr/>
-                    <a:lstStyle/>
-                    <a:p>
-                      <a:pPr>
-                        <a:buNone/>
-                      </a:pPr>
-                      <a:r>
-                        <a:rPr lang="ko-KR" altLang="en-US" sz="1300" dirty="0"/>
-                        <a:t>구분</a:t>
-                      </a:r>
-                    </a:p>
-                  </a:txBody>
-                  <a:tcPr marL="64945" marR="64945" marT="32473" marB="32473" anchor="ctr">
-                    <a:lnL>
-                      <a:noFill/>
-                    </a:lnL>
-                    <a:lnR>
-                      <a:noFill/>
-                    </a:lnR>
-                    <a:lnT>
-                      <a:noFill/>
-                    </a:lnT>
-                    <a:lnB>
-                      <a:noFill/>
-                    </a:lnB>
-                    <a:solidFill>
-                      <a:schemeClr val="bg2"/>
-                    </a:solidFill>
-                  </a:tcPr>
-                </a:tc>
-                <a:tc>
-                  <a:txBody>
-                    <a:bodyPr/>
-                    <a:lstStyle/>
-                    <a:p>
-                      <a:pPr>
-                        <a:buNone/>
-                      </a:pPr>
-                      <a:r>
-                        <a:rPr lang="ko-KR" altLang="en-US" sz="1300"/>
-                        <a:t>시맨틱</a:t>
-                      </a:r>
-                    </a:p>
-                  </a:txBody>
-                  <a:tcPr marL="64945" marR="64945" marT="32473" marB="32473" anchor="ctr">
-                    <a:lnL>
-                      <a:noFill/>
-                    </a:lnL>
-                    <a:lnR>
-                      <a:noFill/>
-                    </a:lnR>
-                    <a:lnT>
-                      <a:noFill/>
-                    </a:lnT>
-                    <a:lnB>
-                      <a:noFill/>
-                    </a:lnB>
-                    <a:solidFill>
-                      <a:schemeClr val="bg2"/>
-                    </a:solidFill>
-                  </a:tcPr>
-                </a:tc>
-                <a:tc>
-                  <a:txBody>
-                    <a:bodyPr/>
-                    <a:lstStyle/>
-                    <a:p>
-                      <a:pPr>
-                        <a:buNone/>
-                      </a:pPr>
-                      <a:r>
-                        <a:rPr lang="ko-KR" altLang="en-US" sz="1300" dirty="0"/>
-                        <a:t>제공 주체</a:t>
-                      </a:r>
-                    </a:p>
-                  </a:txBody>
-                  <a:tcPr marL="64945" marR="64945" marT="32473" marB="32473" anchor="ctr">
-                    <a:lnL>
-                      <a:noFill/>
-                    </a:lnL>
-                    <a:lnR>
-                      <a:noFill/>
-                    </a:lnR>
-                    <a:lnT>
-                      <a:noFill/>
-                    </a:lnT>
-                    <a:lnB>
-                      <a:noFill/>
-                    </a:lnB>
-                    <a:solidFill>
-                      <a:schemeClr val="bg2"/>
-                    </a:solidFill>
-                  </a:tcPr>
-                </a:tc>
-                <a:tc>
-                  <a:txBody>
-                    <a:bodyPr/>
-                    <a:lstStyle/>
-                    <a:p>
-                      <a:pPr>
-                        <a:buNone/>
-                      </a:pPr>
-                      <a:r>
-                        <a:rPr lang="ko-KR" altLang="en-US" sz="1300"/>
-                        <a:t>설명</a:t>
-                      </a:r>
-                    </a:p>
-                  </a:txBody>
-                  <a:tcPr marL="64945" marR="64945" marT="32473" marB="32473" anchor="ctr">
-                    <a:lnL>
-                      <a:noFill/>
-                    </a:lnL>
-                    <a:lnR>
-                      <a:noFill/>
-                    </a:lnR>
-                    <a:lnT>
-                      <a:noFill/>
-                    </a:lnT>
-                    <a:lnB>
-                      <a:noFill/>
-                    </a:lnB>
-                    <a:solidFill>
-                      <a:schemeClr val="bg2"/>
-                    </a:solidFill>
-                  </a:tcPr>
-                </a:tc>
-                <a:extLst>
-                  <a:ext uri="{0D108BD9-81ED-4DB2-BD59-A6C34878D82A}">
-                    <a16:rowId xmlns:a16="http://schemas.microsoft.com/office/drawing/2014/main" val="1723799892"/>
-                  </a:ext>
-                </a:extLst>
-              </a:tr>
-              <a:tr h="1039125">
-                <a:tc>
-                  <a:txBody>
-                    <a:bodyPr/>
-                    <a:lstStyle/>
-                    <a:p>
-                      <a:pPr>
-                        <a:buNone/>
-                      </a:pPr>
-                      <a:r>
-                        <a:rPr lang="ko-KR" altLang="en-US" sz="1300" b="1"/>
-                        <a:t>필수 출력</a:t>
-                      </a:r>
-                      <a:endParaRPr lang="ko-KR" altLang="en-US" sz="1300"/>
-                    </a:p>
-                  </a:txBody>
-                  <a:tcPr marL="64945" marR="64945" marT="32473" marB="32473" anchor="ctr">
-                    <a:lnL>
-                      <a:noFill/>
-                    </a:lnL>
-                    <a:lnR>
-                      <a:noFill/>
-                    </a:lnR>
-                    <a:lnT>
-                      <a:noFill/>
-                    </a:lnT>
-                    <a:lnB>
-                      <a:noFill/>
-                    </a:lnB>
-                    <a:solidFill>
-                      <a:schemeClr val="bg2"/>
-                    </a:solidFill>
-                  </a:tcPr>
-                </a:tc>
-                <a:tc>
-                  <a:txBody>
-                    <a:bodyPr/>
-                    <a:lstStyle/>
-                    <a:p>
-                      <a:pPr>
-                        <a:buNone/>
-                      </a:pPr>
-                      <a:r>
-                        <a:rPr lang="en-US" sz="1300" b="1"/>
-                        <a:t>SV_Position</a:t>
-                      </a:r>
-                      <a:endParaRPr lang="en-US" sz="1300"/>
-                    </a:p>
-                  </a:txBody>
-                  <a:tcPr marL="64945" marR="64945" marT="32473" marB="32473" anchor="ctr">
-                    <a:lnL>
-                      <a:noFill/>
-                    </a:lnL>
-                    <a:lnR>
-                      <a:noFill/>
-                    </a:lnR>
-                    <a:lnT>
-                      <a:noFill/>
-                    </a:lnT>
-                    <a:lnB>
-                      <a:noFill/>
-                    </a:lnB>
-                    <a:solidFill>
-                      <a:schemeClr val="bg2"/>
-                    </a:solidFill>
-                  </a:tcPr>
-                </a:tc>
-                <a:tc>
-                  <a:txBody>
-                    <a:bodyPr/>
-                    <a:lstStyle/>
-                    <a:p>
-                      <a:pPr>
-                        <a:buNone/>
-                      </a:pPr>
-                      <a:r>
-                        <a:rPr lang="ko-KR" altLang="en-US" sz="1300"/>
-                        <a:t>시스템 예약</a:t>
-                      </a:r>
-                    </a:p>
-                  </a:txBody>
-                  <a:tcPr marL="64945" marR="64945" marT="32473" marB="32473" anchor="ctr">
-                    <a:lnL>
-                      <a:noFill/>
-                    </a:lnL>
-                    <a:lnR>
-                      <a:noFill/>
-                    </a:lnR>
-                    <a:lnT>
-                      <a:noFill/>
-                    </a:lnT>
-                    <a:lnB>
-                      <a:noFill/>
-                    </a:lnB>
-                    <a:solidFill>
-                      <a:schemeClr val="bg2"/>
-                    </a:solidFill>
-                  </a:tcPr>
-                </a:tc>
-                <a:tc>
-                  <a:txBody>
-                    <a:bodyPr/>
-                    <a:lstStyle/>
-                    <a:p>
-                      <a:pPr>
-                        <a:buNone/>
-                      </a:pPr>
-                      <a:r>
-                        <a:rPr lang="ko-KR" altLang="en-US" sz="1300"/>
-                        <a:t>정점의 </a:t>
-                      </a:r>
-                      <a:r>
-                        <a:rPr lang="ko-KR" altLang="en-US" sz="1300" b="1"/>
-                        <a:t>클립 공간 좌표</a:t>
-                      </a:r>
-                      <a:r>
-                        <a:rPr lang="en-US" altLang="ko-KR" sz="1300"/>
-                        <a:t>. </a:t>
-                      </a:r>
-                      <a:r>
-                        <a:rPr lang="ko-KR" altLang="en-US" sz="1300"/>
-                        <a:t>반드시 </a:t>
-                      </a:r>
-                      <a:r>
-                        <a:rPr lang="en-US" altLang="ko-KR" sz="1300"/>
-                        <a:t>1</a:t>
-                      </a:r>
-                      <a:r>
-                        <a:rPr lang="ko-KR" altLang="en-US" sz="1300"/>
-                        <a:t>개 있어야 함</a:t>
-                      </a:r>
-                      <a:r>
-                        <a:rPr lang="en-US" altLang="ko-KR" sz="1300"/>
-                        <a:t>. </a:t>
-                      </a:r>
-                      <a:r>
-                        <a:rPr lang="ko-KR" altLang="en-US" sz="1300"/>
-                        <a:t>이것이 있어야 래스터라이저가 화면에 그릴 위치를 알 수 있음</a:t>
-                      </a:r>
-                      <a:r>
-                        <a:rPr lang="en-US" altLang="ko-KR" sz="1300"/>
-                        <a:t>.</a:t>
-                      </a:r>
-                    </a:p>
-                  </a:txBody>
-                  <a:tcPr marL="64945" marR="64945" marT="32473" marB="32473" anchor="ctr">
-                    <a:lnL>
-                      <a:noFill/>
-                    </a:lnL>
-                    <a:lnR>
-                      <a:noFill/>
-                    </a:lnR>
-                    <a:lnT>
-                      <a:noFill/>
-                    </a:lnT>
-                    <a:lnB>
-                      <a:noFill/>
-                    </a:lnB>
-                    <a:solidFill>
-                      <a:schemeClr val="bg2"/>
-                    </a:solidFill>
-                  </a:tcPr>
-                </a:tc>
-                <a:extLst>
-                  <a:ext uri="{0D108BD9-81ED-4DB2-BD59-A6C34878D82A}">
-                    <a16:rowId xmlns:a16="http://schemas.microsoft.com/office/drawing/2014/main" val="2936819604"/>
-                  </a:ext>
-                </a:extLst>
-              </a:tr>
-              <a:tr h="454617">
-                <a:tc>
-                  <a:txBody>
-                    <a:bodyPr/>
-                    <a:lstStyle/>
-                    <a:p>
-                      <a:pPr>
-                        <a:buNone/>
-                      </a:pPr>
-                      <a:r>
-                        <a:rPr lang="ko-KR" altLang="en-US" sz="1300" b="1"/>
-                        <a:t>선택 입력</a:t>
-                      </a:r>
-                      <a:endParaRPr lang="ko-KR" altLang="en-US" sz="1300"/>
-                    </a:p>
-                  </a:txBody>
-                  <a:tcPr marL="64945" marR="64945" marT="32473" marB="32473" anchor="ctr">
-                    <a:lnL>
-                      <a:noFill/>
-                    </a:lnL>
-                    <a:lnR>
-                      <a:noFill/>
-                    </a:lnR>
-                    <a:lnT>
-                      <a:noFill/>
-                    </a:lnT>
-                    <a:lnB>
-                      <a:noFill/>
-                    </a:lnB>
-                    <a:solidFill>
-                      <a:schemeClr val="bg2"/>
-                    </a:solidFill>
-                  </a:tcPr>
-                </a:tc>
-                <a:tc>
-                  <a:txBody>
-                    <a:bodyPr/>
-                    <a:lstStyle/>
-                    <a:p>
-                      <a:pPr>
-                        <a:buNone/>
-                      </a:pPr>
-                      <a:r>
-                        <a:rPr lang="en-US" sz="1300"/>
-                        <a:t>POSITION</a:t>
-                      </a:r>
-                    </a:p>
-                  </a:txBody>
-                  <a:tcPr marL="64945" marR="64945" marT="32473" marB="32473" anchor="ctr">
-                    <a:lnL>
-                      <a:noFill/>
-                    </a:lnL>
-                    <a:lnR>
-                      <a:noFill/>
-                    </a:lnR>
-                    <a:lnT>
-                      <a:noFill/>
-                    </a:lnT>
-                    <a:lnB>
-                      <a:noFill/>
-                    </a:lnB>
-                    <a:solidFill>
-                      <a:schemeClr val="bg2"/>
-                    </a:solidFill>
-                  </a:tcPr>
-                </a:tc>
-                <a:tc>
-                  <a:txBody>
-                    <a:bodyPr/>
-                    <a:lstStyle/>
-                    <a:p>
-                      <a:pPr>
-                        <a:buNone/>
-                      </a:pPr>
-                      <a:r>
-                        <a:rPr lang="ko-KR" altLang="en-US" sz="1300"/>
-                        <a:t>프로그래머</a:t>
-                      </a:r>
-                    </a:p>
-                  </a:txBody>
-                  <a:tcPr marL="64945" marR="64945" marT="32473" marB="32473" anchor="ctr">
-                    <a:lnL>
-                      <a:noFill/>
-                    </a:lnL>
-                    <a:lnR>
-                      <a:noFill/>
-                    </a:lnR>
-                    <a:lnT>
-                      <a:noFill/>
-                    </a:lnT>
-                    <a:lnB>
-                      <a:noFill/>
-                    </a:lnB>
-                    <a:solidFill>
-                      <a:schemeClr val="bg2"/>
-                    </a:solidFill>
-                  </a:tcPr>
-                </a:tc>
-                <a:tc>
-                  <a:txBody>
-                    <a:bodyPr/>
-                    <a:lstStyle/>
-                    <a:p>
-                      <a:pPr>
-                        <a:buNone/>
-                      </a:pPr>
-                      <a:r>
-                        <a:rPr lang="ko-KR" altLang="en-US" sz="1300"/>
-                        <a:t>정점 위치 </a:t>
-                      </a:r>
-                      <a:r>
-                        <a:rPr lang="en-US" altLang="ko-KR" sz="1300"/>
-                        <a:t>(</a:t>
-                      </a:r>
-                      <a:r>
-                        <a:rPr lang="ko-KR" altLang="en-US" sz="1300"/>
-                        <a:t>보통 </a:t>
-                      </a:r>
-                      <a:r>
-                        <a:rPr lang="en-US" altLang="ko-KR" sz="1300"/>
-                        <a:t>float3/float4)</a:t>
-                      </a:r>
-                    </a:p>
-                  </a:txBody>
-                  <a:tcPr marL="64945" marR="64945" marT="32473" marB="32473" anchor="ctr">
-                    <a:lnL>
-                      <a:noFill/>
-                    </a:lnL>
-                    <a:lnR>
-                      <a:noFill/>
-                    </a:lnR>
-                    <a:lnT>
-                      <a:noFill/>
-                    </a:lnT>
-                    <a:lnB>
-                      <a:noFill/>
-                    </a:lnB>
-                    <a:solidFill>
-                      <a:schemeClr val="bg2"/>
-                    </a:solidFill>
-                  </a:tcPr>
-                </a:tc>
-                <a:extLst>
-                  <a:ext uri="{0D108BD9-81ED-4DB2-BD59-A6C34878D82A}">
-                    <a16:rowId xmlns:a16="http://schemas.microsoft.com/office/drawing/2014/main" val="2413076771"/>
-                  </a:ext>
-                </a:extLst>
-              </a:tr>
-              <a:tr h="259781">
-                <a:tc>
-                  <a:txBody>
-                    <a:bodyPr/>
-                    <a:lstStyle/>
-                    <a:p>
-                      <a:pPr>
-                        <a:buNone/>
-                      </a:pPr>
-                      <a:endParaRPr lang="ko-KR" altLang="en-US" sz="1300"/>
-                    </a:p>
-                  </a:txBody>
-                  <a:tcPr marL="64945" marR="64945" marT="32473" marB="32473" anchor="ctr">
-                    <a:lnL>
-                      <a:noFill/>
-                    </a:lnL>
-                    <a:lnR>
-                      <a:noFill/>
-                    </a:lnR>
-                    <a:lnT>
-                      <a:noFill/>
-                    </a:lnT>
-                    <a:lnB>
-                      <a:noFill/>
-                    </a:lnB>
-                    <a:solidFill>
-                      <a:schemeClr val="bg2"/>
-                    </a:solidFill>
-                  </a:tcPr>
-                </a:tc>
-                <a:tc>
-                  <a:txBody>
-                    <a:bodyPr/>
-                    <a:lstStyle/>
-                    <a:p>
-                      <a:pPr>
-                        <a:buNone/>
-                      </a:pPr>
-                      <a:r>
-                        <a:rPr lang="en-US" sz="1300"/>
-                        <a:t>NORMAL</a:t>
-                      </a:r>
-                    </a:p>
-                  </a:txBody>
-                  <a:tcPr marL="64945" marR="64945" marT="32473" marB="32473" anchor="ctr">
-                    <a:lnL>
-                      <a:noFill/>
-                    </a:lnL>
-                    <a:lnR>
-                      <a:noFill/>
-                    </a:lnR>
-                    <a:lnT>
-                      <a:noFill/>
-                    </a:lnT>
-                    <a:lnB>
-                      <a:noFill/>
-                    </a:lnB>
-                    <a:solidFill>
-                      <a:schemeClr val="bg2"/>
-                    </a:solidFill>
-                  </a:tcPr>
-                </a:tc>
-                <a:tc>
-                  <a:txBody>
-                    <a:bodyPr/>
-                    <a:lstStyle/>
-                    <a:p>
-                      <a:pPr>
-                        <a:buNone/>
-                      </a:pPr>
-                      <a:r>
-                        <a:rPr lang="ko-KR" altLang="en-US" sz="1300"/>
-                        <a:t>프로그래머</a:t>
-                      </a:r>
-                    </a:p>
-                  </a:txBody>
-                  <a:tcPr marL="64945" marR="64945" marT="32473" marB="32473" anchor="ctr">
-                    <a:lnL>
-                      <a:noFill/>
-                    </a:lnL>
-                    <a:lnR>
-                      <a:noFill/>
-                    </a:lnR>
-                    <a:lnT>
-                      <a:noFill/>
-                    </a:lnT>
-                    <a:lnB>
-                      <a:noFill/>
-                    </a:lnB>
-                    <a:solidFill>
-                      <a:schemeClr val="bg2"/>
-                    </a:solidFill>
-                  </a:tcPr>
-                </a:tc>
-                <a:tc>
-                  <a:txBody>
-                    <a:bodyPr/>
-                    <a:lstStyle/>
-                    <a:p>
-                      <a:pPr>
-                        <a:buNone/>
-                      </a:pPr>
-                      <a:r>
-                        <a:rPr lang="ko-KR" altLang="en-US" sz="1300"/>
-                        <a:t>정점 법선</a:t>
-                      </a:r>
-                    </a:p>
-                  </a:txBody>
-                  <a:tcPr marL="64945" marR="64945" marT="32473" marB="32473" anchor="ctr">
-                    <a:lnL>
-                      <a:noFill/>
-                    </a:lnL>
-                    <a:lnR>
-                      <a:noFill/>
-                    </a:lnR>
-                    <a:lnT>
-                      <a:noFill/>
-                    </a:lnT>
-                    <a:lnB>
-                      <a:noFill/>
-                    </a:lnB>
-                    <a:solidFill>
-                      <a:schemeClr val="bg2"/>
-                    </a:solidFill>
-                  </a:tcPr>
-                </a:tc>
-                <a:extLst>
-                  <a:ext uri="{0D108BD9-81ED-4DB2-BD59-A6C34878D82A}">
-                    <a16:rowId xmlns:a16="http://schemas.microsoft.com/office/drawing/2014/main" val="180658632"/>
-                  </a:ext>
-                </a:extLst>
-              </a:tr>
-              <a:tr h="259781">
-                <a:tc>
-                  <a:txBody>
-                    <a:bodyPr/>
-                    <a:lstStyle/>
-                    <a:p>
-                      <a:pPr>
-                        <a:buNone/>
-                      </a:pPr>
-                      <a:endParaRPr lang="ko-KR" altLang="en-US" sz="1300"/>
-                    </a:p>
-                  </a:txBody>
-                  <a:tcPr marL="64945" marR="64945" marT="32473" marB="32473" anchor="ctr">
-                    <a:lnL>
-                      <a:noFill/>
-                    </a:lnL>
-                    <a:lnR>
-                      <a:noFill/>
-                    </a:lnR>
-                    <a:lnT>
-                      <a:noFill/>
-                    </a:lnT>
-                    <a:lnB>
-                      <a:noFill/>
-                    </a:lnB>
-                    <a:solidFill>
-                      <a:schemeClr val="bg2"/>
-                    </a:solidFill>
-                  </a:tcPr>
-                </a:tc>
-                <a:tc>
-                  <a:txBody>
-                    <a:bodyPr/>
-                    <a:lstStyle/>
-                    <a:p>
-                      <a:pPr>
-                        <a:buNone/>
-                      </a:pPr>
-                      <a:r>
-                        <a:rPr lang="en-US" sz="1300"/>
-                        <a:t>TANGENT / BINORMAL</a:t>
-                      </a:r>
-                    </a:p>
-                  </a:txBody>
-                  <a:tcPr marL="64945" marR="64945" marT="32473" marB="32473" anchor="ctr">
-                    <a:lnL>
-                      <a:noFill/>
-                    </a:lnL>
-                    <a:lnR>
-                      <a:noFill/>
-                    </a:lnR>
-                    <a:lnT>
-                      <a:noFill/>
-                    </a:lnT>
-                    <a:lnB>
-                      <a:noFill/>
-                    </a:lnB>
-                    <a:solidFill>
-                      <a:schemeClr val="bg2"/>
-                    </a:solidFill>
-                  </a:tcPr>
-                </a:tc>
-                <a:tc>
-                  <a:txBody>
-                    <a:bodyPr/>
-                    <a:lstStyle/>
-                    <a:p>
-                      <a:pPr>
-                        <a:buNone/>
-                      </a:pPr>
-                      <a:r>
-                        <a:rPr lang="ko-KR" altLang="en-US" sz="1300"/>
-                        <a:t>프로그래머</a:t>
-                      </a:r>
-                    </a:p>
-                  </a:txBody>
-                  <a:tcPr marL="64945" marR="64945" marT="32473" marB="32473" anchor="ctr">
-                    <a:lnL>
-                      <a:noFill/>
-                    </a:lnL>
-                    <a:lnR>
-                      <a:noFill/>
-                    </a:lnR>
-                    <a:lnT>
-                      <a:noFill/>
-                    </a:lnT>
-                    <a:lnB>
-                      <a:noFill/>
-                    </a:lnB>
-                    <a:solidFill>
-                      <a:schemeClr val="bg2"/>
-                    </a:solidFill>
-                  </a:tcPr>
-                </a:tc>
-                <a:tc>
-                  <a:txBody>
-                    <a:bodyPr/>
-                    <a:lstStyle/>
-                    <a:p>
-                      <a:pPr>
-                        <a:buNone/>
-                      </a:pPr>
-                      <a:r>
-                        <a:rPr lang="en-US" altLang="ko-KR" sz="1300"/>
-                        <a:t>TBN </a:t>
-                      </a:r>
-                      <a:r>
-                        <a:rPr lang="ko-KR" altLang="en-US" sz="1300"/>
-                        <a:t>행렬 구성용 벡터</a:t>
-                      </a:r>
-                    </a:p>
-                  </a:txBody>
-                  <a:tcPr marL="64945" marR="64945" marT="32473" marB="32473" anchor="ctr">
-                    <a:lnL>
-                      <a:noFill/>
-                    </a:lnL>
-                    <a:lnR>
-                      <a:noFill/>
-                    </a:lnR>
-                    <a:lnT>
-                      <a:noFill/>
-                    </a:lnT>
-                    <a:lnB>
-                      <a:noFill/>
-                    </a:lnB>
-                    <a:solidFill>
-                      <a:schemeClr val="bg2"/>
-                    </a:solidFill>
-                  </a:tcPr>
-                </a:tc>
-                <a:extLst>
-                  <a:ext uri="{0D108BD9-81ED-4DB2-BD59-A6C34878D82A}">
-                    <a16:rowId xmlns:a16="http://schemas.microsoft.com/office/drawing/2014/main" val="2937178877"/>
-                  </a:ext>
-                </a:extLst>
-              </a:tr>
-              <a:tr h="259781">
-                <a:tc>
-                  <a:txBody>
-                    <a:bodyPr/>
-                    <a:lstStyle/>
-                    <a:p>
-                      <a:pPr>
-                        <a:buNone/>
-                      </a:pPr>
-                      <a:endParaRPr lang="ko-KR" altLang="en-US" sz="1300"/>
-                    </a:p>
-                  </a:txBody>
-                  <a:tcPr marL="64945" marR="64945" marT="32473" marB="32473" anchor="ctr">
-                    <a:lnL>
-                      <a:noFill/>
-                    </a:lnL>
-                    <a:lnR>
-                      <a:noFill/>
-                    </a:lnR>
-                    <a:lnT>
-                      <a:noFill/>
-                    </a:lnT>
-                    <a:lnB>
-                      <a:noFill/>
-                    </a:lnB>
-                    <a:solidFill>
-                      <a:schemeClr val="bg2"/>
-                    </a:solidFill>
-                  </a:tcPr>
-                </a:tc>
-                <a:tc>
-                  <a:txBody>
-                    <a:bodyPr/>
-                    <a:lstStyle/>
-                    <a:p>
-                      <a:pPr>
-                        <a:buNone/>
-                      </a:pPr>
-                      <a:r>
-                        <a:rPr lang="en-US" sz="1300"/>
-                        <a:t>COLOR</a:t>
-                      </a:r>
-                    </a:p>
-                  </a:txBody>
-                  <a:tcPr marL="64945" marR="64945" marT="32473" marB="32473" anchor="ctr">
-                    <a:lnL>
-                      <a:noFill/>
-                    </a:lnL>
-                    <a:lnR>
-                      <a:noFill/>
-                    </a:lnR>
-                    <a:lnT>
-                      <a:noFill/>
-                    </a:lnT>
-                    <a:lnB>
-                      <a:noFill/>
-                    </a:lnB>
-                    <a:solidFill>
-                      <a:schemeClr val="bg2"/>
-                    </a:solidFill>
-                  </a:tcPr>
-                </a:tc>
-                <a:tc>
-                  <a:txBody>
-                    <a:bodyPr/>
-                    <a:lstStyle/>
-                    <a:p>
-                      <a:pPr>
-                        <a:buNone/>
-                      </a:pPr>
-                      <a:r>
-                        <a:rPr lang="ko-KR" altLang="en-US" sz="1300"/>
-                        <a:t>프로그래머</a:t>
-                      </a:r>
-                    </a:p>
-                  </a:txBody>
-                  <a:tcPr marL="64945" marR="64945" marT="32473" marB="32473" anchor="ctr">
-                    <a:lnL>
-                      <a:noFill/>
-                    </a:lnL>
-                    <a:lnR>
-                      <a:noFill/>
-                    </a:lnR>
-                    <a:lnT>
-                      <a:noFill/>
-                    </a:lnT>
-                    <a:lnB>
-                      <a:noFill/>
-                    </a:lnB>
-                    <a:solidFill>
-                      <a:schemeClr val="bg2"/>
-                    </a:solidFill>
-                  </a:tcPr>
-                </a:tc>
-                <a:tc>
-                  <a:txBody>
-                    <a:bodyPr/>
-                    <a:lstStyle/>
-                    <a:p>
-                      <a:pPr>
-                        <a:buNone/>
-                      </a:pPr>
-                      <a:r>
-                        <a:rPr lang="ko-KR" altLang="en-US" sz="1300"/>
-                        <a:t>정점 색상</a:t>
-                      </a:r>
-                    </a:p>
-                  </a:txBody>
-                  <a:tcPr marL="64945" marR="64945" marT="32473" marB="32473" anchor="ctr">
-                    <a:lnL>
-                      <a:noFill/>
-                    </a:lnL>
-                    <a:lnR>
-                      <a:noFill/>
-                    </a:lnR>
-                    <a:lnT>
-                      <a:noFill/>
-                    </a:lnT>
-                    <a:lnB>
-                      <a:noFill/>
-                    </a:lnB>
-                    <a:solidFill>
-                      <a:schemeClr val="bg2"/>
-                    </a:solidFill>
-                  </a:tcPr>
-                </a:tc>
-                <a:extLst>
-                  <a:ext uri="{0D108BD9-81ED-4DB2-BD59-A6C34878D82A}">
-                    <a16:rowId xmlns:a16="http://schemas.microsoft.com/office/drawing/2014/main" val="2019386885"/>
-                  </a:ext>
-                </a:extLst>
-              </a:tr>
-              <a:tr h="454617">
-                <a:tc>
-                  <a:txBody>
-                    <a:bodyPr/>
-                    <a:lstStyle/>
-                    <a:p>
-                      <a:pPr>
-                        <a:buNone/>
-                      </a:pPr>
-                      <a:endParaRPr lang="ko-KR" altLang="en-US" sz="1300"/>
-                    </a:p>
-                  </a:txBody>
-                  <a:tcPr marL="64945" marR="64945" marT="32473" marB="32473" anchor="ctr">
-                    <a:lnL>
-                      <a:noFill/>
-                    </a:lnL>
-                    <a:lnR>
-                      <a:noFill/>
-                    </a:lnR>
-                    <a:lnT>
-                      <a:noFill/>
-                    </a:lnT>
-                    <a:lnB>
-                      <a:noFill/>
-                    </a:lnB>
-                    <a:solidFill>
-                      <a:schemeClr val="bg2"/>
-                    </a:solidFill>
-                  </a:tcPr>
-                </a:tc>
-                <a:tc>
-                  <a:txBody>
-                    <a:bodyPr/>
-                    <a:lstStyle/>
-                    <a:p>
-                      <a:pPr>
-                        <a:buNone/>
-                      </a:pPr>
-                      <a:r>
-                        <a:rPr lang="en-US" sz="1300"/>
-                        <a:t>TEXCOORDn</a:t>
-                      </a:r>
-                    </a:p>
-                  </a:txBody>
-                  <a:tcPr marL="64945" marR="64945" marT="32473" marB="32473" anchor="ctr">
-                    <a:lnL>
-                      <a:noFill/>
-                    </a:lnL>
-                    <a:lnR>
-                      <a:noFill/>
-                    </a:lnR>
-                    <a:lnT>
-                      <a:noFill/>
-                    </a:lnT>
-                    <a:lnB>
-                      <a:noFill/>
-                    </a:lnB>
-                    <a:solidFill>
-                      <a:schemeClr val="bg2"/>
-                    </a:solidFill>
-                  </a:tcPr>
-                </a:tc>
-                <a:tc>
-                  <a:txBody>
-                    <a:bodyPr/>
-                    <a:lstStyle/>
-                    <a:p>
-                      <a:pPr>
-                        <a:buNone/>
-                      </a:pPr>
-                      <a:r>
-                        <a:rPr lang="ko-KR" altLang="en-US" sz="1300" dirty="0"/>
-                        <a:t>프로그래머</a:t>
-                      </a:r>
-                    </a:p>
-                  </a:txBody>
-                  <a:tcPr marL="64945" marR="64945" marT="32473" marB="32473" anchor="ctr">
-                    <a:lnL>
-                      <a:noFill/>
-                    </a:lnL>
-                    <a:lnR>
-                      <a:noFill/>
-                    </a:lnR>
-                    <a:lnT>
-                      <a:noFill/>
-                    </a:lnT>
-                    <a:lnB>
-                      <a:noFill/>
-                    </a:lnB>
-                    <a:solidFill>
-                      <a:schemeClr val="bg2"/>
-                    </a:solidFill>
-                  </a:tcPr>
-                </a:tc>
-                <a:tc>
-                  <a:txBody>
-                    <a:bodyPr/>
-                    <a:lstStyle/>
-                    <a:p>
-                      <a:pPr>
-                        <a:buNone/>
-                      </a:pPr>
-                      <a:r>
-                        <a:rPr lang="ko-KR" altLang="en-US" sz="1300"/>
-                        <a:t>텍스처 좌표 </a:t>
-                      </a:r>
-                      <a:r>
-                        <a:rPr lang="en-US" altLang="ko-KR" sz="1300"/>
-                        <a:t>(0~7</a:t>
-                      </a:r>
-                      <a:r>
-                        <a:rPr lang="ko-KR" altLang="en-US" sz="1300"/>
-                        <a:t>번까지 보통 사용</a:t>
-                      </a:r>
-                      <a:r>
-                        <a:rPr lang="en-US" altLang="ko-KR" sz="1300"/>
-                        <a:t>)</a:t>
-                      </a:r>
-                    </a:p>
-                  </a:txBody>
-                  <a:tcPr marL="64945" marR="64945" marT="32473" marB="32473" anchor="ctr">
-                    <a:lnL>
-                      <a:noFill/>
-                    </a:lnL>
-                    <a:lnR>
-                      <a:noFill/>
-                    </a:lnR>
-                    <a:lnT>
-                      <a:noFill/>
-                    </a:lnT>
-                    <a:lnB>
-                      <a:noFill/>
-                    </a:lnB>
-                    <a:solidFill>
-                      <a:schemeClr val="bg2"/>
-                    </a:solidFill>
-                  </a:tcPr>
-                </a:tc>
-                <a:extLst>
-                  <a:ext uri="{0D108BD9-81ED-4DB2-BD59-A6C34878D82A}">
-                    <a16:rowId xmlns:a16="http://schemas.microsoft.com/office/drawing/2014/main" val="693896030"/>
-                  </a:ext>
-                </a:extLst>
-              </a:tr>
-              <a:tr h="454617">
-                <a:tc>
-                  <a:txBody>
-                    <a:bodyPr/>
-                    <a:lstStyle/>
-                    <a:p>
-                      <a:pPr>
-                        <a:buNone/>
-                      </a:pPr>
-                      <a:endParaRPr lang="ko-KR" altLang="en-US" sz="1300"/>
-                    </a:p>
-                  </a:txBody>
-                  <a:tcPr marL="64945" marR="64945" marT="32473" marB="32473" anchor="ctr">
-                    <a:lnL>
-                      <a:noFill/>
-                    </a:lnL>
-                    <a:lnR>
-                      <a:noFill/>
-                    </a:lnR>
-                    <a:lnT>
-                      <a:noFill/>
-                    </a:lnT>
-                    <a:lnB>
-                      <a:noFill/>
-                    </a:lnB>
-                    <a:solidFill>
-                      <a:schemeClr val="bg2"/>
-                    </a:solidFill>
-                  </a:tcPr>
-                </a:tc>
-                <a:tc>
-                  <a:txBody>
-                    <a:bodyPr/>
-                    <a:lstStyle/>
-                    <a:p>
-                      <a:pPr>
-                        <a:buNone/>
-                      </a:pPr>
-                      <a:r>
-                        <a:rPr lang="en-US" sz="1300"/>
-                        <a:t>BLENDINDICES / BLENDWEIGHT</a:t>
-                      </a:r>
-                    </a:p>
-                  </a:txBody>
-                  <a:tcPr marL="64945" marR="64945" marT="32473" marB="32473" anchor="ctr">
-                    <a:lnL>
-                      <a:noFill/>
-                    </a:lnL>
-                    <a:lnR>
-                      <a:noFill/>
-                    </a:lnR>
-                    <a:lnT>
-                      <a:noFill/>
-                    </a:lnT>
-                    <a:lnB>
-                      <a:noFill/>
-                    </a:lnB>
-                    <a:solidFill>
-                      <a:schemeClr val="bg2"/>
-                    </a:solidFill>
-                  </a:tcPr>
-                </a:tc>
-                <a:tc>
-                  <a:txBody>
-                    <a:bodyPr/>
-                    <a:lstStyle/>
-                    <a:p>
-                      <a:pPr>
-                        <a:buNone/>
-                      </a:pPr>
-                      <a:r>
-                        <a:rPr lang="ko-KR" altLang="en-US" sz="1300"/>
-                        <a:t>프로그래머</a:t>
-                      </a:r>
-                    </a:p>
-                  </a:txBody>
-                  <a:tcPr marL="64945" marR="64945" marT="32473" marB="32473" anchor="ctr">
-                    <a:lnL>
-                      <a:noFill/>
-                    </a:lnL>
-                    <a:lnR>
-                      <a:noFill/>
-                    </a:lnR>
-                    <a:lnT>
-                      <a:noFill/>
-                    </a:lnT>
-                    <a:lnB>
-                      <a:noFill/>
-                    </a:lnB>
-                    <a:solidFill>
-                      <a:schemeClr val="bg2"/>
-                    </a:solidFill>
-                  </a:tcPr>
-                </a:tc>
-                <a:tc>
-                  <a:txBody>
-                    <a:bodyPr/>
-                    <a:lstStyle/>
-                    <a:p>
-                      <a:pPr>
-                        <a:buNone/>
-                      </a:pPr>
-                      <a:r>
-                        <a:rPr lang="ko-KR" altLang="en-US" sz="1300"/>
-                        <a:t>스키닝</a:t>
-                      </a:r>
-                      <a:r>
-                        <a:rPr lang="en-US" altLang="ko-KR" sz="1300"/>
-                        <a:t>(Skinning)</a:t>
-                      </a:r>
-                      <a:r>
-                        <a:rPr lang="ko-KR" altLang="en-US" sz="1300"/>
-                        <a:t>용 본 인덱스</a:t>
-                      </a:r>
-                      <a:r>
-                        <a:rPr lang="en-US" altLang="ko-KR" sz="1300"/>
-                        <a:t>/</a:t>
-                      </a:r>
-                      <a:r>
-                        <a:rPr lang="ko-KR" altLang="en-US" sz="1300"/>
-                        <a:t>가중치</a:t>
-                      </a:r>
-                    </a:p>
-                  </a:txBody>
-                  <a:tcPr marL="64945" marR="64945" marT="32473" marB="32473" anchor="ctr">
-                    <a:lnL>
-                      <a:noFill/>
-                    </a:lnL>
-                    <a:lnR>
-                      <a:noFill/>
-                    </a:lnR>
-                    <a:lnT>
-                      <a:noFill/>
-                    </a:lnT>
-                    <a:lnB>
-                      <a:noFill/>
-                    </a:lnB>
-                    <a:solidFill>
-                      <a:schemeClr val="bg2"/>
-                    </a:solidFill>
-                  </a:tcPr>
-                </a:tc>
-                <a:extLst>
-                  <a:ext uri="{0D108BD9-81ED-4DB2-BD59-A6C34878D82A}">
-                    <a16:rowId xmlns:a16="http://schemas.microsoft.com/office/drawing/2014/main" val="234783654"/>
-                  </a:ext>
-                </a:extLst>
-              </a:tr>
-              <a:tr h="454617">
-                <a:tc>
-                  <a:txBody>
-                    <a:bodyPr/>
-                    <a:lstStyle/>
-                    <a:p>
-                      <a:pPr>
-                        <a:buNone/>
-                      </a:pPr>
-                      <a:r>
-                        <a:rPr lang="ko-KR" altLang="en-US" sz="1300" b="1"/>
-                        <a:t>시스템 제공 입력</a:t>
-                      </a:r>
-                      <a:endParaRPr lang="ko-KR" altLang="en-US" sz="1300"/>
-                    </a:p>
-                  </a:txBody>
-                  <a:tcPr marL="64945" marR="64945" marT="32473" marB="32473" anchor="ctr">
-                    <a:lnL>
-                      <a:noFill/>
-                    </a:lnL>
-                    <a:lnR>
-                      <a:noFill/>
-                    </a:lnR>
-                    <a:lnT>
-                      <a:noFill/>
-                    </a:lnT>
-                    <a:lnB>
-                      <a:noFill/>
-                    </a:lnB>
-                    <a:solidFill>
-                      <a:schemeClr val="bg2"/>
-                    </a:solidFill>
-                  </a:tcPr>
-                </a:tc>
-                <a:tc>
-                  <a:txBody>
-                    <a:bodyPr/>
-                    <a:lstStyle/>
-                    <a:p>
-                      <a:pPr>
-                        <a:buNone/>
-                      </a:pPr>
-                      <a:r>
-                        <a:rPr lang="en-US" sz="1300"/>
-                        <a:t>SV_VertexID</a:t>
-                      </a:r>
-                    </a:p>
-                  </a:txBody>
-                  <a:tcPr marL="64945" marR="64945" marT="32473" marB="32473" anchor="ctr">
-                    <a:lnL>
-                      <a:noFill/>
-                    </a:lnL>
-                    <a:lnR>
-                      <a:noFill/>
-                    </a:lnR>
-                    <a:lnT>
-                      <a:noFill/>
-                    </a:lnT>
-                    <a:lnB>
-                      <a:noFill/>
-                    </a:lnB>
-                    <a:solidFill>
-                      <a:schemeClr val="bg2"/>
-                    </a:solidFill>
-                  </a:tcPr>
-                </a:tc>
-                <a:tc>
-                  <a:txBody>
-                    <a:bodyPr/>
-                    <a:lstStyle/>
-                    <a:p>
-                      <a:pPr>
-                        <a:buNone/>
-                      </a:pPr>
-                      <a:r>
-                        <a:rPr lang="ko-KR" altLang="en-US" sz="1300"/>
-                        <a:t>시스템 예약</a:t>
-                      </a:r>
-                    </a:p>
-                  </a:txBody>
-                  <a:tcPr marL="64945" marR="64945" marT="32473" marB="32473" anchor="ctr">
-                    <a:lnL>
-                      <a:noFill/>
-                    </a:lnL>
-                    <a:lnR>
-                      <a:noFill/>
-                    </a:lnR>
-                    <a:lnT>
-                      <a:noFill/>
-                    </a:lnT>
-                    <a:lnB>
-                      <a:noFill/>
-                    </a:lnB>
-                    <a:solidFill>
-                      <a:schemeClr val="bg2"/>
-                    </a:solidFill>
-                  </a:tcPr>
-                </a:tc>
-                <a:tc>
-                  <a:txBody>
-                    <a:bodyPr/>
-                    <a:lstStyle/>
-                    <a:p>
-                      <a:pPr>
-                        <a:buNone/>
-                      </a:pPr>
-                      <a:r>
-                        <a:rPr lang="en-US" altLang="ko-KR" sz="1300"/>
-                        <a:t>Input Assembler</a:t>
-                      </a:r>
-                      <a:r>
-                        <a:rPr lang="ko-KR" altLang="en-US" sz="1300"/>
-                        <a:t>에서 넘겨주는 정점 번호</a:t>
-                      </a:r>
-                    </a:p>
-                  </a:txBody>
-                  <a:tcPr marL="64945" marR="64945" marT="32473" marB="32473" anchor="ctr">
-                    <a:lnL>
-                      <a:noFill/>
-                    </a:lnL>
-                    <a:lnR>
-                      <a:noFill/>
-                    </a:lnR>
-                    <a:lnT>
-                      <a:noFill/>
-                    </a:lnT>
-                    <a:lnB>
-                      <a:noFill/>
-                    </a:lnB>
-                    <a:solidFill>
-                      <a:schemeClr val="bg2"/>
-                    </a:solidFill>
-                  </a:tcPr>
-                </a:tc>
-                <a:extLst>
-                  <a:ext uri="{0D108BD9-81ED-4DB2-BD59-A6C34878D82A}">
-                    <a16:rowId xmlns:a16="http://schemas.microsoft.com/office/drawing/2014/main" val="673417640"/>
-                  </a:ext>
-                </a:extLst>
-              </a:tr>
-              <a:tr h="454617">
-                <a:tc>
-                  <a:txBody>
-                    <a:bodyPr/>
-                    <a:lstStyle/>
-                    <a:p>
-                      <a:pPr>
-                        <a:buNone/>
-                      </a:pPr>
-                      <a:endParaRPr lang="ko-KR" altLang="en-US" sz="1300"/>
-                    </a:p>
-                  </a:txBody>
-                  <a:tcPr marL="64945" marR="64945" marT="32473" marB="32473" anchor="ctr">
-                    <a:lnL>
-                      <a:noFill/>
-                    </a:lnL>
-                    <a:lnR>
-                      <a:noFill/>
-                    </a:lnR>
-                    <a:lnT>
-                      <a:noFill/>
-                    </a:lnT>
-                    <a:lnB>
-                      <a:noFill/>
-                    </a:lnB>
-                    <a:solidFill>
-                      <a:schemeClr val="bg2"/>
-                    </a:solidFill>
-                  </a:tcPr>
-                </a:tc>
-                <a:tc>
-                  <a:txBody>
-                    <a:bodyPr/>
-                    <a:lstStyle/>
-                    <a:p>
-                      <a:pPr>
-                        <a:buNone/>
-                      </a:pPr>
-                      <a:r>
-                        <a:rPr lang="en-US" sz="1300" dirty="0" err="1"/>
-                        <a:t>SV_InstanceID</a:t>
-                      </a:r>
-                      <a:endParaRPr lang="en-US" sz="1300" dirty="0"/>
-                    </a:p>
-                  </a:txBody>
-                  <a:tcPr marL="64945" marR="64945" marT="32473" marB="32473" anchor="ctr">
-                    <a:lnL>
-                      <a:noFill/>
-                    </a:lnL>
-                    <a:lnR>
-                      <a:noFill/>
-                    </a:lnR>
-                    <a:lnT>
-                      <a:noFill/>
-                    </a:lnT>
-                    <a:lnB>
-                      <a:noFill/>
-                    </a:lnB>
-                    <a:solidFill>
-                      <a:schemeClr val="bg2"/>
-                    </a:solidFill>
-                  </a:tcPr>
-                </a:tc>
-                <a:tc>
-                  <a:txBody>
-                    <a:bodyPr/>
-                    <a:lstStyle/>
-                    <a:p>
-                      <a:pPr>
-                        <a:buNone/>
-                      </a:pPr>
-                      <a:r>
-                        <a:rPr lang="ko-KR" altLang="en-US" sz="1300"/>
-                        <a:t>시스템 예약</a:t>
-                      </a:r>
-                    </a:p>
-                  </a:txBody>
-                  <a:tcPr marL="64945" marR="64945" marT="32473" marB="32473" anchor="ctr">
-                    <a:lnL>
-                      <a:noFill/>
-                    </a:lnL>
-                    <a:lnR>
-                      <a:noFill/>
-                    </a:lnR>
-                    <a:lnT>
-                      <a:noFill/>
-                    </a:lnT>
-                    <a:lnB>
-                      <a:noFill/>
-                    </a:lnB>
-                    <a:solidFill>
-                      <a:schemeClr val="bg2"/>
-                    </a:solidFill>
-                  </a:tcPr>
-                </a:tc>
-                <a:tc>
-                  <a:txBody>
-                    <a:bodyPr/>
-                    <a:lstStyle/>
-                    <a:p>
-                      <a:pPr>
-                        <a:buNone/>
-                      </a:pPr>
-                      <a:r>
-                        <a:rPr lang="ko-KR" altLang="en-US" sz="1300" dirty="0"/>
-                        <a:t>인스턴스 드로우 시 인스턴스 번호</a:t>
-                      </a:r>
-                    </a:p>
-                  </a:txBody>
-                  <a:tcPr marL="64945" marR="64945" marT="32473" marB="32473" anchor="ctr">
-                    <a:lnL>
-                      <a:noFill/>
-                    </a:lnL>
-                    <a:lnR>
-                      <a:noFill/>
-                    </a:lnR>
-                    <a:lnT>
-                      <a:noFill/>
-                    </a:lnT>
-                    <a:lnB>
-                      <a:noFill/>
-                    </a:lnB>
-                    <a:solidFill>
-                      <a:schemeClr val="bg2"/>
-                    </a:solidFill>
-                  </a:tcPr>
-                </a:tc>
-                <a:extLst>
-                  <a:ext uri="{0D108BD9-81ED-4DB2-BD59-A6C34878D82A}">
-                    <a16:rowId xmlns:a16="http://schemas.microsoft.com/office/drawing/2014/main" val="3338798865"/>
-                  </a:ext>
-                </a:extLst>
-              </a:tr>
-            </a:tbl>
-          </a:graphicData>
-        </a:graphic>
-      </p:graphicFrame>
+      <p:sp>
+        <p:nvSpPr>
+          <p:cNvPr id="4" name="TextBox 3">
+            <a:extLst>
+              <a:ext uri="{FF2B5EF4-FFF2-40B4-BE49-F238E27FC236}">
+                <a16:creationId xmlns:a16="http://schemas.microsoft.com/office/drawing/2014/main" id="{6F591934-9A03-761B-266C-ABE5936BB022}"/>
+              </a:ext>
+            </a:extLst>
+          </p:cNvPr>
+          <p:cNvSpPr txBox="1"/>
+          <p:nvPr/>
+        </p:nvSpPr>
+        <p:spPr>
+          <a:xfrm>
+            <a:off x="838200" y="1580869"/>
+            <a:ext cx="4475905" cy="369332"/>
+          </a:xfrm>
+          <a:prstGeom prst="rect">
+            <a:avLst/>
+          </a:prstGeom>
+          <a:noFill/>
+        </p:spPr>
+        <p:txBody>
+          <a:bodyPr wrap="none" rtlCol="0">
+            <a:spAutoFit/>
+          </a:bodyPr>
+          <a:lstStyle/>
+          <a:p>
+            <a:r>
+              <a:rPr lang="en-US" altLang="ko-KR" dirty="0"/>
+              <a:t>SV_ </a:t>
+            </a:r>
+            <a:r>
+              <a:rPr lang="ko-KR" altLang="en-US" dirty="0"/>
+              <a:t>는 </a:t>
+            </a:r>
+            <a:r>
+              <a:rPr lang="en-US" altLang="ko-KR" dirty="0"/>
+              <a:t>system value GPU</a:t>
+            </a:r>
+            <a:r>
+              <a:rPr lang="ko-KR" altLang="en-US" dirty="0"/>
+              <a:t>가 값을 채운다</a:t>
+            </a:r>
+            <a:r>
+              <a:rPr lang="en-US" altLang="ko-KR" dirty="0"/>
+              <a:t>.</a:t>
+            </a:r>
+            <a:endParaRPr lang="ko-KR" altLang="en-US" dirty="0"/>
+          </a:p>
+        </p:txBody>
+      </p:sp>
+      <p:pic>
+        <p:nvPicPr>
+          <p:cNvPr id="7" name="그림 6">
+            <a:extLst>
+              <a:ext uri="{FF2B5EF4-FFF2-40B4-BE49-F238E27FC236}">
+                <a16:creationId xmlns:a16="http://schemas.microsoft.com/office/drawing/2014/main" id="{BC4E82C5-A054-C2E8-0D55-77F198519792}"/>
+              </a:ext>
+            </a:extLst>
+          </p:cNvPr>
+          <p:cNvPicPr>
+            <a:picLocks noChangeAspect="1"/>
+          </p:cNvPicPr>
+          <p:nvPr/>
+        </p:nvPicPr>
+        <p:blipFill>
+          <a:blip r:embed="rId2"/>
+          <a:stretch>
+            <a:fillRect/>
+          </a:stretch>
+        </p:blipFill>
+        <p:spPr>
+          <a:xfrm>
+            <a:off x="1590757" y="2057400"/>
+            <a:ext cx="6315613" cy="4672472"/>
+          </a:xfrm>
+          <a:prstGeom prst="rect">
+            <a:avLst/>
+          </a:prstGeom>
+        </p:spPr>
+      </p:pic>
     </p:spTree>
     <p:extLst>
       <p:ext uri="{BB962C8B-B14F-4D97-AF65-F5344CB8AC3E}">

--- a/Documents/02기초-삼각형그리기.pptx
+++ b/Documents/02기초-삼각형그리기.pptx
@@ -4715,7 +4715,7 @@
             <a:prstDash val="dash"/>
             <a:extLst>
               <a:ext uri="{C807C97D-BFC1-408E-A445-0C87EB9F89A2}">
-                <ask:lineSketchStyleProps xmlns:ask="http://schemas.microsoft.com/office/drawing/2018/sketchyshapes" sd="1166495805">
+                <ask:lineSketchStyleProps xmlns:ask="http://schemas.microsoft.com/office/drawing/2018/sketchyshapes" xmlns="" sd="1166495805">
                   <a:custGeom>
                     <a:avLst/>
                     <a:gdLst>
@@ -12030,7 +12030,7 @@
             <a:prstDash val="dash"/>
             <a:extLst>
               <a:ext uri="{C807C97D-BFC1-408E-A445-0C87EB9F89A2}">
-                <ask:lineSketchStyleProps xmlns:ask="http://schemas.microsoft.com/office/drawing/2018/sketchyshapes" sd="1166495805">
+                <ask:lineSketchStyleProps xmlns:ask="http://schemas.microsoft.com/office/drawing/2018/sketchyshapes" xmlns="" sd="1166495805">
                   <a:custGeom>
                     <a:avLst/>
                     <a:gdLst>
@@ -16426,7 +16426,7 @@
             <a:prstDash val="dash"/>
             <a:extLst>
               <a:ext uri="{C807C97D-BFC1-408E-A445-0C87EB9F89A2}">
-                <ask:lineSketchStyleProps xmlns:ask="http://schemas.microsoft.com/office/drawing/2018/sketchyshapes" sd="1166495805">
+                <ask:lineSketchStyleProps xmlns:ask="http://schemas.microsoft.com/office/drawing/2018/sketchyshapes" xmlns="" sd="1166495805">
                   <a:custGeom>
                     <a:avLst/>
                     <a:gdLst>
